--- a/OnlineQuizPPTAnam.pptx
+++ b/OnlineQuizPPTAnam.pptx
@@ -133,6 +133,22 @@
       </a:defRPr>
     </a:lvl9pPr>
   </p:defaultTextStyle>
+  <p:extLst>
+    <p:ext uri="{EFAFB233-063F-42B5-8137-9DF3F51BA10A}">
+      <p15:sldGuideLst xmlns:p15="http://schemas.microsoft.com/office/powerpoint/2012/main">
+        <p15:guide id="1" orient="horz" pos="2160">
+          <p15:clr>
+            <a:srgbClr val="A4A3A4"/>
+          </p15:clr>
+        </p15:guide>
+        <p15:guide id="2" pos="2880">
+          <p15:clr>
+            <a:srgbClr val="A4A3A4"/>
+          </p15:clr>
+        </p15:guide>
+      </p15:sldGuideLst>
+    </p:ext>
+  </p:extLst>
 </p:presentation>
 </file>
 
@@ -219,7 +235,7 @@
             <a:fld id="{E08FC2D4-2DF6-4F6D-81C1-2FCD2FFCA6C3}" type="datetimeFigureOut">
               <a:rPr lang="en-US" smtClean="0"/>
               <a:pPr/>
-              <a:t>7/4/2020</a:t>
+              <a:t>7/6/2020</a:t>
             </a:fld>
             <a:endParaRPr lang="en-US"/>
           </a:p>
@@ -382,7 +398,7 @@
             <a:fld id="{5EB04D94-B70E-42AA-B1DE-63461CDF7C43}" type="datetimeFigureOut">
               <a:rPr lang="en-US" smtClean="0"/>
               <a:pPr/>
-              <a:t>7/4/2020</a:t>
+              <a:t>7/6/2020</a:t>
             </a:fld>
             <a:endParaRPr lang="en-US"/>
           </a:p>
@@ -448,38 +464,37 @@
           <a:p>
             <a:pPr lvl="0"/>
             <a:r>
-              <a:rPr lang="en-US" smtClean="0"/>
+              <a:rPr lang="en-US"/>
               <a:t>Click to edit Master text styles</a:t>
             </a:r>
           </a:p>
           <a:p>
             <a:pPr lvl="1"/>
             <a:r>
-              <a:rPr lang="en-US" smtClean="0"/>
+              <a:rPr lang="en-US"/>
               <a:t>Second level</a:t>
             </a:r>
           </a:p>
           <a:p>
             <a:pPr lvl="2"/>
             <a:r>
-              <a:rPr lang="en-US" smtClean="0"/>
+              <a:rPr lang="en-US"/>
               <a:t>Third level</a:t>
             </a:r>
           </a:p>
           <a:p>
             <a:pPr lvl="3"/>
             <a:r>
-              <a:rPr lang="en-US" smtClean="0"/>
+              <a:rPr lang="en-US"/>
               <a:t>Fourth level</a:t>
             </a:r>
           </a:p>
           <a:p>
             <a:pPr lvl="4"/>
             <a:r>
-              <a:rPr lang="en-US" smtClean="0"/>
+              <a:rPr lang="en-US"/>
               <a:t>Fifth level</a:t>
             </a:r>
-            <a:endParaRPr lang="en-US"/>
           </a:p>
         </p:txBody>
       </p:sp>
@@ -856,10 +871,9 @@
           <a:lstStyle/>
           <a:p>
             <a:r>
-              <a:rPr lang="en-US" smtClean="0"/>
+              <a:rPr lang="en-US"/>
               <a:t>Click to edit Master title style</a:t>
             </a:r>
-            <a:endParaRPr lang="en-US"/>
           </a:p>
         </p:txBody>
       </p:sp>
@@ -975,10 +989,9 @@
           </a:lstStyle>
           <a:p>
             <a:r>
-              <a:rPr lang="en-US" smtClean="0"/>
+              <a:rPr lang="en-US"/>
               <a:t>Click to edit Master subtitle style</a:t>
             </a:r>
-            <a:endParaRPr lang="en-US"/>
           </a:p>
         </p:txBody>
       </p:sp>
@@ -998,10 +1011,9 @@
           <a:lstStyle/>
           <a:p>
             <a:r>
-              <a:rPr lang="en-US" smtClean="0"/>
+              <a:rPr lang="en-US"/>
               <a:t>6/25/2020</a:t>
             </a:r>
-            <a:endParaRPr lang="en-US"/>
           </a:p>
         </p:txBody>
       </p:sp>
@@ -1089,10 +1101,9 @@
           <a:lstStyle/>
           <a:p>
             <a:r>
-              <a:rPr lang="en-US" smtClean="0"/>
+              <a:rPr lang="en-US"/>
               <a:t>Click to edit Master title style</a:t>
             </a:r>
-            <a:endParaRPr lang="en-US"/>
           </a:p>
         </p:txBody>
       </p:sp>
@@ -1113,38 +1124,37 @@
           <a:p>
             <a:pPr lvl="0"/>
             <a:r>
-              <a:rPr lang="en-US" smtClean="0"/>
+              <a:rPr lang="en-US"/>
               <a:t>Click to edit Master text styles</a:t>
             </a:r>
           </a:p>
           <a:p>
             <a:pPr lvl="1"/>
             <a:r>
-              <a:rPr lang="en-US" smtClean="0"/>
+              <a:rPr lang="en-US"/>
               <a:t>Second level</a:t>
             </a:r>
           </a:p>
           <a:p>
             <a:pPr lvl="2"/>
             <a:r>
-              <a:rPr lang="en-US" smtClean="0"/>
+              <a:rPr lang="en-US"/>
               <a:t>Third level</a:t>
             </a:r>
           </a:p>
           <a:p>
             <a:pPr lvl="3"/>
             <a:r>
-              <a:rPr lang="en-US" smtClean="0"/>
+              <a:rPr lang="en-US"/>
               <a:t>Fourth level</a:t>
             </a:r>
           </a:p>
           <a:p>
             <a:pPr lvl="4"/>
             <a:r>
-              <a:rPr lang="en-US" smtClean="0"/>
+              <a:rPr lang="en-US"/>
               <a:t>Fifth level</a:t>
             </a:r>
-            <a:endParaRPr lang="en-US"/>
           </a:p>
         </p:txBody>
       </p:sp>
@@ -1164,10 +1174,9 @@
           <a:lstStyle/>
           <a:p>
             <a:r>
-              <a:rPr lang="en-US" smtClean="0"/>
+              <a:rPr lang="en-US"/>
               <a:t>6/25/2020</a:t>
             </a:r>
-            <a:endParaRPr lang="en-US"/>
           </a:p>
         </p:txBody>
       </p:sp>
@@ -1260,10 +1269,9 @@
           <a:lstStyle/>
           <a:p>
             <a:r>
-              <a:rPr lang="en-US" smtClean="0"/>
+              <a:rPr lang="en-US"/>
               <a:t>Click to edit Master title style</a:t>
             </a:r>
-            <a:endParaRPr lang="en-US"/>
           </a:p>
         </p:txBody>
       </p:sp>
@@ -1289,38 +1297,37 @@
           <a:p>
             <a:pPr lvl="0"/>
             <a:r>
-              <a:rPr lang="en-US" smtClean="0"/>
+              <a:rPr lang="en-US"/>
               <a:t>Click to edit Master text styles</a:t>
             </a:r>
           </a:p>
           <a:p>
             <a:pPr lvl="1"/>
             <a:r>
-              <a:rPr lang="en-US" smtClean="0"/>
+              <a:rPr lang="en-US"/>
               <a:t>Second level</a:t>
             </a:r>
           </a:p>
           <a:p>
             <a:pPr lvl="2"/>
             <a:r>
-              <a:rPr lang="en-US" smtClean="0"/>
+              <a:rPr lang="en-US"/>
               <a:t>Third level</a:t>
             </a:r>
           </a:p>
           <a:p>
             <a:pPr lvl="3"/>
             <a:r>
-              <a:rPr lang="en-US" smtClean="0"/>
+              <a:rPr lang="en-US"/>
               <a:t>Fourth level</a:t>
             </a:r>
           </a:p>
           <a:p>
             <a:pPr lvl="4"/>
             <a:r>
-              <a:rPr lang="en-US" smtClean="0"/>
+              <a:rPr lang="en-US"/>
               <a:t>Fifth level</a:t>
             </a:r>
-            <a:endParaRPr lang="en-US"/>
           </a:p>
         </p:txBody>
       </p:sp>
@@ -1340,10 +1347,9 @@
           <a:lstStyle/>
           <a:p>
             <a:r>
-              <a:rPr lang="en-US" smtClean="0"/>
+              <a:rPr lang="en-US"/>
               <a:t>6/25/2020</a:t>
             </a:r>
-            <a:endParaRPr lang="en-US"/>
           </a:p>
         </p:txBody>
       </p:sp>
@@ -1431,10 +1437,9 @@
           <a:lstStyle/>
           <a:p>
             <a:r>
-              <a:rPr lang="en-US" smtClean="0"/>
+              <a:rPr lang="en-US"/>
               <a:t>Click to edit Master title style</a:t>
             </a:r>
-            <a:endParaRPr lang="en-US"/>
           </a:p>
         </p:txBody>
       </p:sp>
@@ -1455,38 +1460,37 @@
           <a:p>
             <a:pPr lvl="0"/>
             <a:r>
-              <a:rPr lang="en-US" smtClean="0"/>
+              <a:rPr lang="en-US"/>
               <a:t>Click to edit Master text styles</a:t>
             </a:r>
           </a:p>
           <a:p>
             <a:pPr lvl="1"/>
             <a:r>
-              <a:rPr lang="en-US" smtClean="0"/>
+              <a:rPr lang="en-US"/>
               <a:t>Second level</a:t>
             </a:r>
           </a:p>
           <a:p>
             <a:pPr lvl="2"/>
             <a:r>
-              <a:rPr lang="en-US" smtClean="0"/>
+              <a:rPr lang="en-US"/>
               <a:t>Third level</a:t>
             </a:r>
           </a:p>
           <a:p>
             <a:pPr lvl="3"/>
             <a:r>
-              <a:rPr lang="en-US" smtClean="0"/>
+              <a:rPr lang="en-US"/>
               <a:t>Fourth level</a:t>
             </a:r>
           </a:p>
           <a:p>
             <a:pPr lvl="4"/>
             <a:r>
-              <a:rPr lang="en-US" smtClean="0"/>
+              <a:rPr lang="en-US"/>
               <a:t>Fifth level</a:t>
             </a:r>
-            <a:endParaRPr lang="en-US"/>
           </a:p>
         </p:txBody>
       </p:sp>
@@ -1506,10 +1510,9 @@
           <a:lstStyle/>
           <a:p>
             <a:r>
-              <a:rPr lang="en-US" smtClean="0"/>
+              <a:rPr lang="en-US"/>
               <a:t>6/25/2020</a:t>
             </a:r>
-            <a:endParaRPr lang="en-US"/>
           </a:p>
         </p:txBody>
       </p:sp>
@@ -1606,10 +1609,9 @@
           </a:lstStyle>
           <a:p>
             <a:r>
-              <a:rPr lang="en-US" smtClean="0"/>
+              <a:rPr lang="en-US"/>
               <a:t>Click to edit Master title style</a:t>
             </a:r>
-            <a:endParaRPr lang="en-US"/>
           </a:p>
         </p:txBody>
       </p:sp>
@@ -1726,7 +1728,7 @@
           <a:p>
             <a:pPr lvl="0"/>
             <a:r>
-              <a:rPr lang="en-US" smtClean="0"/>
+              <a:rPr lang="en-US"/>
               <a:t>Click to edit Master text styles</a:t>
             </a:r>
           </a:p>
@@ -1748,10 +1750,9 @@
           <a:lstStyle/>
           <a:p>
             <a:r>
-              <a:rPr lang="en-US" smtClean="0"/>
+              <a:rPr lang="en-US"/>
               <a:t>6/25/2020</a:t>
             </a:r>
-            <a:endParaRPr lang="en-US"/>
           </a:p>
         </p:txBody>
       </p:sp>
@@ -1839,10 +1840,9 @@
           <a:lstStyle/>
           <a:p>
             <a:r>
-              <a:rPr lang="en-US" smtClean="0"/>
+              <a:rPr lang="en-US"/>
               <a:t>Click to edit Master title style</a:t>
             </a:r>
-            <a:endParaRPr lang="en-US"/>
           </a:p>
         </p:txBody>
       </p:sp>
@@ -1896,38 +1896,37 @@
           <a:p>
             <a:pPr lvl="0"/>
             <a:r>
-              <a:rPr lang="en-US" smtClean="0"/>
+              <a:rPr lang="en-US"/>
               <a:t>Click to edit Master text styles</a:t>
             </a:r>
           </a:p>
           <a:p>
             <a:pPr lvl="1"/>
             <a:r>
-              <a:rPr lang="en-US" smtClean="0"/>
+              <a:rPr lang="en-US"/>
               <a:t>Second level</a:t>
             </a:r>
           </a:p>
           <a:p>
             <a:pPr lvl="2"/>
             <a:r>
-              <a:rPr lang="en-US" smtClean="0"/>
+              <a:rPr lang="en-US"/>
               <a:t>Third level</a:t>
             </a:r>
           </a:p>
           <a:p>
             <a:pPr lvl="3"/>
             <a:r>
-              <a:rPr lang="en-US" smtClean="0"/>
+              <a:rPr lang="en-US"/>
               <a:t>Fourth level</a:t>
             </a:r>
           </a:p>
           <a:p>
             <a:pPr lvl="4"/>
             <a:r>
-              <a:rPr lang="en-US" smtClean="0"/>
+              <a:rPr lang="en-US"/>
               <a:t>Fifth level</a:t>
             </a:r>
-            <a:endParaRPr lang="en-US"/>
           </a:p>
         </p:txBody>
       </p:sp>
@@ -1981,38 +1980,37 @@
           <a:p>
             <a:pPr lvl="0"/>
             <a:r>
-              <a:rPr lang="en-US" smtClean="0"/>
+              <a:rPr lang="en-US"/>
               <a:t>Click to edit Master text styles</a:t>
             </a:r>
           </a:p>
           <a:p>
             <a:pPr lvl="1"/>
             <a:r>
-              <a:rPr lang="en-US" smtClean="0"/>
+              <a:rPr lang="en-US"/>
               <a:t>Second level</a:t>
             </a:r>
           </a:p>
           <a:p>
             <a:pPr lvl="2"/>
             <a:r>
-              <a:rPr lang="en-US" smtClean="0"/>
+              <a:rPr lang="en-US"/>
               <a:t>Third level</a:t>
             </a:r>
           </a:p>
           <a:p>
             <a:pPr lvl="3"/>
             <a:r>
-              <a:rPr lang="en-US" smtClean="0"/>
+              <a:rPr lang="en-US"/>
               <a:t>Fourth level</a:t>
             </a:r>
           </a:p>
           <a:p>
             <a:pPr lvl="4"/>
             <a:r>
-              <a:rPr lang="en-US" smtClean="0"/>
+              <a:rPr lang="en-US"/>
               <a:t>Fifth level</a:t>
             </a:r>
-            <a:endParaRPr lang="en-US"/>
           </a:p>
         </p:txBody>
       </p:sp>
@@ -2032,10 +2030,9 @@
           <a:lstStyle/>
           <a:p>
             <a:r>
-              <a:rPr lang="en-US" smtClean="0"/>
+              <a:rPr lang="en-US"/>
               <a:t>6/25/2020</a:t>
             </a:r>
-            <a:endParaRPr lang="en-US"/>
           </a:p>
         </p:txBody>
       </p:sp>
@@ -2127,10 +2124,9 @@
           </a:lstStyle>
           <a:p>
             <a:r>
-              <a:rPr lang="en-US" smtClean="0"/>
+              <a:rPr lang="en-US"/>
               <a:t>Click to edit Master title style</a:t>
             </a:r>
-            <a:endParaRPr lang="en-US"/>
           </a:p>
         </p:txBody>
       </p:sp>
@@ -2193,7 +2189,7 @@
           <a:p>
             <a:pPr lvl="0"/>
             <a:r>
-              <a:rPr lang="en-US" smtClean="0"/>
+              <a:rPr lang="en-US"/>
               <a:t>Click to edit Master text styles</a:t>
             </a:r>
           </a:p>
@@ -2249,38 +2245,37 @@
           <a:p>
             <a:pPr lvl="0"/>
             <a:r>
-              <a:rPr lang="en-US" smtClean="0"/>
+              <a:rPr lang="en-US"/>
               <a:t>Click to edit Master text styles</a:t>
             </a:r>
           </a:p>
           <a:p>
             <a:pPr lvl="1"/>
             <a:r>
-              <a:rPr lang="en-US" smtClean="0"/>
+              <a:rPr lang="en-US"/>
               <a:t>Second level</a:t>
             </a:r>
           </a:p>
           <a:p>
             <a:pPr lvl="2"/>
             <a:r>
-              <a:rPr lang="en-US" smtClean="0"/>
+              <a:rPr lang="en-US"/>
               <a:t>Third level</a:t>
             </a:r>
           </a:p>
           <a:p>
             <a:pPr lvl="3"/>
             <a:r>
-              <a:rPr lang="en-US" smtClean="0"/>
+              <a:rPr lang="en-US"/>
               <a:t>Fourth level</a:t>
             </a:r>
           </a:p>
           <a:p>
             <a:pPr lvl="4"/>
             <a:r>
-              <a:rPr lang="en-US" smtClean="0"/>
+              <a:rPr lang="en-US"/>
               <a:t>Fifth level</a:t>
             </a:r>
-            <a:endParaRPr lang="en-US"/>
           </a:p>
         </p:txBody>
       </p:sp>
@@ -2343,7 +2338,7 @@
           <a:p>
             <a:pPr lvl="0"/>
             <a:r>
-              <a:rPr lang="en-US" smtClean="0"/>
+              <a:rPr lang="en-US"/>
               <a:t>Click to edit Master text styles</a:t>
             </a:r>
           </a:p>
@@ -2399,38 +2394,37 @@
           <a:p>
             <a:pPr lvl="0"/>
             <a:r>
-              <a:rPr lang="en-US" smtClean="0"/>
+              <a:rPr lang="en-US"/>
               <a:t>Click to edit Master text styles</a:t>
             </a:r>
           </a:p>
           <a:p>
             <a:pPr lvl="1"/>
             <a:r>
-              <a:rPr lang="en-US" smtClean="0"/>
+              <a:rPr lang="en-US"/>
               <a:t>Second level</a:t>
             </a:r>
           </a:p>
           <a:p>
             <a:pPr lvl="2"/>
             <a:r>
-              <a:rPr lang="en-US" smtClean="0"/>
+              <a:rPr lang="en-US"/>
               <a:t>Third level</a:t>
             </a:r>
           </a:p>
           <a:p>
             <a:pPr lvl="3"/>
             <a:r>
-              <a:rPr lang="en-US" smtClean="0"/>
+              <a:rPr lang="en-US"/>
               <a:t>Fourth level</a:t>
             </a:r>
           </a:p>
           <a:p>
             <a:pPr lvl="4"/>
             <a:r>
-              <a:rPr lang="en-US" smtClean="0"/>
+              <a:rPr lang="en-US"/>
               <a:t>Fifth level</a:t>
             </a:r>
-            <a:endParaRPr lang="en-US"/>
           </a:p>
         </p:txBody>
       </p:sp>
@@ -2450,10 +2444,9 @@
           <a:lstStyle/>
           <a:p>
             <a:r>
-              <a:rPr lang="en-US" smtClean="0"/>
+              <a:rPr lang="en-US"/>
               <a:t>6/25/2020</a:t>
             </a:r>
-            <a:endParaRPr lang="en-US"/>
           </a:p>
         </p:txBody>
       </p:sp>
@@ -2541,10 +2534,9 @@
           <a:lstStyle/>
           <a:p>
             <a:r>
-              <a:rPr lang="en-US" smtClean="0"/>
+              <a:rPr lang="en-US"/>
               <a:t>Click to edit Master title style</a:t>
             </a:r>
-            <a:endParaRPr lang="en-US"/>
           </a:p>
         </p:txBody>
       </p:sp>
@@ -2564,10 +2556,9 @@
           <a:lstStyle/>
           <a:p>
             <a:r>
-              <a:rPr lang="en-US" smtClean="0"/>
+              <a:rPr lang="en-US"/>
               <a:t>6/25/2020</a:t>
             </a:r>
-            <a:endParaRPr lang="en-US"/>
           </a:p>
         </p:txBody>
       </p:sp>
@@ -2655,10 +2646,9 @@
           <a:lstStyle/>
           <a:p>
             <a:r>
-              <a:rPr lang="en-US" smtClean="0"/>
+              <a:rPr lang="en-US"/>
               <a:t>6/25/2020</a:t>
             </a:r>
-            <a:endParaRPr lang="en-US"/>
           </a:p>
         </p:txBody>
       </p:sp>
@@ -2755,10 +2745,9 @@
           </a:lstStyle>
           <a:p>
             <a:r>
-              <a:rPr lang="en-US" smtClean="0"/>
+              <a:rPr lang="en-US"/>
               <a:t>Click to edit Master title style</a:t>
             </a:r>
-            <a:endParaRPr lang="en-US"/>
           </a:p>
         </p:txBody>
       </p:sp>
@@ -2812,38 +2801,37 @@
           <a:p>
             <a:pPr lvl="0"/>
             <a:r>
-              <a:rPr lang="en-US" smtClean="0"/>
+              <a:rPr lang="en-US"/>
               <a:t>Click to edit Master text styles</a:t>
             </a:r>
           </a:p>
           <a:p>
             <a:pPr lvl="1"/>
             <a:r>
-              <a:rPr lang="en-US" smtClean="0"/>
+              <a:rPr lang="en-US"/>
               <a:t>Second level</a:t>
             </a:r>
           </a:p>
           <a:p>
             <a:pPr lvl="2"/>
             <a:r>
-              <a:rPr lang="en-US" smtClean="0"/>
+              <a:rPr lang="en-US"/>
               <a:t>Third level</a:t>
             </a:r>
           </a:p>
           <a:p>
             <a:pPr lvl="3"/>
             <a:r>
-              <a:rPr lang="en-US" smtClean="0"/>
+              <a:rPr lang="en-US"/>
               <a:t>Fourth level</a:t>
             </a:r>
           </a:p>
           <a:p>
             <a:pPr lvl="4"/>
             <a:r>
-              <a:rPr lang="en-US" smtClean="0"/>
+              <a:rPr lang="en-US"/>
               <a:t>Fifth level</a:t>
             </a:r>
-            <a:endParaRPr lang="en-US"/>
           </a:p>
         </p:txBody>
       </p:sp>
@@ -2906,7 +2894,7 @@
           <a:p>
             <a:pPr lvl="0"/>
             <a:r>
-              <a:rPr lang="en-US" smtClean="0"/>
+              <a:rPr lang="en-US"/>
               <a:t>Click to edit Master text styles</a:t>
             </a:r>
           </a:p>
@@ -2928,10 +2916,9 @@
           <a:lstStyle/>
           <a:p>
             <a:r>
-              <a:rPr lang="en-US" smtClean="0"/>
+              <a:rPr lang="en-US"/>
               <a:t>6/25/2020</a:t>
             </a:r>
-            <a:endParaRPr lang="en-US"/>
           </a:p>
         </p:txBody>
       </p:sp>
@@ -3028,10 +3015,9 @@
           </a:lstStyle>
           <a:p>
             <a:r>
-              <a:rPr lang="en-US" smtClean="0"/>
+              <a:rPr lang="en-US"/>
               <a:t>Click to edit Master title style</a:t>
             </a:r>
-            <a:endParaRPr lang="en-US"/>
           </a:p>
         </p:txBody>
       </p:sp>
@@ -3155,7 +3141,7 @@
           <a:p>
             <a:pPr lvl="0"/>
             <a:r>
-              <a:rPr lang="en-US" smtClean="0"/>
+              <a:rPr lang="en-US"/>
               <a:t>Click to edit Master text styles</a:t>
             </a:r>
           </a:p>
@@ -3177,10 +3163,9 @@
           <a:lstStyle/>
           <a:p>
             <a:r>
-              <a:rPr lang="en-US" smtClean="0"/>
+              <a:rPr lang="en-US"/>
               <a:t>6/25/2020</a:t>
             </a:r>
-            <a:endParaRPr lang="en-US"/>
           </a:p>
         </p:txBody>
       </p:sp>
@@ -3283,10 +3268,9 @@
           <a:lstStyle/>
           <a:p>
             <a:r>
-              <a:rPr lang="en-US" smtClean="0"/>
+              <a:rPr lang="en-US"/>
               <a:t>Click to edit Master title style</a:t>
             </a:r>
-            <a:endParaRPr lang="en-US"/>
           </a:p>
         </p:txBody>
       </p:sp>
@@ -3317,38 +3301,37 @@
           <a:p>
             <a:pPr lvl="0"/>
             <a:r>
-              <a:rPr lang="en-US" smtClean="0"/>
+              <a:rPr lang="en-US"/>
               <a:t>Click to edit Master text styles</a:t>
             </a:r>
           </a:p>
           <a:p>
             <a:pPr lvl="1"/>
             <a:r>
-              <a:rPr lang="en-US" smtClean="0"/>
+              <a:rPr lang="en-US"/>
               <a:t>Second level</a:t>
             </a:r>
           </a:p>
           <a:p>
             <a:pPr lvl="2"/>
             <a:r>
-              <a:rPr lang="en-US" smtClean="0"/>
+              <a:rPr lang="en-US"/>
               <a:t>Third level</a:t>
             </a:r>
           </a:p>
           <a:p>
             <a:pPr lvl="3"/>
             <a:r>
-              <a:rPr lang="en-US" smtClean="0"/>
+              <a:rPr lang="en-US"/>
               <a:t>Fourth level</a:t>
             </a:r>
           </a:p>
           <a:p>
             <a:pPr lvl="4"/>
             <a:r>
-              <a:rPr lang="en-US" smtClean="0"/>
+              <a:rPr lang="en-US"/>
               <a:t>Fifth level</a:t>
             </a:r>
-            <a:endParaRPr lang="en-US"/>
           </a:p>
         </p:txBody>
       </p:sp>
@@ -3386,10 +3369,9 @@
           </a:lstStyle>
           <a:p>
             <a:r>
-              <a:rPr lang="en-US" smtClean="0"/>
+              <a:rPr lang="en-US"/>
               <a:t>6/25/2020</a:t>
             </a:r>
-            <a:endParaRPr lang="en-US"/>
           </a:p>
         </p:txBody>
       </p:sp>
@@ -3807,7 +3789,7 @@
           <a:p>
             <a:pPr algn="ctr"/>
             <a:r>
-              <a:rPr lang="en-US" sz="2400" dirty="0" smtClean="0">
+              <a:rPr lang="en-US" sz="2400" dirty="0">
                 <a:solidFill>
                   <a:srgbClr val="FF0000"/>
                 </a:solidFill>
@@ -3816,7 +3798,7 @@
               <a:t>       </a:t>
             </a:r>
             <a:r>
-              <a:rPr lang="en-US" sz="2800" dirty="0" smtClean="0">
+              <a:rPr lang="en-US" sz="2800" dirty="0">
                 <a:solidFill>
                   <a:srgbClr val="FF0000"/>
                 </a:solidFill>
@@ -3828,76 +3810,40 @@
           <a:p>
             <a:pPr algn="ctr"/>
             <a:r>
-              <a:rPr lang="en-US" sz="2000" dirty="0" smtClean="0">
-                <a:latin typeface="Britannic Bold" pitchFamily="34" charset="0"/>
-              </a:rPr>
-              <a:t>A</a:t>
-            </a:r>
-          </a:p>
-          <a:p>
-            <a:pPr algn="ctr"/>
-            <a:r>
-              <a:rPr lang="en-US" sz="2000" dirty="0" smtClean="0">
-                <a:latin typeface="Britannic Bold" pitchFamily="34" charset="0"/>
-              </a:rPr>
-              <a:t> </a:t>
-            </a:r>
-            <a:r>
               <a:rPr lang="en-US" sz="2000" dirty="0">
                 <a:latin typeface="Britannic Bold" pitchFamily="34" charset="0"/>
               </a:rPr>
-              <a:t>P</a:t>
-            </a:r>
-            <a:r>
-              <a:rPr lang="en-US" sz="2000" dirty="0" smtClean="0">
-                <a:latin typeface="Britannic Bold" pitchFamily="34" charset="0"/>
-              </a:rPr>
-              <a:t>ower </a:t>
-            </a:r>
+              <a:t>A</a:t>
+            </a:r>
+          </a:p>
+          <a:p>
+            <a:pPr algn="ctr"/>
             <a:r>
               <a:rPr lang="en-US" sz="2000" dirty="0">
                 <a:latin typeface="Britannic Bold" pitchFamily="34" charset="0"/>
               </a:rPr>
-              <a:t>P</a:t>
-            </a:r>
-            <a:r>
-              <a:rPr lang="en-US" sz="2000" dirty="0" smtClean="0">
-                <a:latin typeface="Britannic Bold" pitchFamily="34" charset="0"/>
-              </a:rPr>
-              <a:t>oint </a:t>
-            </a:r>
+              <a:t> Power Point Presentation</a:t>
+            </a:r>
+          </a:p>
+          <a:p>
+            <a:pPr algn="ctr"/>
             <a:r>
               <a:rPr lang="en-US" sz="2000" dirty="0">
                 <a:latin typeface="Britannic Bold" pitchFamily="34" charset="0"/>
               </a:rPr>
-              <a:t>P</a:t>
-            </a:r>
-            <a:r>
-              <a:rPr lang="en-US" sz="2000" dirty="0" smtClean="0">
-                <a:latin typeface="Britannic Bold" pitchFamily="34" charset="0"/>
-              </a:rPr>
-              <a:t>resentation</a:t>
+              <a:t>Submitted in complete fulfillment of the requirements for the Training</a:t>
             </a:r>
           </a:p>
           <a:p>
             <a:pPr algn="ctr"/>
-            <a:r>
-              <a:rPr lang="en-US" sz="2000" dirty="0" smtClean="0">
-                <a:latin typeface="Britannic Bold" pitchFamily="34" charset="0"/>
-              </a:rPr>
-              <a:t>Submitted in complete fulfillment of the requirements for the Training</a:t>
-            </a:r>
-          </a:p>
-          <a:p>
-            <a:pPr algn="ctr"/>
-            <a:endParaRPr lang="en-US" sz="1100" dirty="0" smtClean="0">
+            <a:endParaRPr lang="en-US" sz="1100" dirty="0">
               <a:latin typeface="Britannic Bold" pitchFamily="34" charset="0"/>
             </a:endParaRPr>
           </a:p>
           <a:p>
             <a:pPr algn="ctr"/>
             <a:r>
-              <a:rPr lang="en-US" sz="2000" dirty="0" smtClean="0">
+              <a:rPr lang="en-US" sz="2000" dirty="0">
                 <a:latin typeface="Britannic Bold" pitchFamily="34" charset="0"/>
               </a:rPr>
               <a:t>Of</a:t>
@@ -3906,7 +3852,7 @@
           <a:p>
             <a:pPr algn="ctr"/>
             <a:r>
-              <a:rPr lang="en-US" sz="2000" dirty="0" smtClean="0">
+              <a:rPr lang="en-US" sz="2000" dirty="0">
                 <a:solidFill>
                   <a:srgbClr val="00B050"/>
                 </a:solidFill>
@@ -3918,7 +3864,7 @@
           <a:p>
             <a:pPr algn="ctr"/>
             <a:r>
-              <a:rPr lang="en-US" sz="2000" dirty="0" smtClean="0">
+              <a:rPr lang="en-US" sz="2000" dirty="0">
                 <a:solidFill>
                   <a:srgbClr val="00B050"/>
                 </a:solidFill>
@@ -3929,14 +3875,14 @@
           </a:p>
           <a:p>
             <a:pPr algn="ctr"/>
-            <a:endParaRPr lang="en-US" sz="1100" dirty="0" smtClean="0">
+            <a:endParaRPr lang="en-US" sz="1100" dirty="0">
               <a:latin typeface="Britannic Bold" pitchFamily="34" charset="0"/>
             </a:endParaRPr>
           </a:p>
           <a:p>
             <a:pPr algn="ctr"/>
             <a:r>
-              <a:rPr lang="en-US" sz="2000" dirty="0" smtClean="0">
+              <a:rPr lang="en-US" sz="2000" dirty="0">
                 <a:latin typeface="Britannic Bold" pitchFamily="34" charset="0"/>
               </a:rPr>
               <a:t>In </a:t>
@@ -3945,7 +3891,7 @@
           <a:p>
             <a:pPr algn="ctr"/>
             <a:r>
-              <a:rPr lang="en-US" sz="2000" dirty="0" smtClean="0">
+              <a:rPr lang="en-US" sz="2000" dirty="0">
                 <a:solidFill>
                   <a:srgbClr val="00B050"/>
                 </a:solidFill>
@@ -3953,7 +3899,7 @@
               </a:rPr>
               <a:t>Computer Science and Engineering</a:t>
             </a:r>
-            <a:endParaRPr lang="en-US" sz="1100" dirty="0" smtClean="0">
+            <a:endParaRPr lang="en-US" sz="1100" dirty="0">
               <a:solidFill>
                 <a:srgbClr val="00B050"/>
               </a:solidFill>
@@ -3963,7 +3909,7 @@
           <a:p>
             <a:pPr algn="ctr"/>
             <a:r>
-              <a:rPr lang="en-US" sz="2000" dirty="0" smtClean="0">
+              <a:rPr lang="en-US" sz="2000" dirty="0">
                 <a:latin typeface="Britannic Bold" pitchFamily="34" charset="0"/>
               </a:rPr>
               <a:t>To</a:t>
@@ -3971,25 +3917,25 @@
           </a:p>
           <a:p>
             <a:pPr algn="ctr"/>
-            <a:endParaRPr lang="en-US" sz="2000" dirty="0" smtClean="0">
+            <a:endParaRPr lang="en-US" sz="2000" dirty="0">
               <a:latin typeface="Britannic Bold" pitchFamily="34" charset="0"/>
             </a:endParaRPr>
           </a:p>
           <a:p>
             <a:pPr algn="ctr"/>
-            <a:endParaRPr lang="en-US" sz="1100" dirty="0" smtClean="0">
+            <a:endParaRPr lang="en-US" sz="1100" dirty="0">
               <a:latin typeface="Britannic Bold" pitchFamily="34" charset="0"/>
             </a:endParaRPr>
           </a:p>
           <a:p>
             <a:pPr algn="ctr"/>
-            <a:endParaRPr lang="en-US" sz="1100" dirty="0" smtClean="0">
+            <a:endParaRPr lang="en-US" sz="1100" dirty="0">
               <a:latin typeface="Britannic Bold" pitchFamily="34" charset="0"/>
             </a:endParaRPr>
           </a:p>
           <a:p>
             <a:pPr algn="ctr"/>
-            <a:endParaRPr lang="en-US" sz="1100" dirty="0" smtClean="0">
+            <a:endParaRPr lang="en-US" sz="1100" dirty="0">
               <a:solidFill>
                 <a:srgbClr val="800080"/>
               </a:solidFill>
@@ -3998,7 +3944,7 @@
           </a:p>
           <a:p>
             <a:pPr algn="ctr"/>
-            <a:endParaRPr lang="en-US" sz="1100" dirty="0" smtClean="0">
+            <a:endParaRPr lang="en-US" sz="1100" dirty="0">
               <a:solidFill>
                 <a:srgbClr val="800080"/>
               </a:solidFill>
@@ -4008,7 +3954,7 @@
           <a:p>
             <a:pPr algn="ctr"/>
             <a:r>
-              <a:rPr lang="en-US" sz="2400" dirty="0" smtClean="0">
+              <a:rPr lang="en-US" sz="2400" dirty="0">
                 <a:solidFill>
                   <a:srgbClr val="800080"/>
                 </a:solidFill>
@@ -4020,7 +3966,7 @@
           <a:p>
             <a:pPr algn="ctr"/>
             <a:r>
-              <a:rPr lang="en-US" sz="2400" dirty="0" smtClean="0">
+              <a:rPr lang="en-US" sz="2400" dirty="0">
                 <a:solidFill>
                   <a:srgbClr val="800080"/>
                 </a:solidFill>
@@ -4032,7 +3978,7 @@
           <a:p>
             <a:pPr algn="ctr"/>
             <a:r>
-              <a:rPr lang="en-US" sz="2400" dirty="0" smtClean="0">
+              <a:rPr lang="en-US" sz="2400" dirty="0">
                 <a:solidFill>
                   <a:srgbClr val="800080"/>
                 </a:solidFill>
@@ -4044,7 +3990,7 @@
           <a:p>
             <a:pPr algn="ctr"/>
             <a:r>
-              <a:rPr lang="en-US" dirty="0" smtClean="0">
+              <a:rPr lang="en-US" dirty="0">
                 <a:solidFill>
                   <a:srgbClr val="FF6600"/>
                 </a:solidFill>
@@ -4179,16 +4125,12 @@
               <a:buChar char="Ø"/>
             </a:pPr>
             <a:r>
-              <a:rPr lang="en-US" sz="2800" dirty="0" smtClean="0">
+              <a:rPr lang="en-US" sz="2800" dirty="0">
                 <a:latin typeface="Adobe Hebrew" pitchFamily="18" charset="-79"/>
                 <a:cs typeface="Adobe Hebrew" pitchFamily="18" charset="-79"/>
               </a:rPr>
               <a:t> Teachers</a:t>
             </a:r>
-            <a:endParaRPr lang="en-US" sz="2800" dirty="0" smtClean="0">
-              <a:latin typeface="Adobe Hebrew" pitchFamily="18" charset="-79"/>
-              <a:cs typeface="Adobe Hebrew" pitchFamily="18" charset="-79"/>
-            </a:endParaRPr>
           </a:p>
           <a:p>
             <a:pPr>
@@ -4196,32 +4138,18 @@
               <a:buChar char="•"/>
             </a:pPr>
             <a:r>
-              <a:rPr lang="en-US" dirty="0" smtClean="0">
+              <a:rPr lang="en-US" dirty="0">
                 <a:latin typeface="Book Antiqua" pitchFamily="18" charset="0"/>
                 <a:cs typeface="Adobe Hebrew" pitchFamily="18" charset="-79"/>
               </a:rPr>
-              <a:t>   </a:t>
-            </a:r>
-            <a:r>
-              <a:rPr lang="en-US" dirty="0" smtClean="0">
+              <a:t>     </a:t>
+            </a:r>
+            <a:r>
+              <a:rPr lang="en-US" sz="2400" dirty="0">
                 <a:latin typeface="Book Antiqua" pitchFamily="18" charset="0"/>
                 <a:cs typeface="Adobe Hebrew" pitchFamily="18" charset="-79"/>
               </a:rPr>
-              <a:t>  </a:t>
-            </a:r>
-            <a:r>
-              <a:rPr lang="en-US" sz="2400" dirty="0" smtClean="0">
-                <a:latin typeface="Book Antiqua" pitchFamily="18" charset="0"/>
-                <a:cs typeface="Adobe Hebrew" pitchFamily="18" charset="-79"/>
-              </a:rPr>
-              <a:t>Sign </a:t>
-            </a:r>
-            <a:r>
-              <a:rPr lang="en-US" sz="2400" dirty="0" smtClean="0">
-                <a:latin typeface="Book Antiqua" pitchFamily="18" charset="0"/>
-                <a:cs typeface="Adobe Hebrew" pitchFamily="18" charset="-79"/>
-              </a:rPr>
-              <a:t>up</a:t>
+              <a:t>Sign up</a:t>
             </a:r>
           </a:p>
           <a:p>
@@ -4230,47 +4158,146 @@
               <a:buChar char="•"/>
             </a:pPr>
             <a:r>
-              <a:rPr lang="en-US" sz="2400" dirty="0" smtClean="0">
+              <a:rPr lang="en-US" sz="2400" dirty="0">
                 <a:latin typeface="Book Antiqua" pitchFamily="18" charset="0"/>
                 <a:cs typeface="Adobe Hebrew" pitchFamily="18" charset="-79"/>
               </a:rPr>
-              <a:t>  </a:t>
-            </a:r>
-            <a:r>
-              <a:rPr lang="en-US" sz="2400" dirty="0" smtClean="0">
+              <a:t>   Login </a:t>
+            </a:r>
+          </a:p>
+          <a:p>
+            <a:pPr>
+              <a:buFont typeface="Arial" pitchFamily="34" charset="0"/>
+              <a:buChar char="•"/>
+            </a:pPr>
+            <a:r>
+              <a:rPr lang="en-US" sz="2400" dirty="0">
                 <a:latin typeface="Book Antiqua" pitchFamily="18" charset="0"/>
                 <a:cs typeface="Adobe Hebrew" pitchFamily="18" charset="-79"/>
               </a:rPr>
-              <a:t> Login </a:t>
-            </a:r>
-            <a:endParaRPr lang="en-US" sz="2400" dirty="0" smtClean="0">
+              <a:t>   Password</a:t>
+            </a:r>
+          </a:p>
+          <a:p>
+            <a:pPr>
+              <a:buFont typeface="Arial" pitchFamily="34" charset="0"/>
+              <a:buChar char="•"/>
+            </a:pPr>
+            <a:r>
+              <a:rPr lang="en-US" sz="2400" dirty="0">
+                <a:latin typeface="Book Antiqua" pitchFamily="18" charset="0"/>
+                <a:cs typeface="Adobe Hebrew" pitchFamily="18" charset="-79"/>
+              </a:rPr>
+              <a:t>   Create exam</a:t>
+            </a:r>
+          </a:p>
+          <a:p>
+            <a:pPr>
+              <a:buFont typeface="Arial" pitchFamily="34" charset="0"/>
+              <a:buChar char="•"/>
+            </a:pPr>
+            <a:r>
+              <a:rPr lang="en-US" sz="2400" dirty="0">
+                <a:latin typeface="Book Antiqua" pitchFamily="18" charset="0"/>
+                <a:cs typeface="Adobe Hebrew" pitchFamily="18" charset="-79"/>
+              </a:rPr>
+              <a:t>   Exam Id</a:t>
+            </a:r>
+          </a:p>
+          <a:p>
+            <a:pPr>
+              <a:buFont typeface="Arial" pitchFamily="34" charset="0"/>
+              <a:buChar char="•"/>
+            </a:pPr>
+            <a:r>
+              <a:rPr lang="en-US" sz="2400" dirty="0">
+                <a:latin typeface="Book Antiqua" pitchFamily="18" charset="0"/>
+                <a:cs typeface="Adobe Hebrew" pitchFamily="18" charset="-79"/>
+              </a:rPr>
+              <a:t>   Exam name</a:t>
+            </a:r>
+          </a:p>
+          <a:p>
+            <a:pPr>
+              <a:buFont typeface="Arial" pitchFamily="34" charset="0"/>
+              <a:buChar char="•"/>
+            </a:pPr>
+            <a:r>
+              <a:rPr lang="en-US" sz="2400" dirty="0">
+                <a:latin typeface="Book Antiqua" pitchFamily="18" charset="0"/>
+                <a:cs typeface="Adobe Hebrew" pitchFamily="18" charset="-79"/>
+              </a:rPr>
+              <a:t>   Exam password</a:t>
+            </a:r>
+          </a:p>
+          <a:p>
+            <a:pPr>
+              <a:buFont typeface="Arial" pitchFamily="34" charset="0"/>
+              <a:buChar char="•"/>
+            </a:pPr>
+            <a:r>
+              <a:rPr lang="en-US" sz="2400" dirty="0">
+                <a:latin typeface="Book Antiqua" pitchFamily="18" charset="0"/>
+                <a:cs typeface="Adobe Hebrew" pitchFamily="18" charset="-79"/>
+              </a:rPr>
+              <a:t>   Exam time</a:t>
+            </a:r>
+          </a:p>
+          <a:p>
+            <a:pPr>
+              <a:buFont typeface="Arial" pitchFamily="34" charset="0"/>
+              <a:buChar char="•"/>
+            </a:pPr>
+            <a:r>
+              <a:rPr lang="en-US" sz="2400" dirty="0">
+                <a:latin typeface="Book Antiqua" pitchFamily="18" charset="0"/>
+                <a:cs typeface="Adobe Hebrew" pitchFamily="18" charset="-79"/>
+              </a:rPr>
+              <a:t>   Exam date</a:t>
+            </a:r>
+          </a:p>
+          <a:p>
+            <a:pPr>
+              <a:buFont typeface="Arial" pitchFamily="34" charset="0"/>
+              <a:buChar char="•"/>
+            </a:pPr>
+            <a:r>
+              <a:rPr lang="en-US" sz="2400" dirty="0">
+                <a:latin typeface="Book Antiqua" pitchFamily="18" charset="0"/>
+                <a:cs typeface="Adobe Hebrew" pitchFamily="18" charset="-79"/>
+              </a:rPr>
+              <a:t>   Exam duration</a:t>
+            </a:r>
+          </a:p>
+          <a:p>
+            <a:pPr>
+              <a:buFont typeface="Arial" pitchFamily="34" charset="0"/>
+              <a:buChar char="•"/>
+            </a:pPr>
+            <a:endParaRPr lang="en-US" sz="600" dirty="0">
               <a:latin typeface="Book Antiqua" pitchFamily="18" charset="0"/>
               <a:cs typeface="Adobe Hebrew" pitchFamily="18" charset="-79"/>
             </a:endParaRPr>
           </a:p>
           <a:p>
             <a:pPr>
-              <a:buFont typeface="Arial" pitchFamily="34" charset="0"/>
-              <a:buChar char="•"/>
-            </a:pPr>
-            <a:r>
-              <a:rPr lang="en-US" sz="2400" dirty="0" smtClean="0">
-                <a:latin typeface="Book Antiqua" pitchFamily="18" charset="0"/>
+              <a:buFont typeface="Wingdings" pitchFamily="2" charset="2"/>
+              <a:buChar char="Ø"/>
+            </a:pPr>
+            <a:r>
+              <a:rPr lang="en-US" sz="2000" dirty="0">
+                <a:latin typeface="Adobe Hebrew" pitchFamily="18" charset="-79"/>
                 <a:cs typeface="Adobe Hebrew" pitchFamily="18" charset="-79"/>
               </a:rPr>
               <a:t>  </a:t>
             </a:r>
             <a:r>
-              <a:rPr lang="en-US" sz="2400" dirty="0" smtClean="0">
-                <a:latin typeface="Book Antiqua" pitchFamily="18" charset="0"/>
+              <a:rPr lang="en-US" sz="2800" dirty="0">
+                <a:latin typeface="Adobe Hebrew" pitchFamily="18" charset="-79"/>
                 <a:cs typeface="Adobe Hebrew" pitchFamily="18" charset="-79"/>
               </a:rPr>
-              <a:t> Password</a:t>
-            </a:r>
-            <a:endParaRPr lang="en-US" sz="2400" dirty="0" smtClean="0">
-              <a:latin typeface="Book Antiqua" pitchFamily="18" charset="0"/>
-              <a:cs typeface="Adobe Hebrew" pitchFamily="18" charset="-79"/>
-            </a:endParaRPr>
+              <a:t>Educational Institutions and organizations</a:t>
+            </a:r>
           </a:p>
           <a:p>
             <a:pPr>
@@ -4278,18 +4305,11 @@
               <a:buChar char="•"/>
             </a:pPr>
             <a:r>
-              <a:rPr lang="en-US" sz="2400" dirty="0" smtClean="0">
+              <a:rPr lang="en-US" sz="2400" dirty="0">
                 <a:latin typeface="Book Antiqua" pitchFamily="18" charset="0"/>
                 <a:cs typeface="Adobe Hebrew" pitchFamily="18" charset="-79"/>
               </a:rPr>
-              <a:t>  </a:t>
-            </a:r>
-            <a:r>
-              <a:rPr lang="en-US" sz="2400" dirty="0" smtClean="0">
-                <a:latin typeface="Book Antiqua" pitchFamily="18" charset="0"/>
-                <a:cs typeface="Adobe Hebrew" pitchFamily="18" charset="-79"/>
-              </a:rPr>
-              <a:t> Create exam</a:t>
+              <a:t>   Sign up</a:t>
             </a:r>
           </a:p>
           <a:p>
@@ -4298,11 +4318,11 @@
               <a:buChar char="•"/>
             </a:pPr>
             <a:r>
-              <a:rPr lang="en-US" sz="2400" dirty="0" smtClean="0">
+              <a:rPr lang="en-US" sz="2400" dirty="0">
                 <a:latin typeface="Book Antiqua" pitchFamily="18" charset="0"/>
                 <a:cs typeface="Adobe Hebrew" pitchFamily="18" charset="-79"/>
               </a:rPr>
-              <a:t>   Exam Id</a:t>
+              <a:t>   Login</a:t>
             </a:r>
           </a:p>
           <a:p>
@@ -4311,11 +4331,11 @@
               <a:buChar char="•"/>
             </a:pPr>
             <a:r>
-              <a:rPr lang="en-US" sz="2400" dirty="0" smtClean="0">
+              <a:rPr lang="en-US" sz="2400" dirty="0">
                 <a:latin typeface="Book Antiqua" pitchFamily="18" charset="0"/>
                 <a:cs typeface="Adobe Hebrew" pitchFamily="18" charset="-79"/>
               </a:rPr>
-              <a:t>   Exam name</a:t>
+              <a:t>   Create exam</a:t>
             </a:r>
           </a:p>
           <a:p>
@@ -4324,135 +4344,7 @@
               <a:buChar char="•"/>
             </a:pPr>
             <a:r>
-              <a:rPr lang="en-US" sz="2400" dirty="0" smtClean="0">
-                <a:latin typeface="Book Antiqua" pitchFamily="18" charset="0"/>
-                <a:cs typeface="Adobe Hebrew" pitchFamily="18" charset="-79"/>
-              </a:rPr>
-              <a:t>   Exam password</a:t>
-            </a:r>
-          </a:p>
-          <a:p>
-            <a:pPr>
-              <a:buFont typeface="Arial" pitchFamily="34" charset="0"/>
-              <a:buChar char="•"/>
-            </a:pPr>
-            <a:r>
-              <a:rPr lang="en-US" sz="2400" dirty="0" smtClean="0">
-                <a:latin typeface="Book Antiqua" pitchFamily="18" charset="0"/>
-                <a:cs typeface="Adobe Hebrew" pitchFamily="18" charset="-79"/>
-              </a:rPr>
-              <a:t>   Exam time</a:t>
-            </a:r>
-          </a:p>
-          <a:p>
-            <a:pPr>
-              <a:buFont typeface="Arial" pitchFamily="34" charset="0"/>
-              <a:buChar char="•"/>
-            </a:pPr>
-            <a:r>
-              <a:rPr lang="en-US" sz="2400" dirty="0" smtClean="0">
-                <a:latin typeface="Book Antiqua" pitchFamily="18" charset="0"/>
-                <a:cs typeface="Adobe Hebrew" pitchFamily="18" charset="-79"/>
-              </a:rPr>
-              <a:t>   Exam date</a:t>
-            </a:r>
-          </a:p>
-          <a:p>
-            <a:pPr>
-              <a:buFont typeface="Arial" pitchFamily="34" charset="0"/>
-              <a:buChar char="•"/>
-            </a:pPr>
-            <a:r>
-              <a:rPr lang="en-US" sz="2400" dirty="0" smtClean="0">
-                <a:latin typeface="Book Antiqua" pitchFamily="18" charset="0"/>
-                <a:cs typeface="Adobe Hebrew" pitchFamily="18" charset="-79"/>
-              </a:rPr>
-              <a:t>   Exam duration</a:t>
-            </a:r>
-          </a:p>
-          <a:p>
-            <a:pPr>
-              <a:buFont typeface="Arial" pitchFamily="34" charset="0"/>
-              <a:buChar char="•"/>
-            </a:pPr>
-            <a:endParaRPr lang="en-US" sz="600" dirty="0" smtClean="0">
-              <a:latin typeface="Book Antiqua" pitchFamily="18" charset="0"/>
-              <a:cs typeface="Adobe Hebrew" pitchFamily="18" charset="-79"/>
-            </a:endParaRPr>
-          </a:p>
-          <a:p>
-            <a:pPr>
-              <a:buFont typeface="Wingdings" pitchFamily="2" charset="2"/>
-              <a:buChar char="Ø"/>
-            </a:pPr>
-            <a:r>
-              <a:rPr lang="en-US" sz="2000" dirty="0" smtClean="0">
-                <a:latin typeface="Adobe Hebrew" pitchFamily="18" charset="-79"/>
-                <a:cs typeface="Adobe Hebrew" pitchFamily="18" charset="-79"/>
-              </a:rPr>
-              <a:t> </a:t>
-            </a:r>
-            <a:r>
-              <a:rPr lang="en-US" sz="2000" dirty="0" smtClean="0">
-                <a:latin typeface="Adobe Hebrew" pitchFamily="18" charset="-79"/>
-                <a:cs typeface="Adobe Hebrew" pitchFamily="18" charset="-79"/>
-              </a:rPr>
-              <a:t> </a:t>
-            </a:r>
-            <a:r>
-              <a:rPr lang="en-US" sz="2800" dirty="0" smtClean="0">
-                <a:latin typeface="Adobe Hebrew" pitchFamily="18" charset="-79"/>
-                <a:cs typeface="Adobe Hebrew" pitchFamily="18" charset="-79"/>
-              </a:rPr>
-              <a:t>Educational Institutions and organizations</a:t>
-            </a:r>
-          </a:p>
-          <a:p>
-            <a:pPr>
-              <a:buFont typeface="Arial" pitchFamily="34" charset="0"/>
-              <a:buChar char="•"/>
-            </a:pPr>
-            <a:r>
-              <a:rPr lang="en-US" sz="2400" dirty="0" smtClean="0">
-                <a:latin typeface="Book Antiqua" pitchFamily="18" charset="0"/>
-                <a:cs typeface="Adobe Hebrew" pitchFamily="18" charset="-79"/>
-              </a:rPr>
-              <a:t>   Sign up</a:t>
-            </a:r>
-          </a:p>
-          <a:p>
-            <a:pPr>
-              <a:buFont typeface="Arial" pitchFamily="34" charset="0"/>
-              <a:buChar char="•"/>
-            </a:pPr>
-            <a:r>
-              <a:rPr lang="en-US" sz="2400" dirty="0" smtClean="0">
-                <a:latin typeface="Book Antiqua" pitchFamily="18" charset="0"/>
-                <a:cs typeface="Adobe Hebrew" pitchFamily="18" charset="-79"/>
-              </a:rPr>
-              <a:t>   Login</a:t>
-            </a:r>
-          </a:p>
-          <a:p>
-            <a:pPr>
-              <a:buFont typeface="Arial" pitchFamily="34" charset="0"/>
-              <a:buChar char="•"/>
-            </a:pPr>
-            <a:r>
-              <a:rPr lang="en-US" sz="2400" dirty="0" smtClean="0">
-                <a:latin typeface="Book Antiqua" pitchFamily="18" charset="0"/>
-                <a:cs typeface="Adobe Hebrew" pitchFamily="18" charset="-79"/>
-              </a:rPr>
-              <a:t>   Create exam</a:t>
-            </a:r>
-          </a:p>
-          <a:p>
-            <a:pPr>
-              <a:buFont typeface="Arial" pitchFamily="34" charset="0"/>
-              <a:buChar char="•"/>
-            </a:pPr>
-            <a:r>
-              <a:rPr lang="en-US" sz="2400" dirty="0" smtClean="0">
+              <a:rPr lang="en-US" sz="2400" dirty="0">
                 <a:latin typeface="Book Antiqua" pitchFamily="18" charset="0"/>
                 <a:cs typeface="Adobe Hebrew" pitchFamily="18" charset="-79"/>
               </a:rPr>
@@ -4505,7 +4397,7 @@
           <a:p>
             <a:pPr algn="l"/>
             <a:r>
-              <a:rPr lang="en-US" sz="4000" dirty="0" smtClean="0">
+              <a:rPr lang="en-US" sz="4000" dirty="0">
                 <a:solidFill>
                   <a:schemeClr val="tx1"/>
                 </a:solidFill>
@@ -4515,7 +4407,7 @@
               <a:t>TECHNOLOGIES USED </a:t>
             </a:r>
             <a:br>
-              <a:rPr lang="en-US" sz="4000" dirty="0" smtClean="0">
+              <a:rPr lang="en-US" sz="4000" dirty="0">
                 <a:solidFill>
                   <a:schemeClr val="tx1"/>
                 </a:solidFill>
@@ -4559,16 +4451,10 @@
               </a:buClr>
             </a:pPr>
             <a:r>
-              <a:rPr lang="en-US" dirty="0" smtClean="0">
+              <a:rPr lang="en-US" dirty="0">
                 <a:latin typeface="Adobe Garamond Pro Bold" pitchFamily="18" charset="0"/>
               </a:rPr>
-              <a:t>  FRONT </a:t>
-            </a:r>
-            <a:r>
-              <a:rPr lang="en-US" dirty="0" smtClean="0">
-                <a:latin typeface="Adobe Garamond Pro Bold" pitchFamily="18" charset="0"/>
-              </a:rPr>
-              <a:t>END –</a:t>
+              <a:t>  FRONT END –</a:t>
             </a:r>
             <a:endParaRPr lang="en-US" dirty="0"/>
           </a:p>
@@ -4604,7 +4490,7 @@
               <a:buChar char="Ø"/>
             </a:pPr>
             <a:r>
-              <a:rPr lang="en-US" dirty="0" smtClean="0">
+              <a:rPr lang="en-US" dirty="0">
                 <a:latin typeface="Book Antiqua" pitchFamily="18" charset="0"/>
               </a:rPr>
               <a:t>HTML 5</a:t>
@@ -4619,7 +4505,7 @@
               <a:buChar char="Ø"/>
             </a:pPr>
             <a:r>
-              <a:rPr lang="en-US" dirty="0" smtClean="0">
+              <a:rPr lang="en-US" dirty="0">
                 <a:latin typeface="Book Antiqua" pitchFamily="18" charset="0"/>
               </a:rPr>
               <a:t>CSS 3</a:t>
@@ -4634,7 +4520,7 @@
               <a:buChar char="Ø"/>
             </a:pPr>
             <a:r>
-              <a:rPr lang="en-US" dirty="0" smtClean="0">
+              <a:rPr lang="en-US" dirty="0">
                 <a:latin typeface="Book Antiqua" pitchFamily="18" charset="0"/>
               </a:rPr>
               <a:t>Bootstrap 4</a:t>
@@ -4649,7 +4535,7 @@
               <a:buChar char="Ø"/>
             </a:pPr>
             <a:r>
-              <a:rPr lang="en-US" dirty="0" smtClean="0">
+              <a:rPr lang="en-US" dirty="0">
                 <a:latin typeface="Book Antiqua" pitchFamily="18" charset="0"/>
               </a:rPr>
               <a:t>JavaScript 1.8.5 </a:t>
@@ -4664,7 +4550,7 @@
               <a:buChar char="Ø"/>
             </a:pPr>
             <a:r>
-              <a:rPr lang="en-US" dirty="0" smtClean="0">
+              <a:rPr lang="en-US" dirty="0">
                 <a:latin typeface="Book Antiqua" pitchFamily="18" charset="0"/>
               </a:rPr>
               <a:t> jQuery 3.5.1</a:t>
@@ -4679,7 +4565,7 @@
               <a:buChar char="Ø"/>
             </a:pPr>
             <a:r>
-              <a:rPr lang="en-US" dirty="0" smtClean="0">
+              <a:rPr lang="en-US" dirty="0">
                 <a:latin typeface="Book Antiqua" pitchFamily="18" charset="0"/>
               </a:rPr>
               <a:t>TypeScript 3.9.5</a:t>
@@ -4694,7 +4580,7 @@
               <a:buChar char="Ø"/>
             </a:pPr>
             <a:r>
-              <a:rPr lang="en-US" dirty="0" smtClean="0">
+              <a:rPr lang="en-US" dirty="0">
                 <a:latin typeface="Book Antiqua" pitchFamily="18" charset="0"/>
               </a:rPr>
               <a:t>AngularJS 1.7.x</a:t>
@@ -4708,7 +4594,7 @@
               <a:buFont typeface="Wingdings" pitchFamily="2" charset="2"/>
               <a:buChar char="Ø"/>
             </a:pPr>
-            <a:endParaRPr lang="en-US" sz="2000" dirty="0" smtClean="0">
+            <a:endParaRPr lang="en-US" sz="2000" dirty="0">
               <a:latin typeface="Book Antiqua" pitchFamily="18" charset="0"/>
             </a:endParaRPr>
           </a:p>
@@ -4716,7 +4602,7 @@
             <a:pPr marL="457200" indent="-457200">
               <a:buNone/>
             </a:pPr>
-            <a:endParaRPr lang="en-US" dirty="0" smtClean="0">
+            <a:endParaRPr lang="en-US" dirty="0">
               <a:latin typeface="Book Antiqua" pitchFamily="18" charset="0"/>
             </a:endParaRPr>
           </a:p>
@@ -4724,7 +4610,7 @@
             <a:pPr>
               <a:buNone/>
             </a:pPr>
-            <a:endParaRPr lang="en-US" sz="2600" dirty="0" smtClean="0">
+            <a:endParaRPr lang="en-US" sz="2600" dirty="0">
               <a:latin typeface="Adobe Garamond Pro Bold" pitchFamily="18" charset="0"/>
             </a:endParaRPr>
           </a:p>
@@ -4761,7 +4647,7 @@
           <a:lstStyle/>
           <a:p>
             <a:r>
-              <a:rPr lang="en-US" dirty="0" smtClean="0">
+              <a:rPr lang="en-US" dirty="0">
                 <a:latin typeface="Adobe Garamond Pro Bold" pitchFamily="18" charset="0"/>
               </a:rPr>
               <a:t>  BACK END - </a:t>
@@ -4800,7 +4686,7 @@
               <a:buChar char="Ø"/>
             </a:pPr>
             <a:r>
-              <a:rPr lang="en-US" dirty="0" smtClean="0">
+              <a:rPr lang="en-US" dirty="0">
                 <a:latin typeface="Book Antiqua" pitchFamily="18" charset="0"/>
               </a:rPr>
               <a:t>Node.js 14.4.0</a:t>
@@ -4815,7 +4701,7 @@
               <a:buChar char="Ø"/>
             </a:pPr>
             <a:r>
-              <a:rPr lang="en-US" dirty="0" smtClean="0">
+              <a:rPr lang="en-US" dirty="0">
                 <a:latin typeface="Book Antiqua" pitchFamily="18" charset="0"/>
               </a:rPr>
               <a:t>JavaScript 1.8.</a:t>
@@ -4830,7 +4716,7 @@
               <a:buChar char="Ø"/>
             </a:pPr>
             <a:r>
-              <a:rPr lang="en-US" dirty="0" smtClean="0">
+              <a:rPr lang="en-US" dirty="0">
                 <a:latin typeface="Book Antiqua" pitchFamily="18" charset="0"/>
               </a:rPr>
               <a:t>TypeScript3.9.5</a:t>
@@ -4844,7 +4730,7 @@
               <a:buFont typeface="Wingdings" pitchFamily="2" charset="2"/>
               <a:buChar char="Ø"/>
             </a:pPr>
-            <a:endParaRPr lang="en-US" sz="1200" dirty="0" smtClean="0">
+            <a:endParaRPr lang="en-US" sz="1200" dirty="0">
               <a:latin typeface="Book Antiqua" pitchFamily="18" charset="0"/>
             </a:endParaRPr>
           </a:p>
@@ -4853,7 +4739,7 @@
               <a:buNone/>
             </a:pPr>
             <a:r>
-              <a:rPr lang="en-US" dirty="0" smtClean="0">
+              <a:rPr lang="en-US" dirty="0">
                 <a:latin typeface="Adobe Garamond Pro Bold" pitchFamily="18" charset="0"/>
               </a:rPr>
               <a:t>FRAMEWORKS –</a:t>
@@ -4863,7 +4749,7 @@
             <a:pPr marL="457200" indent="-457200">
               <a:buNone/>
             </a:pPr>
-            <a:endParaRPr lang="en-US" sz="800" dirty="0" smtClean="0">
+            <a:endParaRPr lang="en-US" sz="800" dirty="0">
               <a:latin typeface="Adobe Garamond Pro Bold" pitchFamily="18" charset="0"/>
             </a:endParaRPr>
           </a:p>
@@ -4876,7 +4762,7 @@
               <a:buChar char="Ø"/>
             </a:pPr>
             <a:r>
-              <a:rPr lang="en-US" dirty="0" smtClean="0">
+              <a:rPr lang="en-US" dirty="0">
                 <a:latin typeface="Book Antiqua" pitchFamily="18" charset="0"/>
               </a:rPr>
               <a:t>Angular 9    </a:t>
@@ -4891,7 +4777,7 @@
               <a:buChar char="Ø"/>
             </a:pPr>
             <a:r>
-              <a:rPr lang="en-US" dirty="0" smtClean="0">
+              <a:rPr lang="en-US" dirty="0">
                 <a:latin typeface="Book Antiqua" pitchFamily="18" charset="0"/>
               </a:rPr>
               <a:t>Express.js 4.17.1</a:t>
@@ -4905,7 +4791,7 @@
               <a:buFont typeface="Wingdings" pitchFamily="2" charset="2"/>
               <a:buChar char="Ø"/>
             </a:pPr>
-            <a:endParaRPr lang="en-US" dirty="0" smtClean="0">
+            <a:endParaRPr lang="en-US" dirty="0">
               <a:latin typeface="Book Antiqua" pitchFamily="18" charset="0"/>
             </a:endParaRPr>
           </a:p>
@@ -4916,7 +4802,7 @@
               </a:buClr>
               <a:buNone/>
             </a:pPr>
-            <a:endParaRPr lang="en-US" dirty="0" smtClean="0">
+            <a:endParaRPr lang="en-US" dirty="0">
               <a:latin typeface="Adobe Garamond Pro Bold" pitchFamily="18" charset="0"/>
             </a:endParaRPr>
           </a:p>
@@ -4924,7 +4810,7 @@
             <a:pPr marL="742950" indent="-742950">
               <a:buNone/>
             </a:pPr>
-            <a:endParaRPr lang="en-US" dirty="0" smtClean="0">
+            <a:endParaRPr lang="en-US" dirty="0">
               <a:latin typeface="Book Antiqua" pitchFamily="18" charset="0"/>
             </a:endParaRPr>
           </a:p>
@@ -4932,7 +4818,7 @@
             <a:pPr marL="742950" indent="-742950">
               <a:buNone/>
             </a:pPr>
-            <a:endParaRPr lang="en-US" dirty="0" smtClean="0">
+            <a:endParaRPr lang="en-US" dirty="0">
               <a:latin typeface="Book Antiqua" pitchFamily="18" charset="0"/>
             </a:endParaRPr>
           </a:p>
@@ -4941,7 +4827,7 @@
               <a:buFont typeface="Wingdings" pitchFamily="2" charset="2"/>
               <a:buChar char="Ø"/>
             </a:pPr>
-            <a:endParaRPr lang="en-US" dirty="0" smtClean="0">
+            <a:endParaRPr lang="en-US" dirty="0">
               <a:latin typeface="Adobe Garamond Pro Bold" pitchFamily="18" charset="0"/>
             </a:endParaRPr>
           </a:p>
@@ -4950,7 +4836,7 @@
               <a:buNone/>
             </a:pPr>
             <a:r>
-              <a:rPr lang="en-US" dirty="0" smtClean="0">
+              <a:rPr lang="en-US" dirty="0">
                 <a:latin typeface="Adobe Garamond Pro Bold" pitchFamily="18" charset="0"/>
               </a:rPr>
               <a:t> </a:t>
@@ -4963,7 +4849,7 @@
               </a:buClr>
               <a:buNone/>
             </a:pPr>
-            <a:endParaRPr lang="en-US" dirty="0" smtClean="0">
+            <a:endParaRPr lang="en-US" dirty="0">
               <a:latin typeface="Adobe Garamond Pro Bold" pitchFamily="18" charset="0"/>
             </a:endParaRPr>
           </a:p>
@@ -4974,7 +4860,7 @@
               </a:buClr>
               <a:buNone/>
             </a:pPr>
-            <a:endParaRPr lang="en-US" sz="800" dirty="0" smtClean="0">
+            <a:endParaRPr lang="en-US" sz="800" dirty="0">
               <a:latin typeface="Adobe Garamond Pro Bold" pitchFamily="18" charset="0"/>
             </a:endParaRPr>
           </a:p>
@@ -4985,7 +4871,7 @@
               </a:buClr>
               <a:buNone/>
             </a:pPr>
-            <a:endParaRPr lang="en-US" sz="1100" dirty="0" smtClean="0">
+            <a:endParaRPr lang="en-US" sz="1100" dirty="0">
               <a:latin typeface="Adobe Garamond Pro Bold" pitchFamily="18" charset="0"/>
             </a:endParaRPr>
           </a:p>
@@ -4997,7 +4883,7 @@
               <a:buNone/>
             </a:pPr>
             <a:r>
-              <a:rPr lang="en-US" dirty="0" smtClean="0">
+              <a:rPr lang="en-US" dirty="0">
                 <a:latin typeface="Book Antiqua" pitchFamily="18" charset="0"/>
               </a:rPr>
               <a:t>        </a:t>
@@ -5011,7 +4897,7 @@
               <a:buFont typeface="Wingdings" pitchFamily="2" charset="2"/>
               <a:buChar char="Ø"/>
             </a:pPr>
-            <a:endParaRPr lang="en-US" dirty="0" smtClean="0">
+            <a:endParaRPr lang="en-US" dirty="0">
               <a:latin typeface="Book Antiqua" pitchFamily="18" charset="0"/>
             </a:endParaRPr>
           </a:p>
@@ -5023,7 +4909,7 @@
               <a:buFont typeface="Wingdings" pitchFamily="2" charset="2"/>
               <a:buChar char="Ø"/>
             </a:pPr>
-            <a:endParaRPr lang="en-US" dirty="0" smtClean="0">
+            <a:endParaRPr lang="en-US" dirty="0">
               <a:latin typeface="Book Antiqua" pitchFamily="18" charset="0"/>
             </a:endParaRPr>
           </a:p>
@@ -5035,7 +4921,7 @@
               <a:buFont typeface="Wingdings" pitchFamily="2" charset="2"/>
               <a:buChar char="Ø"/>
             </a:pPr>
-            <a:endParaRPr lang="en-US" dirty="0" smtClean="0">
+            <a:endParaRPr lang="en-US" dirty="0">
               <a:latin typeface="Adobe Garamond Pro Bold" pitchFamily="18" charset="0"/>
             </a:endParaRPr>
           </a:p>
@@ -5043,7 +4929,7 @@
             <a:pPr marL="742950" indent="-742950">
               <a:buNone/>
             </a:pPr>
-            <a:endParaRPr lang="en-US" dirty="0" smtClean="0">
+            <a:endParaRPr lang="en-US" dirty="0">
               <a:latin typeface="Book Antiqua" pitchFamily="18" charset="0"/>
             </a:endParaRPr>
           </a:p>
@@ -5051,7 +4937,7 @@
             <a:pPr marL="742950" indent="-742950">
               <a:buNone/>
             </a:pPr>
-            <a:endParaRPr lang="en-US" dirty="0" smtClean="0">
+            <a:endParaRPr lang="en-US" dirty="0">
               <a:latin typeface="Book Antiqua" pitchFamily="18" charset="0"/>
             </a:endParaRPr>
           </a:p>
@@ -5106,20 +4992,14 @@
           <a:lstStyle/>
           <a:p>
             <a:r>
-              <a:rPr lang="en-US" sz="2400" dirty="0" smtClean="0">
+              <a:rPr lang="en-US" sz="2400" dirty="0">
                 <a:latin typeface="Adobe Garamond Pro Bold" pitchFamily="18" charset="0"/>
               </a:rPr>
-              <a:t>DATABASE </a:t>
-            </a:r>
-            <a:r>
-              <a:rPr lang="en-US" sz="2400" dirty="0" smtClean="0">
-                <a:latin typeface="Adobe Garamond Pro Bold" pitchFamily="18" charset="0"/>
-              </a:rPr>
-              <a:t>–</a:t>
-            </a:r>
-          </a:p>
-          <a:p>
-            <a:endParaRPr lang="en-US" sz="800" dirty="0" smtClean="0">
+              <a:t>DATABASE –</a:t>
+            </a:r>
+          </a:p>
+          <a:p>
+            <a:endParaRPr lang="en-US" sz="800" dirty="0">
               <a:latin typeface="Adobe Garamond Pro Bold" pitchFamily="18" charset="0"/>
             </a:endParaRPr>
           </a:p>
@@ -5129,14 +5009,11 @@
               <a:buChar char="Ø"/>
             </a:pPr>
             <a:r>
-              <a:rPr lang="en-US" sz="2400" dirty="0" smtClean="0">
+              <a:rPr lang="en-US" sz="2400" dirty="0">
                 <a:latin typeface="Book Antiqua" pitchFamily="18" charset="0"/>
               </a:rPr>
               <a:t>  MongoDB 4.2.8</a:t>
             </a:r>
-            <a:endParaRPr lang="en-US" sz="2400" dirty="0">
-              <a:latin typeface="Book Antiqua" pitchFamily="18" charset="0"/>
-            </a:endParaRPr>
           </a:p>
         </p:txBody>
       </p:sp>
@@ -5166,7 +5043,7 @@
               <a:buNone/>
             </a:pPr>
             <a:r>
-              <a:rPr lang="en-US" sz="2400" dirty="0" smtClean="0">
+              <a:rPr lang="en-US" sz="2400" dirty="0">
                 <a:latin typeface="Adobe Garamond Pro Bold" pitchFamily="18" charset="0"/>
               </a:rPr>
               <a:t>TOOLS –</a:t>
@@ -5176,7 +5053,7 @@
             <a:pPr>
               <a:buNone/>
             </a:pPr>
-            <a:endParaRPr lang="en-US" sz="800" dirty="0" smtClean="0">
+            <a:endParaRPr lang="en-US" sz="800" dirty="0">
               <a:latin typeface="Adobe Garamond Pro Bold" pitchFamily="18" charset="0"/>
             </a:endParaRPr>
           </a:p>
@@ -5189,7 +5066,7 @@
               <a:buChar char="Ø"/>
             </a:pPr>
             <a:r>
-              <a:rPr lang="en-US" sz="2400" dirty="0" smtClean="0">
+              <a:rPr lang="en-US" sz="2400" dirty="0">
                 <a:latin typeface="Book Antiqua" pitchFamily="18" charset="0"/>
               </a:rPr>
               <a:t>Visual Studio Code 1.4.6</a:t>
@@ -5269,27 +5146,27 @@
           <a:lstStyle/>
           <a:p>
             <a:r>
-              <a:rPr lang="en-US" sz="3600" dirty="0" smtClean="0">
+              <a:rPr lang="en-US" sz="3600" dirty="0">
                 <a:latin typeface="Adobe Garamond Pro Bold" pitchFamily="18" charset="0"/>
               </a:rPr>
               <a:t>PROCEDURE</a:t>
             </a:r>
           </a:p>
           <a:p>
-            <a:endParaRPr lang="en-US" sz="1000" dirty="0" smtClean="0">
+            <a:endParaRPr lang="en-US" sz="1000" dirty="0">
               <a:latin typeface="Adobe Garamond Pro Bold" pitchFamily="18" charset="0"/>
             </a:endParaRPr>
           </a:p>
           <a:p>
             <a:r>
-              <a:rPr lang="en-US" sz="2800" dirty="0" smtClean="0">
+              <a:rPr lang="en-US" sz="2800" dirty="0">
                 <a:latin typeface="Book Antiqua" pitchFamily="18" charset="0"/>
               </a:rPr>
               <a:t>Examination process –</a:t>
             </a:r>
           </a:p>
           <a:p>
-            <a:endParaRPr lang="en-US" sz="600" dirty="0" smtClean="0">
+            <a:endParaRPr lang="en-US" sz="600" dirty="0">
               <a:latin typeface="Book Antiqua" pitchFamily="18" charset="0"/>
             </a:endParaRPr>
           </a:p>
@@ -5299,7 +5176,7 @@
               <a:buChar char="Ø"/>
             </a:pPr>
             <a:r>
-              <a:rPr lang="en-US" sz="2400" dirty="0" smtClean="0">
+              <a:rPr lang="en-US" sz="2400" dirty="0">
                 <a:latin typeface="Book Antiqua" pitchFamily="18" charset="0"/>
               </a:rPr>
               <a:t>  Login to the online examination system.</a:t>
@@ -5310,7 +5187,7 @@
               <a:buFont typeface="Wingdings" pitchFamily="2" charset="2"/>
               <a:buChar char="Ø"/>
             </a:pPr>
-            <a:endParaRPr lang="en-US" sz="800" dirty="0" smtClean="0">
+            <a:endParaRPr lang="en-US" sz="800" dirty="0">
               <a:latin typeface="Book Antiqua" pitchFamily="18" charset="0"/>
             </a:endParaRPr>
           </a:p>
@@ -5320,16 +5197,10 @@
               <a:buChar char="Ø"/>
             </a:pPr>
             <a:r>
-              <a:rPr lang="en-US" sz="2400" dirty="0" smtClean="0">
-                <a:latin typeface="Book Antiqua" pitchFamily="18" charset="0"/>
-              </a:rPr>
-              <a:t> </a:t>
-            </a:r>
-            <a:r>
-              <a:rPr lang="en-US" sz="2400" dirty="0" smtClean="0">
-                <a:latin typeface="Book Antiqua" pitchFamily="18" charset="0"/>
-              </a:rPr>
-              <a:t> Create exam</a:t>
+              <a:rPr lang="en-US" sz="2400" dirty="0">
+                <a:latin typeface="Book Antiqua" pitchFamily="18" charset="0"/>
+              </a:rPr>
+              <a:t>  Create exam</a:t>
             </a:r>
           </a:p>
           <a:p>
@@ -5337,7 +5208,7 @@
               <a:buFont typeface="Wingdings" pitchFamily="2" charset="2"/>
               <a:buChar char="Ø"/>
             </a:pPr>
-            <a:endParaRPr lang="en-US" sz="800" dirty="0" smtClean="0">
+            <a:endParaRPr lang="en-US" sz="800" dirty="0">
               <a:latin typeface="Book Antiqua" pitchFamily="18" charset="0"/>
             </a:endParaRPr>
           </a:p>
@@ -5347,7 +5218,7 @@
               <a:buChar char="Ø"/>
             </a:pPr>
             <a:r>
-              <a:rPr lang="en-US" sz="2400" dirty="0" smtClean="0">
+              <a:rPr lang="en-US" sz="2400" dirty="0">
                 <a:latin typeface="Book Antiqua" pitchFamily="18" charset="0"/>
               </a:rPr>
               <a:t>  Join exam</a:t>
@@ -5358,7 +5229,7 @@
               <a:buFont typeface="Wingdings" pitchFamily="2" charset="2"/>
               <a:buChar char="Ø"/>
             </a:pPr>
-            <a:endParaRPr lang="en-US" sz="800" dirty="0" smtClean="0">
+            <a:endParaRPr lang="en-US" sz="800" dirty="0">
               <a:latin typeface="Book Antiqua" pitchFamily="18" charset="0"/>
             </a:endParaRPr>
           </a:p>
@@ -5368,14 +5239,14 @@
               <a:buChar char="Ø"/>
             </a:pPr>
             <a:r>
-              <a:rPr lang="en-US" sz="2400" dirty="0" smtClean="0">
+              <a:rPr lang="en-US" sz="2400" dirty="0">
                 <a:latin typeface="Book Antiqua" pitchFamily="18" charset="0"/>
               </a:rPr>
               <a:t>  Submit</a:t>
             </a:r>
           </a:p>
           <a:p>
-            <a:endParaRPr lang="en-US" sz="800" dirty="0" smtClean="0">
+            <a:endParaRPr lang="en-US" sz="800" dirty="0">
               <a:latin typeface="Book Antiqua" pitchFamily="18" charset="0"/>
             </a:endParaRPr>
           </a:p>
@@ -5385,33 +5256,27 @@
               <a:buChar char="Ø"/>
             </a:pPr>
             <a:r>
-              <a:rPr lang="en-US" sz="2400" dirty="0" smtClean="0">
-                <a:latin typeface="Book Antiqua" pitchFamily="18" charset="0"/>
-              </a:rPr>
-              <a:t> </a:t>
-            </a:r>
-            <a:r>
-              <a:rPr lang="en-US" sz="2400" dirty="0" smtClean="0">
-                <a:latin typeface="Book Antiqua" pitchFamily="18" charset="0"/>
-              </a:rPr>
-              <a:t> Result</a:t>
-            </a:r>
-          </a:p>
-          <a:p>
-            <a:endParaRPr lang="en-US" sz="1100" dirty="0" smtClean="0">
+              <a:rPr lang="en-US" sz="2400" dirty="0">
+                <a:latin typeface="Book Antiqua" pitchFamily="18" charset="0"/>
+              </a:rPr>
+              <a:t>  Result</a:t>
+            </a:r>
+          </a:p>
+          <a:p>
+            <a:endParaRPr lang="en-US" sz="1100" dirty="0">
               <a:latin typeface="Book Antiqua" pitchFamily="18" charset="0"/>
             </a:endParaRPr>
           </a:p>
           <a:p>
             <a:r>
-              <a:rPr lang="en-US" sz="2800" dirty="0" smtClean="0">
+              <a:rPr lang="en-US" sz="2800" dirty="0">
                 <a:latin typeface="Book Antiqua" pitchFamily="18" charset="0"/>
               </a:rPr>
               <a:t>The form of questions in test page –</a:t>
             </a:r>
           </a:p>
           <a:p>
-            <a:endParaRPr lang="en-US" sz="1000" dirty="0" smtClean="0">
+            <a:endParaRPr lang="en-US" sz="1000" dirty="0">
               <a:latin typeface="Book Antiqua" pitchFamily="18" charset="0"/>
             </a:endParaRPr>
           </a:p>
@@ -5421,7 +5286,7 @@
               <a:buChar char="Ø"/>
             </a:pPr>
             <a:r>
-              <a:rPr lang="en-US" sz="2400" dirty="0" smtClean="0">
+              <a:rPr lang="en-US" sz="2400" dirty="0">
                 <a:latin typeface="Book Antiqua" pitchFamily="18" charset="0"/>
               </a:rPr>
               <a:t>  Multiple choice questions</a:t>
@@ -5432,7 +5297,7 @@
               <a:buFont typeface="Wingdings" pitchFamily="2" charset="2"/>
               <a:buChar char="Ø"/>
             </a:pPr>
-            <a:endParaRPr lang="en-US" sz="800" dirty="0" smtClean="0">
+            <a:endParaRPr lang="en-US" sz="800" dirty="0">
               <a:latin typeface="Book Antiqua" pitchFamily="18" charset="0"/>
             </a:endParaRPr>
           </a:p>
@@ -5442,7 +5307,7 @@
               <a:buChar char="Ø"/>
             </a:pPr>
             <a:r>
-              <a:rPr lang="en-US" sz="2400" dirty="0" smtClean="0">
+              <a:rPr lang="en-US" sz="2400" dirty="0">
                 <a:latin typeface="Book Antiqua" pitchFamily="18" charset="0"/>
               </a:rPr>
               <a:t>  Four options</a:t>
@@ -5453,7 +5318,7 @@
               <a:buFont typeface="Wingdings" pitchFamily="2" charset="2"/>
               <a:buChar char="Ø"/>
             </a:pPr>
-            <a:endParaRPr lang="en-US" sz="800" dirty="0" smtClean="0">
+            <a:endParaRPr lang="en-US" sz="800" dirty="0">
               <a:latin typeface="Book Antiqua" pitchFamily="18" charset="0"/>
             </a:endParaRPr>
           </a:p>
@@ -5463,7 +5328,7 @@
               <a:buChar char="Ø"/>
             </a:pPr>
             <a:r>
-              <a:rPr lang="en-US" sz="2400" dirty="0" smtClean="0">
+              <a:rPr lang="en-US" sz="2400" dirty="0">
                 <a:latin typeface="Book Antiqua" pitchFamily="18" charset="0"/>
               </a:rPr>
               <a:t>  Only one correct answer</a:t>
@@ -5543,27 +5408,27 @@
           <a:lstStyle/>
           <a:p>
             <a:r>
-              <a:rPr lang="en-US" sz="3600" dirty="0" smtClean="0">
+              <a:rPr lang="en-US" sz="3600" dirty="0">
                 <a:latin typeface="Adobe Garamond Pro Bold" pitchFamily="18" charset="0"/>
               </a:rPr>
               <a:t> FUNCTIONALITY</a:t>
             </a:r>
           </a:p>
           <a:p>
-            <a:endParaRPr lang="en-US" dirty="0" smtClean="0">
+            <a:endParaRPr lang="en-US" dirty="0">
               <a:latin typeface="Book Antiqua" pitchFamily="18" charset="0"/>
             </a:endParaRPr>
           </a:p>
           <a:p>
             <a:pPr marL="514350" indent="-514350"/>
             <a:r>
-              <a:rPr lang="en-US" sz="2800" dirty="0" smtClean="0">
+              <a:rPr lang="en-US" sz="2800" dirty="0">
                 <a:latin typeface="Book Antiqua" pitchFamily="18" charset="0"/>
               </a:rPr>
               <a:t> </a:t>
             </a:r>
             <a:r>
-              <a:rPr lang="en-US" sz="2800" b="1" dirty="0" smtClean="0">
+              <a:rPr lang="en-US" sz="2800" b="1" dirty="0">
                 <a:latin typeface="Book Antiqua" pitchFamily="18" charset="0"/>
                 <a:cs typeface="Adobe Hebrew" pitchFamily="18" charset="-79"/>
               </a:rPr>
@@ -5571,7 +5436,7 @@
             </a:r>
           </a:p>
           <a:p>
-            <a:endParaRPr lang="en-US" sz="800" dirty="0" smtClean="0">
+            <a:endParaRPr lang="en-US" sz="800" dirty="0">
               <a:latin typeface="Book Antiqua" pitchFamily="18" charset="0"/>
             </a:endParaRPr>
           </a:p>
@@ -5581,7 +5446,7 @@
               <a:buChar char="Ø"/>
             </a:pPr>
             <a:r>
-              <a:rPr lang="en-US" sz="2400" dirty="0" smtClean="0">
+              <a:rPr lang="en-US" sz="2400" dirty="0">
                 <a:latin typeface="Book Antiqua" pitchFamily="18" charset="0"/>
               </a:rPr>
               <a:t>  Requesting registration.</a:t>
@@ -5592,7 +5457,7 @@
               <a:buFont typeface="Wingdings" pitchFamily="2" charset="2"/>
               <a:buChar char="Ø"/>
             </a:pPr>
-            <a:endParaRPr lang="en-US" sz="700" dirty="0" smtClean="0">
+            <a:endParaRPr lang="en-US" sz="700" dirty="0">
               <a:latin typeface="Book Antiqua" pitchFamily="18" charset="0"/>
             </a:endParaRPr>
           </a:p>
@@ -5602,28 +5467,10 @@
               <a:buChar char="Ø"/>
             </a:pPr>
             <a:r>
-              <a:rPr lang="en-US" sz="2400" dirty="0" smtClean="0">
-                <a:latin typeface="Book Antiqua" pitchFamily="18" charset="0"/>
-              </a:rPr>
-              <a:t> </a:t>
-            </a:r>
-            <a:r>
-              <a:rPr lang="en-US" sz="2400" dirty="0" smtClean="0">
-                <a:latin typeface="Book Antiqua" pitchFamily="18" charset="0"/>
-              </a:rPr>
-              <a:t> </a:t>
-            </a:r>
-            <a:r>
-              <a:rPr lang="en-US" sz="2400" dirty="0" smtClean="0">
-                <a:latin typeface="Book Antiqua" pitchFamily="18" charset="0"/>
-              </a:rPr>
-              <a:t>Logging int</a:t>
-            </a:r>
-            <a:r>
-              <a:rPr lang="en-US" sz="2400" dirty="0" smtClean="0">
-                <a:latin typeface="Book Antiqua" pitchFamily="18" charset="0"/>
-              </a:rPr>
-              <a:t>o the system.</a:t>
+              <a:rPr lang="en-US" sz="2400" dirty="0">
+                <a:latin typeface="Book Antiqua" pitchFamily="18" charset="0"/>
+              </a:rPr>
+              <a:t>  Logging into the system.</a:t>
             </a:r>
           </a:p>
           <a:p>
@@ -5631,7 +5478,7 @@
               <a:buFont typeface="Wingdings" pitchFamily="2" charset="2"/>
               <a:buChar char="Ø"/>
             </a:pPr>
-            <a:endParaRPr lang="en-US" sz="800" dirty="0" smtClean="0">
+            <a:endParaRPr lang="en-US" sz="800" dirty="0">
               <a:latin typeface="Book Antiqua" pitchFamily="18" charset="0"/>
             </a:endParaRPr>
           </a:p>
@@ -5641,22 +5488,10 @@
               <a:buChar char="Ø"/>
             </a:pPr>
             <a:r>
-              <a:rPr lang="en-US" sz="2400" dirty="0" smtClean="0">
-                <a:latin typeface="Book Antiqua" pitchFamily="18" charset="0"/>
-              </a:rPr>
-              <a:t> </a:t>
-            </a:r>
-            <a:r>
-              <a:rPr lang="en-US" sz="2400" dirty="0" smtClean="0">
-                <a:latin typeface="Book Antiqua" pitchFamily="18" charset="0"/>
-              </a:rPr>
-              <a:t> </a:t>
-            </a:r>
-            <a:r>
-              <a:rPr lang="en-US" sz="2400" dirty="0" smtClean="0">
-                <a:latin typeface="Book Antiqua" pitchFamily="18" charset="0"/>
-              </a:rPr>
-              <a:t>Edit user information.</a:t>
+              <a:rPr lang="en-US" sz="2400" dirty="0">
+                <a:latin typeface="Book Antiqua" pitchFamily="18" charset="0"/>
+              </a:rPr>
+              <a:t>  Edit user information.</a:t>
             </a:r>
           </a:p>
           <a:p>
@@ -5664,7 +5499,7 @@
               <a:buFont typeface="Wingdings" pitchFamily="2" charset="2"/>
               <a:buChar char="Ø"/>
             </a:pPr>
-            <a:endParaRPr lang="en-US" sz="800" dirty="0" smtClean="0">
+            <a:endParaRPr lang="en-US" sz="800" dirty="0">
               <a:latin typeface="Book Antiqua" pitchFamily="18" charset="0"/>
             </a:endParaRPr>
           </a:p>
@@ -5674,16 +5509,10 @@
               <a:buChar char="Ø"/>
             </a:pPr>
             <a:r>
-              <a:rPr lang="en-US" sz="2400" dirty="0" smtClean="0">
-                <a:latin typeface="Book Antiqua" pitchFamily="18" charset="0"/>
-              </a:rPr>
-              <a:t> </a:t>
-            </a:r>
-            <a:r>
-              <a:rPr lang="en-US" sz="2400" dirty="0" smtClean="0">
-                <a:latin typeface="Book Antiqua" pitchFamily="18" charset="0"/>
-              </a:rPr>
-              <a:t> Selecting the test.</a:t>
+              <a:rPr lang="en-US" sz="2400" dirty="0">
+                <a:latin typeface="Book Antiqua" pitchFamily="18" charset="0"/>
+              </a:rPr>
+              <a:t>  Selecting the test.</a:t>
             </a:r>
           </a:p>
           <a:p>
@@ -5691,7 +5520,7 @@
               <a:buFont typeface="Wingdings" pitchFamily="2" charset="2"/>
               <a:buChar char="Ø"/>
             </a:pPr>
-            <a:endParaRPr lang="en-US" sz="800" dirty="0" smtClean="0">
+            <a:endParaRPr lang="en-US" sz="800" dirty="0">
               <a:latin typeface="Book Antiqua" pitchFamily="18" charset="0"/>
             </a:endParaRPr>
           </a:p>
@@ -5701,22 +5530,10 @@
               <a:buChar char="Ø"/>
             </a:pPr>
             <a:r>
-              <a:rPr lang="en-US" sz="2400" dirty="0" smtClean="0">
-                <a:latin typeface="Book Antiqua" pitchFamily="18" charset="0"/>
-              </a:rPr>
-              <a:t> </a:t>
-            </a:r>
-            <a:r>
-              <a:rPr lang="en-US" sz="2400" dirty="0" smtClean="0">
-                <a:latin typeface="Book Antiqua" pitchFamily="18" charset="0"/>
-              </a:rPr>
-              <a:t> </a:t>
-            </a:r>
-            <a:r>
-              <a:rPr lang="en-US" sz="2400" dirty="0" smtClean="0">
-                <a:latin typeface="Book Antiqua" pitchFamily="18" charset="0"/>
-              </a:rPr>
-              <a:t>Appearing for the examination.</a:t>
+              <a:rPr lang="en-US" sz="2400" dirty="0">
+                <a:latin typeface="Book Antiqua" pitchFamily="18" charset="0"/>
+              </a:rPr>
+              <a:t>  Appearing for the examination.</a:t>
             </a:r>
           </a:p>
           <a:p>
@@ -5724,7 +5541,7 @@
               <a:buFont typeface="Wingdings" pitchFamily="2" charset="2"/>
               <a:buChar char="Ø"/>
             </a:pPr>
-            <a:endParaRPr lang="en-US" sz="800" dirty="0" smtClean="0">
+            <a:endParaRPr lang="en-US" sz="800" dirty="0">
               <a:latin typeface="Book Antiqua" pitchFamily="18" charset="0"/>
             </a:endParaRPr>
           </a:p>
@@ -5734,7 +5551,7 @@
               <a:buChar char="Ø"/>
             </a:pPr>
             <a:r>
-              <a:rPr lang="en-US" sz="2400" dirty="0" smtClean="0">
+              <a:rPr lang="en-US" sz="2400" dirty="0">
                 <a:latin typeface="Book Antiqua" pitchFamily="18" charset="0"/>
               </a:rPr>
               <a:t>  Reviewing the given responses.</a:t>
@@ -5745,7 +5562,7 @@
               <a:buFont typeface="Wingdings" pitchFamily="2" charset="2"/>
               <a:buChar char="Ø"/>
             </a:pPr>
-            <a:endParaRPr lang="en-US" sz="800" dirty="0" smtClean="0">
+            <a:endParaRPr lang="en-US" sz="800" dirty="0">
               <a:latin typeface="Book Antiqua" pitchFamily="18" charset="0"/>
             </a:endParaRPr>
           </a:p>
@@ -5755,20 +5572,11 @@
               <a:buChar char="Ø"/>
             </a:pPr>
             <a:r>
-              <a:rPr lang="en-US" sz="2400" dirty="0" smtClean="0">
-                <a:latin typeface="Book Antiqua" pitchFamily="18" charset="0"/>
-              </a:rPr>
-              <a:t> </a:t>
-            </a:r>
-            <a:r>
-              <a:rPr lang="en-US" sz="2400" dirty="0" smtClean="0">
-                <a:latin typeface="Book Antiqua" pitchFamily="18" charset="0"/>
-              </a:rPr>
-              <a:t> Access to the scores received.</a:t>
-            </a:r>
-            <a:endParaRPr lang="en-US" sz="2400" dirty="0" smtClean="0">
-              <a:latin typeface="Book Antiqua" pitchFamily="18" charset="0"/>
-            </a:endParaRPr>
+              <a:rPr lang="en-US" sz="2400" dirty="0">
+                <a:latin typeface="Book Antiqua" pitchFamily="18" charset="0"/>
+              </a:rPr>
+              <a:t>  Access to the scores received.</a:t>
+            </a:r>
           </a:p>
         </p:txBody>
       </p:sp>
@@ -5845,7 +5653,7 @@
           <a:p>
             <a:pPr marL="514350" indent="-514350"/>
             <a:r>
-              <a:rPr lang="en-US" sz="2800" b="1" dirty="0" smtClean="0">
+              <a:rPr lang="en-US" sz="2800" b="1" dirty="0">
                 <a:latin typeface="Adobe Hebrew" pitchFamily="18" charset="-79"/>
                 <a:cs typeface="Adobe Hebrew" pitchFamily="18" charset="-79"/>
               </a:rPr>
@@ -5853,7 +5661,7 @@
             </a:r>
           </a:p>
           <a:p>
-            <a:endParaRPr lang="en-US" sz="1200" dirty="0" smtClean="0"/>
+            <a:endParaRPr lang="en-US" sz="1200" dirty="0"/>
           </a:p>
           <a:p>
             <a:pPr>
@@ -5861,13 +5669,13 @@
               <a:buChar char="Ø"/>
             </a:pPr>
             <a:r>
-              <a:rPr lang="en-US" sz="2400" dirty="0" smtClean="0">
+              <a:rPr lang="en-US" sz="2400" dirty="0">
                 <a:latin typeface="Book Antiqua" pitchFamily="18" charset="0"/>
                 <a:cs typeface="Adobe Hebrew" pitchFamily="18" charset="-79"/>
               </a:rPr>
               <a:t>Taking backup of the database.</a:t>
             </a:r>
-            <a:endParaRPr lang="en-US" sz="700" dirty="0" smtClean="0">
+            <a:endParaRPr lang="en-US" sz="700" dirty="0">
               <a:latin typeface="Book Antiqua" pitchFamily="18" charset="0"/>
               <a:cs typeface="Adobe Hebrew" pitchFamily="18" charset="-79"/>
             </a:endParaRPr>
@@ -5878,13 +5686,13 @@
               <a:buChar char="Ø"/>
             </a:pPr>
             <a:r>
-              <a:rPr lang="en-US" sz="2400" dirty="0" smtClean="0">
+              <a:rPr lang="en-US" sz="2400" dirty="0">
                 <a:latin typeface="Book Antiqua" pitchFamily="18" charset="0"/>
                 <a:cs typeface="Adobe Hebrew" pitchFamily="18" charset="-79"/>
               </a:rPr>
               <a:t>Editing/ Deleting/ Creating the database.</a:t>
             </a:r>
-            <a:endParaRPr lang="en-US" sz="800" dirty="0" smtClean="0">
+            <a:endParaRPr lang="en-US" sz="800" dirty="0">
               <a:latin typeface="Book Antiqua" pitchFamily="18" charset="0"/>
               <a:cs typeface="Adobe Hebrew" pitchFamily="18" charset="-79"/>
             </a:endParaRPr>
@@ -5895,13 +5703,13 @@
               <a:buChar char="Ø"/>
             </a:pPr>
             <a:r>
-              <a:rPr lang="en-US" sz="2400" dirty="0" smtClean="0">
+              <a:rPr lang="en-US" sz="2400" dirty="0">
                 <a:latin typeface="Book Antiqua" pitchFamily="18" charset="0"/>
                 <a:cs typeface="Adobe Hebrew" pitchFamily="18" charset="-79"/>
               </a:rPr>
               <a:t>Changing the password.</a:t>
             </a:r>
-            <a:endParaRPr lang="en-US" sz="800" dirty="0" smtClean="0">
+            <a:endParaRPr lang="en-US" sz="800" dirty="0">
               <a:latin typeface="Book Antiqua" pitchFamily="18" charset="0"/>
               <a:cs typeface="Adobe Hebrew" pitchFamily="18" charset="-79"/>
             </a:endParaRPr>
@@ -5912,13 +5720,13 @@
               <a:buChar char="Ø"/>
             </a:pPr>
             <a:r>
-              <a:rPr lang="en-US" sz="2400" dirty="0" smtClean="0">
+              <a:rPr lang="en-US" sz="2400" dirty="0">
                 <a:latin typeface="Book Antiqua" pitchFamily="18" charset="0"/>
                 <a:cs typeface="Adobe Hebrew" pitchFamily="18" charset="-79"/>
               </a:rPr>
               <a:t>Logging into the system.</a:t>
             </a:r>
-            <a:endParaRPr lang="en-US" sz="800" dirty="0" smtClean="0">
+            <a:endParaRPr lang="en-US" sz="800" dirty="0">
               <a:latin typeface="Book Antiqua" pitchFamily="18" charset="0"/>
               <a:cs typeface="Adobe Hebrew" pitchFamily="18" charset="-79"/>
             </a:endParaRPr>
@@ -5929,13 +5737,13 @@
               <a:buChar char="Ø"/>
             </a:pPr>
             <a:r>
-              <a:rPr lang="en-US" sz="2400" dirty="0" smtClean="0">
+              <a:rPr lang="en-US" sz="2400" dirty="0">
                 <a:latin typeface="Book Antiqua" pitchFamily="18" charset="0"/>
                 <a:cs typeface="Adobe Hebrew" pitchFamily="18" charset="-79"/>
               </a:rPr>
               <a:t>Accepting registrations of candidates.</a:t>
             </a:r>
-            <a:endParaRPr lang="en-US" sz="800" dirty="0" smtClean="0">
+            <a:endParaRPr lang="en-US" sz="800" dirty="0">
               <a:latin typeface="Book Antiqua" pitchFamily="18" charset="0"/>
               <a:cs typeface="Adobe Hebrew" pitchFamily="18" charset="-79"/>
             </a:endParaRPr>
@@ -5946,13 +5754,13 @@
               <a:buChar char="Ø"/>
             </a:pPr>
             <a:r>
-              <a:rPr lang="en-US" sz="2400" dirty="0" smtClean="0">
+              <a:rPr lang="en-US" sz="2400" dirty="0">
                 <a:latin typeface="Book Antiqua" pitchFamily="18" charset="0"/>
                 <a:cs typeface="Adobe Hebrew" pitchFamily="18" charset="-79"/>
               </a:rPr>
               <a:t>Creating an exam.</a:t>
             </a:r>
-            <a:endParaRPr lang="en-US" sz="800" dirty="0" smtClean="0">
+            <a:endParaRPr lang="en-US" sz="800" dirty="0">
               <a:latin typeface="Book Antiqua" pitchFamily="18" charset="0"/>
               <a:cs typeface="Adobe Hebrew" pitchFamily="18" charset="-79"/>
             </a:endParaRPr>
@@ -5963,7 +5771,7 @@
               <a:buChar char="Ø"/>
             </a:pPr>
             <a:r>
-              <a:rPr lang="en-US" sz="2400" dirty="0" smtClean="0">
+              <a:rPr lang="en-US" sz="2400" dirty="0">
                 <a:latin typeface="Book Antiqua" pitchFamily="18" charset="0"/>
                 <a:cs typeface="Adobe Hebrew" pitchFamily="18" charset="-79"/>
               </a:rPr>
@@ -5976,18 +5784,11 @@
               <a:buChar char="Ø"/>
             </a:pPr>
             <a:r>
-              <a:rPr lang="en-US" sz="2400" dirty="0" smtClean="0">
+              <a:rPr lang="en-US" sz="2400" dirty="0">
                 <a:latin typeface="Book Antiqua" pitchFamily="18" charset="0"/>
                 <a:cs typeface="Adobe Hebrew" pitchFamily="18" charset="-79"/>
               </a:rPr>
-              <a:t> </a:t>
-            </a:r>
-            <a:r>
-              <a:rPr lang="en-US" sz="2400" dirty="0" smtClean="0">
-                <a:latin typeface="Book Antiqua" pitchFamily="18" charset="0"/>
-                <a:cs typeface="Adobe Hebrew" pitchFamily="18" charset="-79"/>
-              </a:rPr>
-              <a:t>Marking correct answer within the given options.</a:t>
+              <a:t> Marking correct answer within the given options.</a:t>
             </a:r>
           </a:p>
           <a:p>
@@ -5996,7 +5797,7 @@
               <a:buChar char="Ø"/>
             </a:pPr>
             <a:r>
-              <a:rPr lang="en-US" sz="2400" dirty="0" smtClean="0">
+              <a:rPr lang="en-US" sz="2400" dirty="0">
                 <a:latin typeface="Book Antiqua" pitchFamily="18" charset="0"/>
                 <a:cs typeface="Adobe Hebrew" pitchFamily="18" charset="-79"/>
               </a:rPr>
@@ -6009,7 +5810,7 @@
               <a:buChar char="Ø"/>
             </a:pPr>
             <a:r>
-              <a:rPr lang="en-US" sz="2400" dirty="0" smtClean="0">
+              <a:rPr lang="en-US" sz="2400" dirty="0">
                 <a:latin typeface="Book Antiqua" pitchFamily="18" charset="0"/>
                 <a:cs typeface="Adobe Hebrew" pitchFamily="18" charset="-79"/>
               </a:rPr>
@@ -6022,7 +5823,7 @@
               <a:buChar char="Ø"/>
             </a:pPr>
             <a:r>
-              <a:rPr lang="en-US" sz="2400" dirty="0" smtClean="0">
+              <a:rPr lang="en-US" sz="2400" dirty="0">
                 <a:latin typeface="Book Antiqua" pitchFamily="18" charset="0"/>
                 <a:cs typeface="Adobe Hebrew" pitchFamily="18" charset="-79"/>
               </a:rPr>
@@ -6030,7 +5831,7 @@
             </a:r>
           </a:p>
           <a:p>
-            <a:endParaRPr lang="en-US" dirty="0" smtClean="0"/>
+            <a:endParaRPr lang="en-US" dirty="0"/>
           </a:p>
           <a:p>
             <a:endParaRPr lang="en-US" dirty="0"/>
@@ -6109,14 +5910,14 @@
           <a:lstStyle/>
           <a:p>
             <a:r>
-              <a:rPr lang="en-US" sz="3600" dirty="0" smtClean="0">
+              <a:rPr lang="en-US" sz="3600" dirty="0">
                 <a:latin typeface="Adobe Garamond Pro Bold" pitchFamily="18" charset="0"/>
               </a:rPr>
               <a:t>ADVANTAGES</a:t>
             </a:r>
           </a:p>
           <a:p>
-            <a:endParaRPr lang="en-US" sz="1200" dirty="0" smtClean="0">
+            <a:endParaRPr lang="en-US" sz="1200" dirty="0">
               <a:latin typeface="Adobe Garamond Pro Bold" pitchFamily="18" charset="0"/>
             </a:endParaRPr>
           </a:p>
@@ -6126,13 +5927,13 @@
               <a:buChar char="Ø"/>
             </a:pPr>
             <a:r>
-              <a:rPr lang="en-US" sz="2000" dirty="0" smtClean="0">
+              <a:rPr lang="en-US" sz="2000" dirty="0">
                 <a:latin typeface="Book Antiqua" pitchFamily="18" charset="0"/>
               </a:rPr>
               <a:t> </a:t>
             </a:r>
             <a:r>
-              <a:rPr lang="en-US" sz="2400" dirty="0" smtClean="0">
+              <a:rPr lang="en-US" sz="2400" dirty="0">
                 <a:latin typeface="Book Antiqua" pitchFamily="18" charset="0"/>
               </a:rPr>
               <a:t>Physical presence at a given location is absolutely not </a:t>
@@ -6140,16 +5941,10 @@
           </a:p>
           <a:p>
             <a:r>
-              <a:rPr lang="en-US" sz="2400" dirty="0" smtClean="0">
-                <a:latin typeface="Book Antiqua" pitchFamily="18" charset="0"/>
-              </a:rPr>
-              <a:t> </a:t>
-            </a:r>
-            <a:r>
-              <a:rPr lang="en-US" sz="2400" dirty="0" smtClean="0">
-                <a:latin typeface="Book Antiqua" pitchFamily="18" charset="0"/>
-              </a:rPr>
-              <a:t>   necessary.</a:t>
+              <a:rPr lang="en-US" sz="2400" dirty="0">
+                <a:latin typeface="Book Antiqua" pitchFamily="18" charset="0"/>
+              </a:rPr>
+              <a:t>    necessary.</a:t>
             </a:r>
           </a:p>
           <a:p>
@@ -6158,7 +5953,7 @@
               <a:buChar char="Ø"/>
             </a:pPr>
             <a:r>
-              <a:rPr lang="en-US" sz="2400" dirty="0" smtClean="0">
+              <a:rPr lang="en-US" sz="2400" dirty="0">
                 <a:latin typeface="Book Antiqua" pitchFamily="18" charset="0"/>
               </a:rPr>
               <a:t> No time is spent on evaluation.</a:t>
@@ -6170,7 +5965,7 @@
               <a:buChar char="Ø"/>
             </a:pPr>
             <a:r>
-              <a:rPr lang="en-US" sz="2400" dirty="0" smtClean="0">
+              <a:rPr lang="en-US" sz="2400" dirty="0">
                 <a:latin typeface="Book Antiqua" pitchFamily="18" charset="0"/>
               </a:rPr>
               <a:t> Results are available instantly.</a:t>
@@ -6182,7 +5977,7 @@
               <a:buChar char="Ø"/>
             </a:pPr>
             <a:r>
-              <a:rPr lang="en-US" sz="2400" dirty="0" smtClean="0">
+              <a:rPr lang="en-US" sz="2400" dirty="0">
                 <a:latin typeface="Book Antiqua" pitchFamily="18" charset="0"/>
               </a:rPr>
               <a:t> Exams can be easily accessed 24/7  over the open test </a:t>
@@ -6190,7 +5985,7 @@
           </a:p>
           <a:p>
             <a:r>
-              <a:rPr lang="en-US" sz="2400" dirty="0" smtClean="0">
+              <a:rPr lang="en-US" sz="2400" dirty="0">
                 <a:latin typeface="Book Antiqua" pitchFamily="18" charset="0"/>
               </a:rPr>
               <a:t>    period.</a:t>
@@ -6202,7 +5997,7 @@
               <a:buChar char="Ø"/>
             </a:pPr>
             <a:r>
-              <a:rPr lang="en-US" sz="2400" dirty="0" smtClean="0">
+              <a:rPr lang="en-US" sz="2400" dirty="0">
                 <a:latin typeface="Book Antiqua" pitchFamily="18" charset="0"/>
               </a:rPr>
               <a:t> Exams can be timed to allow Y minutes to answer X </a:t>
@@ -6210,7 +6005,7 @@
           </a:p>
           <a:p>
             <a:r>
-              <a:rPr lang="en-US" sz="2400" dirty="0" smtClean="0">
+              <a:rPr lang="en-US" sz="2400" dirty="0">
                 <a:latin typeface="Book Antiqua" pitchFamily="18" charset="0"/>
               </a:rPr>
               <a:t>    number of questions.</a:t>
@@ -6222,7 +6017,7 @@
               <a:buChar char="Ø"/>
             </a:pPr>
             <a:r>
-              <a:rPr lang="en-US" sz="2400" dirty="0" smtClean="0">
+              <a:rPr lang="en-US" sz="2400" dirty="0">
                 <a:latin typeface="Book Antiqua" pitchFamily="18" charset="0"/>
               </a:rPr>
               <a:t> Easy Accessibility</a:t>
@@ -6234,7 +6029,7 @@
               <a:buChar char="Ø"/>
             </a:pPr>
             <a:r>
-              <a:rPr lang="en-US" sz="2400" dirty="0" smtClean="0">
+              <a:rPr lang="en-US" sz="2400" dirty="0">
                 <a:latin typeface="Book Antiqua" pitchFamily="18" charset="0"/>
               </a:rPr>
               <a:t> Available free of cost</a:t>
@@ -6246,7 +6041,7 @@
               <a:buChar char="Ø"/>
             </a:pPr>
             <a:r>
-              <a:rPr lang="en-US" sz="2400" dirty="0" smtClean="0">
+              <a:rPr lang="en-US" sz="2400" dirty="0">
                 <a:latin typeface="Book Antiqua" pitchFamily="18" charset="0"/>
               </a:rPr>
               <a:t> Accuracy in checking the answer, calculating result.</a:t>
@@ -6258,7 +6053,7 @@
               <a:buChar char="Ø"/>
             </a:pPr>
             <a:r>
-              <a:rPr lang="en-US" sz="2400" dirty="0" smtClean="0">
+              <a:rPr lang="en-US" sz="2400" dirty="0">
                 <a:latin typeface="Book Antiqua" pitchFamily="18" charset="0"/>
               </a:rPr>
               <a:t> User friendly</a:t>
@@ -6270,7 +6065,7 @@
               <a:buChar char="Ø"/>
             </a:pPr>
             <a:r>
-              <a:rPr lang="en-US" sz="2400" dirty="0" smtClean="0">
+              <a:rPr lang="en-US" sz="2400" dirty="0">
                 <a:latin typeface="Book Antiqua" pitchFamily="18" charset="0"/>
               </a:rPr>
               <a:t> Secure because of authentication.</a:t>
@@ -6282,20 +6077,14 @@
               <a:buChar char="Ø"/>
             </a:pPr>
             <a:r>
-              <a:rPr lang="en-US" sz="2400" dirty="0" smtClean="0">
-                <a:latin typeface="Book Antiqua" pitchFamily="18" charset="0"/>
-              </a:rPr>
-              <a:t> </a:t>
-            </a:r>
-            <a:r>
-              <a:rPr lang="en-US" sz="2400" dirty="0" smtClean="0">
-                <a:latin typeface="Book Antiqua" pitchFamily="18" charset="0"/>
-              </a:rPr>
-              <a:t>Online Exams – convenience, security and flexibility.</a:t>
-            </a:r>
-          </a:p>
-          <a:p>
-            <a:endParaRPr lang="en-US" sz="2400" dirty="0" smtClean="0">
+              <a:rPr lang="en-US" sz="2400" dirty="0">
+                <a:latin typeface="Book Antiqua" pitchFamily="18" charset="0"/>
+              </a:rPr>
+              <a:t> Online Exams – convenience, security and flexibility.</a:t>
+            </a:r>
+          </a:p>
+          <a:p>
+            <a:endParaRPr lang="en-US" sz="2400" dirty="0">
               <a:latin typeface="Book Antiqua" pitchFamily="18" charset="0"/>
             </a:endParaRPr>
           </a:p>
@@ -6373,26 +6162,11 @@
           <a:lstStyle/>
           <a:p>
             <a:r>
-              <a:rPr lang="en-US" sz="3600" dirty="0" smtClean="0">
+              <a:rPr lang="en-US" sz="3600" dirty="0">
                 <a:latin typeface="Adobe Garamond Pro Bold" pitchFamily="18" charset="0"/>
               </a:rPr>
-              <a:t>  </a:t>
-            </a:r>
-            <a:r>
-              <a:rPr lang="en-US" sz="3600" dirty="0" smtClean="0">
-                <a:latin typeface="Adobe Garamond Pro Bold" pitchFamily="18" charset="0"/>
-              </a:rPr>
-              <a:t>E-R </a:t>
-            </a:r>
-            <a:r>
-              <a:rPr lang="en-US" sz="3600" dirty="0" smtClean="0">
-                <a:latin typeface="Adobe Garamond Pro Bold" pitchFamily="18" charset="0"/>
-              </a:rPr>
-              <a:t>DIAGRAM</a:t>
-            </a:r>
-            <a:endParaRPr lang="en-US" sz="3600" dirty="0">
-              <a:latin typeface="Adobe Garamond Pro Bold" pitchFamily="18" charset="0"/>
-            </a:endParaRPr>
+              <a:t>  E-R DIAGRAM</a:t>
+            </a:r>
           </a:p>
         </p:txBody>
       </p:sp>
@@ -6492,20 +6266,11 @@
           <a:lstStyle/>
           <a:p>
             <a:r>
-              <a:rPr lang="en-US" sz="3600" dirty="0" smtClean="0">
+              <a:rPr lang="en-US" sz="3600" dirty="0">
                 <a:latin typeface="Adobe Garamond Pro Bold" pitchFamily="18" charset="0"/>
               </a:rPr>
-              <a:t>USE </a:t>
-            </a:r>
-            <a:r>
-              <a:rPr lang="en-US" sz="3600" dirty="0" smtClean="0">
-                <a:latin typeface="Adobe Garamond Pro Bold" pitchFamily="18" charset="0"/>
-              </a:rPr>
-              <a:t>CASE DIAGRAM</a:t>
-            </a:r>
-            <a:endParaRPr lang="en-US" sz="3600" dirty="0">
-              <a:latin typeface="Adobe Garamond Pro Bold" pitchFamily="18" charset="0"/>
-            </a:endParaRPr>
+              <a:t>USE CASE DIAGRAM</a:t>
+            </a:r>
           </a:p>
         </p:txBody>
       </p:sp>
@@ -6605,43 +6370,37 @@
           <a:lstStyle/>
           <a:p>
             <a:r>
-              <a:rPr lang="en-US" sz="3200" dirty="0" smtClean="0">
+              <a:rPr lang="en-US" sz="3200" dirty="0">
                 <a:latin typeface="Adobe Garamond Pro Bold" pitchFamily="18" charset="0"/>
               </a:rPr>
               <a:t>SNAPSHOTS</a:t>
             </a:r>
           </a:p>
           <a:p>
-            <a:endParaRPr lang="en-US" sz="800" dirty="0" smtClean="0">
+            <a:endParaRPr lang="en-US" sz="800" dirty="0">
               <a:latin typeface="Adobe Garamond Pro Bold" pitchFamily="18" charset="0"/>
             </a:endParaRPr>
           </a:p>
           <a:p>
             <a:r>
-              <a:rPr lang="en-US" sz="2400" b="1" dirty="0" smtClean="0">
+              <a:rPr lang="en-US" sz="2400" b="1" dirty="0">
                 <a:latin typeface="Book Antiqua" pitchFamily="18" charset="0"/>
               </a:rPr>
               <a:t> HOME PAGE - </a:t>
             </a:r>
-            <a:endParaRPr lang="en-US" sz="2400" b="1" dirty="0" smtClean="0">
-              <a:latin typeface="Book Antiqua" pitchFamily="18" charset="0"/>
-            </a:endParaRPr>
-          </a:p>
-          <a:p>
-            <a:endParaRPr lang="en-US" sz="900" dirty="0" smtClean="0">
+          </a:p>
+          <a:p>
+            <a:endParaRPr lang="en-US" sz="900" dirty="0">
               <a:latin typeface="Adobe Garamond Pro Bold" pitchFamily="18" charset="0"/>
             </a:endParaRPr>
           </a:p>
           <a:p>
             <a:r>
-              <a:rPr lang="en-US" sz="2400" dirty="0" smtClean="0">
+              <a:rPr lang="en-US" sz="2400" dirty="0">
                 <a:latin typeface="Book Antiqua" pitchFamily="18" charset="0"/>
               </a:rPr>
               <a:t> </a:t>
             </a:r>
-            <a:endParaRPr lang="en-US" sz="2400" dirty="0">
-              <a:latin typeface="Book Antiqua" pitchFamily="18" charset="0"/>
-            </a:endParaRPr>
           </a:p>
         </p:txBody>
       </p:sp>
@@ -6765,14 +6524,11 @@
           <a:lstStyle/>
           <a:p>
             <a:r>
-              <a:rPr lang="en-US" sz="2400" b="1" dirty="0" smtClean="0">
+              <a:rPr lang="en-US" sz="2400" b="1" dirty="0">
                 <a:latin typeface="Book Antiqua" pitchFamily="18" charset="0"/>
               </a:rPr>
               <a:t>SIGN UP PAGE</a:t>
             </a:r>
-            <a:endParaRPr lang="en-US" sz="2400" b="1" dirty="0">
-              <a:latin typeface="Book Antiqua" pitchFamily="18" charset="0"/>
-            </a:endParaRPr>
           </a:p>
         </p:txBody>
       </p:sp>
@@ -6849,7 +6605,7 @@
           <a:p>
             <a:pPr algn="ctr"/>
             <a:r>
-              <a:rPr lang="en-US" sz="4000" dirty="0" smtClean="0">
+              <a:rPr lang="en-US" sz="4000" dirty="0">
                 <a:solidFill>
                   <a:srgbClr val="0070C0"/>
                 </a:solidFill>
@@ -6862,7 +6618,7 @@
           <a:p>
             <a:pPr algn="ctr"/>
             <a:r>
-              <a:rPr lang="en-US" sz="2800" dirty="0" smtClean="0">
+              <a:rPr lang="en-US" sz="2800" dirty="0">
                 <a:solidFill>
                   <a:srgbClr val="00B0F0"/>
                 </a:solidFill>
@@ -6874,7 +6630,7 @@
           </a:p>
           <a:p>
             <a:pPr algn="ctr"/>
-            <a:endParaRPr lang="en-US" sz="3600" dirty="0" smtClean="0">
+            <a:endParaRPr lang="en-US" sz="3600" dirty="0">
               <a:latin typeface="Adobe Hebrew" pitchFamily="18" charset="-79"/>
               <a:cs typeface="Adobe Hebrew" pitchFamily="18" charset="-79"/>
             </a:endParaRPr>
@@ -6882,156 +6638,98 @@
           <a:p>
             <a:pPr algn="ctr"/>
             <a:r>
-              <a:rPr lang="en-US" sz="2800" dirty="0" smtClean="0">
+              <a:rPr lang="en-US" sz="2800" dirty="0">
                 <a:latin typeface="Britannic Bold" pitchFamily="34" charset="0"/>
                 <a:cs typeface="Adobe Hebrew" pitchFamily="18" charset="-79"/>
               </a:rPr>
               <a:t>Project Title-</a:t>
             </a:r>
-            <a:endParaRPr lang="en-US" sz="2800" dirty="0">
-              <a:latin typeface="Britannic Bold" pitchFamily="34" charset="0"/>
-              <a:cs typeface="Adobe Hebrew" pitchFamily="18" charset="-79"/>
-            </a:endParaRPr>
           </a:p>
           <a:p>
             <a:pPr algn="ctr"/>
             <a:r>
-              <a:rPr lang="en-US" sz="4400" dirty="0" smtClean="0">
+              <a:rPr lang="en-US" sz="4400" dirty="0">
                 <a:solidFill>
                   <a:srgbClr val="FF0000"/>
                 </a:solidFill>
                 <a:latin typeface="Britannic Bold" pitchFamily="34" charset="0"/>
                 <a:cs typeface="Adobe Hebrew" pitchFamily="18" charset="-79"/>
               </a:rPr>
-              <a:t>“</a:t>
-            </a:r>
-            <a:r>
-              <a:rPr lang="en-US" sz="4400" dirty="0" smtClean="0">
-                <a:solidFill>
-                  <a:srgbClr val="FF0000"/>
-                </a:solidFill>
-                <a:latin typeface="Britannic Bold" pitchFamily="34" charset="0"/>
-                <a:cs typeface="Adobe Hebrew" pitchFamily="18" charset="-79"/>
-              </a:rPr>
-              <a:t>Exam Book</a:t>
-            </a:r>
-            <a:r>
-              <a:rPr lang="en-US" sz="4400" dirty="0" smtClean="0">
-                <a:solidFill>
-                  <a:srgbClr val="FF0000"/>
-                </a:solidFill>
-                <a:latin typeface="Britannic Bold" pitchFamily="34" charset="0"/>
-                <a:cs typeface="Adobe Hebrew" pitchFamily="18" charset="-79"/>
-              </a:rPr>
-              <a:t>”</a:t>
-            </a:r>
-            <a:endParaRPr lang="en-US" sz="4400" dirty="0" smtClean="0">
-              <a:solidFill>
-                <a:srgbClr val="FF0000"/>
-              </a:solidFill>
-              <a:latin typeface="Britannic Bold" pitchFamily="34" charset="0"/>
-              <a:cs typeface="Adobe Hebrew" pitchFamily="18" charset="-79"/>
-            </a:endParaRPr>
+              <a:t>“Exam Book”</a:t>
+            </a:r>
           </a:p>
           <a:p>
             <a:pPr algn="ctr"/>
             <a:r>
-              <a:rPr lang="en-US" sz="2000" dirty="0" smtClean="0">
+              <a:rPr lang="en-US" sz="2000" dirty="0">
                 <a:solidFill>
                   <a:srgbClr val="00B050"/>
                 </a:solidFill>
                 <a:latin typeface="Britannic Bold" pitchFamily="34" charset="0"/>
                 <a:cs typeface="Adobe Hebrew" pitchFamily="18" charset="-79"/>
               </a:rPr>
-              <a:t>(Online </a:t>
-            </a:r>
-            <a:r>
-              <a:rPr lang="en-US" sz="2000" dirty="0" smtClean="0">
-                <a:solidFill>
-                  <a:srgbClr val="00B050"/>
-                </a:solidFill>
-                <a:latin typeface="Britannic Bold" pitchFamily="34" charset="0"/>
-                <a:cs typeface="Adobe Hebrew" pitchFamily="18" charset="-79"/>
-              </a:rPr>
-              <a:t>Examination System</a:t>
-            </a:r>
-            <a:r>
-              <a:rPr lang="en-US" sz="2000" dirty="0" smtClean="0">
-                <a:solidFill>
-                  <a:srgbClr val="00B050"/>
-                </a:solidFill>
-                <a:latin typeface="Britannic Bold" pitchFamily="34" charset="0"/>
-                <a:cs typeface="Adobe Hebrew" pitchFamily="18" charset="-79"/>
-              </a:rPr>
-              <a:t>)</a:t>
-            </a:r>
-            <a:endParaRPr lang="en-US" sz="2000" dirty="0">
-              <a:solidFill>
-                <a:srgbClr val="00B050"/>
-              </a:solidFill>
-              <a:latin typeface="Britannic Bold" pitchFamily="34" charset="0"/>
-              <a:cs typeface="Adobe Hebrew" pitchFamily="18" charset="-79"/>
-            </a:endParaRPr>
+              <a:t>(Online Examination System)</a:t>
+            </a:r>
           </a:p>
           <a:p>
             <a:pPr algn="ctr"/>
-            <a:endParaRPr lang="en-US" sz="3600" dirty="0" smtClean="0">
+            <a:endParaRPr lang="en-US" sz="3600" dirty="0">
               <a:latin typeface="Adobe Hebrew" pitchFamily="18" charset="-79"/>
               <a:cs typeface="Adobe Hebrew" pitchFamily="18" charset="-79"/>
             </a:endParaRPr>
           </a:p>
           <a:p>
             <a:pPr algn="ctr"/>
-            <a:endParaRPr lang="en-US" sz="1100" dirty="0" smtClean="0">
+            <a:endParaRPr lang="en-US" sz="1100" dirty="0">
               <a:latin typeface="Adobe Hebrew" pitchFamily="18" charset="-79"/>
               <a:cs typeface="Adobe Hebrew" pitchFamily="18" charset="-79"/>
             </a:endParaRPr>
           </a:p>
           <a:p>
             <a:pPr algn="ctr"/>
-            <a:endParaRPr lang="en-US" sz="1100" dirty="0" smtClean="0">
+            <a:endParaRPr lang="en-US" sz="1100" dirty="0">
               <a:latin typeface="Adobe Hebrew" pitchFamily="18" charset="-79"/>
               <a:cs typeface="Adobe Hebrew" pitchFamily="18" charset="-79"/>
             </a:endParaRPr>
           </a:p>
           <a:p>
             <a:pPr algn="ctr"/>
-            <a:endParaRPr lang="en-US" sz="1100" dirty="0" smtClean="0">
+            <a:endParaRPr lang="en-US" sz="1100" dirty="0">
               <a:latin typeface="Adobe Hebrew" pitchFamily="18" charset="-79"/>
               <a:cs typeface="Adobe Hebrew" pitchFamily="18" charset="-79"/>
             </a:endParaRPr>
           </a:p>
           <a:p>
             <a:pPr algn="ctr"/>
-            <a:endParaRPr lang="en-US" sz="1100" dirty="0" smtClean="0">
+            <a:endParaRPr lang="en-US" sz="1100" dirty="0">
               <a:latin typeface="Adobe Hebrew" pitchFamily="18" charset="-79"/>
               <a:cs typeface="Adobe Hebrew" pitchFamily="18" charset="-79"/>
             </a:endParaRPr>
           </a:p>
           <a:p>
             <a:pPr algn="ctr"/>
-            <a:endParaRPr lang="en-US" sz="1100" dirty="0" smtClean="0">
+            <a:endParaRPr lang="en-US" sz="1100" dirty="0">
               <a:latin typeface="Adobe Hebrew" pitchFamily="18" charset="-79"/>
               <a:cs typeface="Adobe Hebrew" pitchFamily="18" charset="-79"/>
             </a:endParaRPr>
           </a:p>
           <a:p>
             <a:pPr algn="ctr"/>
-            <a:endParaRPr lang="en-US" sz="1100" dirty="0" smtClean="0">
+            <a:endParaRPr lang="en-US" sz="1100" dirty="0">
               <a:latin typeface="Adobe Hebrew" pitchFamily="18" charset="-79"/>
               <a:cs typeface="Adobe Hebrew" pitchFamily="18" charset="-79"/>
             </a:endParaRPr>
           </a:p>
           <a:p>
             <a:r>
-              <a:rPr lang="en-US" sz="2400" dirty="0" smtClean="0">
+              <a:rPr lang="en-US" sz="2400" dirty="0">
                 <a:latin typeface="Adobe Hebrew" pitchFamily="18" charset="-79"/>
                 <a:cs typeface="Adobe Hebrew" pitchFamily="18" charset="-79"/>
               </a:rPr>
               <a:t> </a:t>
             </a:r>
             <a:r>
-              <a:rPr lang="en-US" sz="2400" dirty="0" smtClean="0">
+              <a:rPr lang="en-US" sz="2400" dirty="0">
                 <a:latin typeface="Britannic Bold" pitchFamily="34" charset="0"/>
                 <a:cs typeface="Adobe Hebrew" pitchFamily="18" charset="-79"/>
               </a:rPr>
@@ -7040,62 +6738,62 @@
           </a:p>
           <a:p>
             <a:r>
-              <a:rPr lang="en-US" sz="2400" dirty="0" smtClean="0">
+              <a:rPr lang="en-US" sz="2400" dirty="0">
                 <a:latin typeface="Britannic Bold" pitchFamily="34" charset="0"/>
                 <a:cs typeface="Adobe Hebrew" pitchFamily="18" charset="-79"/>
               </a:rPr>
               <a:t> Mr. Sanjay Rathore</a:t>
             </a:r>
-            <a:endParaRPr lang="en-US" sz="2400" dirty="0" smtClean="0">
+            <a:endParaRPr lang="en-US" sz="2400" dirty="0">
               <a:latin typeface="Adobe Hebrew" pitchFamily="18" charset="-79"/>
               <a:cs typeface="Adobe Hebrew" pitchFamily="18" charset="-79"/>
             </a:endParaRPr>
           </a:p>
           <a:p>
             <a:pPr algn="r"/>
-            <a:endParaRPr lang="en-US" sz="2400" dirty="0" smtClean="0">
+            <a:endParaRPr lang="en-US" sz="2400" dirty="0">
               <a:latin typeface="Adobe Hebrew" pitchFamily="18" charset="-79"/>
               <a:cs typeface="Adobe Hebrew" pitchFamily="18" charset="-79"/>
             </a:endParaRPr>
           </a:p>
           <a:p>
             <a:pPr algn="ctr"/>
-            <a:endParaRPr lang="en-US" sz="1100" dirty="0" smtClean="0">
+            <a:endParaRPr lang="en-US" sz="1100" dirty="0">
               <a:latin typeface="Adobe Hebrew" pitchFamily="18" charset="-79"/>
               <a:cs typeface="Adobe Hebrew" pitchFamily="18" charset="-79"/>
             </a:endParaRPr>
           </a:p>
           <a:p>
             <a:pPr algn="ctr"/>
-            <a:endParaRPr lang="en-US" sz="1100" dirty="0" smtClean="0">
+            <a:endParaRPr lang="en-US" sz="1100" dirty="0">
               <a:latin typeface="Adobe Hebrew" pitchFamily="18" charset="-79"/>
               <a:cs typeface="Adobe Hebrew" pitchFamily="18" charset="-79"/>
             </a:endParaRPr>
           </a:p>
           <a:p>
             <a:pPr algn="ctr"/>
-            <a:endParaRPr lang="en-US" sz="1100" dirty="0" smtClean="0">
+            <a:endParaRPr lang="en-US" sz="1100" dirty="0">
               <a:latin typeface="Adobe Hebrew" pitchFamily="18" charset="-79"/>
               <a:cs typeface="Adobe Hebrew" pitchFamily="18" charset="-79"/>
             </a:endParaRPr>
           </a:p>
           <a:p>
             <a:pPr algn="ctr"/>
-            <a:endParaRPr lang="en-US" sz="1100" dirty="0" smtClean="0">
+            <a:endParaRPr lang="en-US" sz="1100" dirty="0">
               <a:latin typeface="Adobe Hebrew" pitchFamily="18" charset="-79"/>
               <a:cs typeface="Adobe Hebrew" pitchFamily="18" charset="-79"/>
             </a:endParaRPr>
           </a:p>
           <a:p>
             <a:pPr algn="ctr"/>
-            <a:endParaRPr lang="en-US" sz="1100" dirty="0" smtClean="0">
+            <a:endParaRPr lang="en-US" sz="1100" dirty="0">
               <a:latin typeface="Adobe Hebrew" pitchFamily="18" charset="-79"/>
               <a:cs typeface="Adobe Hebrew" pitchFamily="18" charset="-79"/>
             </a:endParaRPr>
           </a:p>
           <a:p>
             <a:pPr algn="ctr"/>
-            <a:endParaRPr lang="en-US" sz="1100" dirty="0" smtClean="0">
+            <a:endParaRPr lang="en-US" sz="1100" dirty="0">
               <a:latin typeface="Adobe Hebrew" pitchFamily="18" charset="-79"/>
               <a:cs typeface="Adobe Hebrew" pitchFamily="18" charset="-79"/>
             </a:endParaRPr>
@@ -7174,14 +6872,11 @@
           <a:lstStyle/>
           <a:p>
             <a:r>
-              <a:rPr lang="en-US" sz="2400" b="1" dirty="0" smtClean="0">
+              <a:rPr lang="en-US" sz="2400" b="1" dirty="0">
                 <a:latin typeface="Book Antiqua" pitchFamily="18" charset="0"/>
               </a:rPr>
               <a:t> LOGIN PAGE</a:t>
             </a:r>
-            <a:endParaRPr lang="en-US" sz="2400" b="1" dirty="0">
-              <a:latin typeface="Book Antiqua" pitchFamily="18" charset="0"/>
-            </a:endParaRPr>
           </a:p>
         </p:txBody>
       </p:sp>
@@ -7258,30 +6953,6 @@
           </a:p>
         </p:txBody>
       </p:sp>
-      <p:pic>
-        <p:nvPicPr>
-          <p:cNvPr id="3" name="Picture 2" descr="Screenshot (934).png"/>
-          <p:cNvPicPr>
-            <a:picLocks noChangeAspect="1"/>
-          </p:cNvPicPr>
-          <p:nvPr/>
-        </p:nvPicPr>
-        <p:blipFill>
-          <a:blip r:embed="rId2"/>
-          <a:stretch>
-            <a:fillRect/>
-          </a:stretch>
-        </p:blipFill>
-        <p:spPr>
-          <a:xfrm>
-            <a:off x="533400" y="685800"/>
-            <a:ext cx="8077200" cy="5562600"/>
-          </a:xfrm>
-          <a:prstGeom prst="rect">
-            <a:avLst/>
-          </a:prstGeom>
-        </p:spPr>
-      </p:pic>
     </p:spTree>
   </p:cSld>
   <p:clrMapOvr>
@@ -7451,83 +7122,27 @@
           <a:lstStyle/>
           <a:p>
             <a:r>
-              <a:rPr lang="en-US" sz="3600" dirty="0" smtClean="0">
+              <a:rPr lang="en-US" sz="3600" dirty="0">
                 <a:latin typeface="Adobe Garamond Pro Bold" pitchFamily="18" charset="0"/>
               </a:rPr>
               <a:t>CONCLUSION</a:t>
             </a:r>
           </a:p>
           <a:p>
-            <a:endParaRPr lang="en-US" sz="1100" dirty="0" smtClean="0">
+            <a:endParaRPr lang="en-US" sz="1100" dirty="0">
               <a:latin typeface="Adobe Garamond Pro Bold" pitchFamily="18" charset="0"/>
             </a:endParaRPr>
           </a:p>
           <a:p>
             <a:r>
-              <a:rPr lang="en-US" sz="2400" dirty="0" smtClean="0">
+              <a:rPr lang="en-US" sz="2400" dirty="0">
                 <a:latin typeface="Book Antiqua" pitchFamily="18" charset="0"/>
                 <a:cs typeface="Adobe Hebrew" pitchFamily="18" charset="-79"/>
               </a:rPr>
-              <a:t>Exam Book</a:t>
-            </a:r>
-            <a:r>
-              <a:rPr lang="en-US" sz="2400" dirty="0" smtClean="0">
-                <a:latin typeface="Book Antiqua" pitchFamily="18" charset="0"/>
-                <a:cs typeface="Adobe Hebrew" pitchFamily="18" charset="-79"/>
-              </a:rPr>
-              <a:t> </a:t>
-            </a:r>
-            <a:r>
-              <a:rPr lang="en-US" sz="2400" dirty="0" smtClean="0">
-                <a:latin typeface="Book Antiqua" pitchFamily="18" charset="0"/>
-                <a:cs typeface="Adobe Hebrew" pitchFamily="18" charset="-79"/>
-              </a:rPr>
-              <a:t>is a web application. The key concept is to minimize the amount of paper and convert all types of documentation to digital form. This web application can help  students, test their level of IQ and knowledge </a:t>
-            </a:r>
-            <a:r>
-              <a:rPr lang="en-US" sz="2400" dirty="0" smtClean="0">
-                <a:latin typeface="Book Antiqua" pitchFamily="18" charset="0"/>
-                <a:cs typeface="Adobe Hebrew" pitchFamily="18" charset="-79"/>
-              </a:rPr>
-              <a:t>through joining exams in various subjects created by teachers and </a:t>
-            </a:r>
-            <a:r>
-              <a:rPr lang="en-US" sz="2400" dirty="0" smtClean="0">
-                <a:latin typeface="Book Antiqua" pitchFamily="18" charset="0"/>
-                <a:cs typeface="Adobe Hebrew" pitchFamily="18" charset="-79"/>
-              </a:rPr>
-              <a:t>educational institutions</a:t>
-            </a:r>
-            <a:r>
-              <a:rPr lang="en-US" sz="2400" dirty="0" smtClean="0">
-                <a:latin typeface="Book Antiqua" pitchFamily="18" charset="0"/>
-                <a:cs typeface="Adobe Hebrew" pitchFamily="18" charset="-79"/>
-              </a:rPr>
-              <a:t>. </a:t>
-            </a:r>
-            <a:r>
-              <a:rPr lang="en-US" sz="2400" dirty="0" smtClean="0">
-                <a:latin typeface="Book Antiqua" pitchFamily="18" charset="0"/>
-                <a:cs typeface="Adobe Hebrew" pitchFamily="18" charset="-79"/>
-              </a:rPr>
-              <a:t>It is a helpful resource at the time of this </a:t>
-            </a:r>
-            <a:r>
-              <a:rPr lang="en-US" sz="2400" dirty="0" smtClean="0">
-                <a:latin typeface="Book Antiqua" pitchFamily="18" charset="0"/>
-                <a:cs typeface="Adobe Hebrew" pitchFamily="18" charset="-79"/>
-              </a:rPr>
-              <a:t>pandemic</a:t>
-            </a:r>
-            <a:r>
-              <a:rPr lang="en-US" sz="2400" dirty="0" smtClean="0">
-                <a:latin typeface="Book Antiqua" pitchFamily="18" charset="0"/>
-                <a:cs typeface="Adobe Hebrew" pitchFamily="18" charset="-79"/>
-              </a:rPr>
-              <a:t>. It can be observed that the information required can be obtained with ease and accuracy in the computerized system. The user with minimum knowledge about computer can be able to operate the system easily. The system also produces brief result required by the management</a:t>
-            </a:r>
-            <a:r>
-              <a:rPr lang="en-US" sz="2400" dirty="0" smtClean="0">
+              <a:t>Exam Book is a web application. The key concept is to minimize the amount of paper and convert all types of documentation to digital form. This web application can help  students, test their level of IQ and knowledge through joining exams in various subjects created by teachers and educational institutions. It is a helpful resource at the time of this pandemic. It can be observed that the information required can be obtained with ease and accuracy in the computerized system. The user with minimum knowledge about computer can be able to operate the system easily. The system also produces brief result required by the management</a:t>
+            </a:r>
+            <a:r>
+              <a:rPr lang="en-US" sz="2400" dirty="0">
                 <a:latin typeface="Adobe Hebrew" pitchFamily="18" charset="-79"/>
                 <a:cs typeface="Adobe Hebrew" pitchFamily="18" charset="-79"/>
               </a:rPr>
@@ -7608,20 +7223,20 @@
           <a:lstStyle/>
           <a:p>
             <a:pPr algn="ctr"/>
-            <a:endParaRPr lang="en-US" sz="6000" dirty="0" smtClean="0">
+            <a:endParaRPr lang="en-US" sz="6000" dirty="0">
               <a:latin typeface="Adobe Garamond Pro Bold" pitchFamily="18" charset="0"/>
             </a:endParaRPr>
           </a:p>
           <a:p>
             <a:pPr algn="ctr"/>
-            <a:endParaRPr lang="en-US" sz="6000" dirty="0" smtClean="0">
+            <a:endParaRPr lang="en-US" sz="6000" dirty="0">
               <a:latin typeface="Adobe Garamond Pro Bold" pitchFamily="18" charset="0"/>
             </a:endParaRPr>
           </a:p>
           <a:p>
             <a:pPr algn="ctr"/>
             <a:r>
-              <a:rPr lang="en-US" sz="6000" dirty="0" smtClean="0">
+              <a:rPr lang="en-US" sz="6000" dirty="0">
                 <a:latin typeface="Adobe Garamond Pro Bold" pitchFamily="18" charset="0"/>
               </a:rPr>
               <a:t>THANK </a:t>
@@ -7630,7 +7245,7 @@
           <a:p>
             <a:pPr algn="ctr"/>
             <a:r>
-              <a:rPr lang="en-US" sz="6000" dirty="0" smtClean="0">
+              <a:rPr lang="en-US" sz="6000" dirty="0">
                 <a:latin typeface="Adobe Garamond Pro Bold" pitchFamily="18" charset="0"/>
               </a:rPr>
               <a:t>YOU!</a:t>
@@ -7638,7 +7253,7 @@
           </a:p>
           <a:p>
             <a:pPr algn="ctr"/>
-            <a:endParaRPr lang="en-US" sz="6000" dirty="0" smtClean="0">
+            <a:endParaRPr lang="en-US" sz="6000" dirty="0">
               <a:latin typeface="Adobe Garamond Pro Bold" pitchFamily="18" charset="0"/>
             </a:endParaRPr>
           </a:p>
@@ -7722,47 +7337,23 @@
           <a:lstStyle/>
           <a:p>
             <a:r>
-              <a:rPr lang="en-US" sz="3600" dirty="0" smtClean="0">
+              <a:rPr lang="en-US" sz="3600" dirty="0">
                 <a:solidFill>
                   <a:schemeClr val="tx1"/>
                 </a:solidFill>
                 <a:latin typeface="Adobe Garamond Pro Bold" pitchFamily="18" charset="0"/>
               </a:rPr>
-              <a:t>  </a:t>
-            </a:r>
-            <a:r>
-              <a:rPr lang="en-US" sz="3600" dirty="0" smtClean="0">
+              <a:t>    </a:t>
+            </a:r>
+            <a:r>
+              <a:rPr lang="en-US" sz="3200" dirty="0">
                 <a:solidFill>
                   <a:schemeClr val="tx1"/>
                 </a:solidFill>
                 <a:latin typeface="Adobe Garamond Pro Bold" pitchFamily="18" charset="0"/>
               </a:rPr>
-              <a:t>  </a:t>
-            </a:r>
-            <a:r>
-              <a:rPr lang="en-US" sz="3200" dirty="0" smtClean="0">
-                <a:solidFill>
-                  <a:schemeClr val="tx1"/>
-                </a:solidFill>
-                <a:latin typeface="Adobe Garamond Pro Bold" pitchFamily="18" charset="0"/>
-              </a:rPr>
-              <a:t>TABLE </a:t>
-            </a:r>
-            <a:r>
-              <a:rPr lang="en-US" sz="3200" dirty="0" smtClean="0">
-                <a:solidFill>
-                  <a:schemeClr val="tx1"/>
-                </a:solidFill>
-                <a:latin typeface="Adobe Garamond Pro Bold" pitchFamily="18" charset="0"/>
-              </a:rPr>
-              <a:t>OF CONTENTS</a:t>
-            </a:r>
-            <a:endParaRPr lang="en-US" sz="3200" dirty="0">
-              <a:solidFill>
-                <a:schemeClr val="tx1"/>
-              </a:solidFill>
-              <a:latin typeface="Adobe Garamond Pro Bold" pitchFamily="18" charset="0"/>
-            </a:endParaRPr>
+              <a:t>TABLE OF CONTENTS</a:t>
+            </a:r>
           </a:p>
         </p:txBody>
       </p:sp>
@@ -7787,8 +7378,20 @@
                 <a:tableStyleId>{073A0DAA-6AF3-43AB-8588-CEC1D06C72B9}</a:tableStyleId>
               </a:tblPr>
               <a:tblGrid>
-                <a:gridCol w="3924300"/>
-                <a:gridCol w="3924300"/>
+                <a:gridCol w="3924300">
+                  <a:extLst>
+                    <a:ext uri="{9D8B030D-6E8A-4147-A177-3AD203B41FA5}">
+                      <a16:colId xmlns:a16="http://schemas.microsoft.com/office/drawing/2014/main" val="20000"/>
+                    </a:ext>
+                  </a:extLst>
+                </a:gridCol>
+                <a:gridCol w="3924300">
+                  <a:extLst>
+                    <a:ext uri="{9D8B030D-6E8A-4147-A177-3AD203B41FA5}">
+                      <a16:colId xmlns:a16="http://schemas.microsoft.com/office/drawing/2014/main" val="20001"/>
+                    </a:ext>
+                  </a:extLst>
+                </a:gridCol>
               </a:tblGrid>
               <a:tr h="376505">
                 <a:tc>
@@ -7797,10 +7400,9 @@
                     <a:lstStyle/>
                     <a:p>
                       <a:r>
-                        <a:rPr lang="en-US" dirty="0" smtClean="0"/>
+                        <a:rPr lang="en-US" dirty="0"/>
                         <a:t>TOPIC NAME</a:t>
                       </a:r>
-                      <a:endParaRPr lang="en-US" dirty="0"/>
                     </a:p>
                   </a:txBody>
                   <a:tcPr/>
@@ -7811,14 +7413,18 @@
                     <a:lstStyle/>
                     <a:p>
                       <a:r>
-                        <a:rPr lang="en-US" dirty="0" smtClean="0"/>
+                        <a:rPr lang="en-US" dirty="0"/>
                         <a:t>SLIDE NO.</a:t>
                       </a:r>
-                      <a:endParaRPr lang="en-US" dirty="0"/>
                     </a:p>
                   </a:txBody>
                   <a:tcPr/>
                 </a:tc>
+                <a:extLst>
+                  <a:ext uri="{0D108BD9-81ED-4DB2-BD59-A6C34878D82A}">
+                    <a16:rowId xmlns:a16="http://schemas.microsoft.com/office/drawing/2014/main" val="10000"/>
+                  </a:ext>
+                </a:extLst>
               </a:tr>
               <a:tr h="376505">
                 <a:tc>
@@ -7827,11 +7433,11 @@
                     <a:lstStyle/>
                     <a:p>
                       <a:r>
-                        <a:rPr lang="en-US" dirty="0" smtClean="0"/>
+                        <a:rPr lang="en-US" dirty="0"/>
                         <a:t>Team</a:t>
                       </a:r>
                       <a:r>
-                        <a:rPr lang="en-US" baseline="0" dirty="0" smtClean="0"/>
+                        <a:rPr lang="en-US" baseline="0" dirty="0"/>
                         <a:t> Members</a:t>
                       </a:r>
                       <a:endParaRPr lang="en-US" dirty="0"/>
@@ -7845,14 +7451,18 @@
                     <a:lstStyle/>
                     <a:p>
                       <a:r>
-                        <a:rPr lang="en-US" dirty="0" smtClean="0"/>
+                        <a:rPr lang="en-US" dirty="0"/>
                         <a:t>4</a:t>
                       </a:r>
-                      <a:endParaRPr lang="en-US" dirty="0"/>
                     </a:p>
                   </a:txBody>
                   <a:tcPr/>
                 </a:tc>
+                <a:extLst>
+                  <a:ext uri="{0D108BD9-81ED-4DB2-BD59-A6C34878D82A}">
+                    <a16:rowId xmlns:a16="http://schemas.microsoft.com/office/drawing/2014/main" val="10001"/>
+                  </a:ext>
+                </a:extLst>
               </a:tr>
               <a:tr h="376505">
                 <a:tc>
@@ -7861,10 +7471,9 @@
                     <a:lstStyle/>
                     <a:p>
                       <a:r>
-                        <a:rPr lang="en-US" dirty="0" smtClean="0"/>
+                        <a:rPr lang="en-US" dirty="0"/>
                         <a:t>Introduction</a:t>
                       </a:r>
-                      <a:endParaRPr lang="en-US" dirty="0"/>
                     </a:p>
                   </a:txBody>
                   <a:tcPr/>
@@ -7875,14 +7484,18 @@
                     <a:lstStyle/>
                     <a:p>
                       <a:r>
-                        <a:rPr lang="en-US" dirty="0" smtClean="0"/>
+                        <a:rPr lang="en-US" dirty="0"/>
                         <a:t>5</a:t>
                       </a:r>
-                      <a:endParaRPr lang="en-US" dirty="0"/>
                     </a:p>
                   </a:txBody>
                   <a:tcPr/>
                 </a:tc>
+                <a:extLst>
+                  <a:ext uri="{0D108BD9-81ED-4DB2-BD59-A6C34878D82A}">
+                    <a16:rowId xmlns:a16="http://schemas.microsoft.com/office/drawing/2014/main" val="10002"/>
+                  </a:ext>
+                </a:extLst>
               </a:tr>
               <a:tr h="376505">
                 <a:tc>
@@ -7891,10 +7504,9 @@
                     <a:lstStyle/>
                     <a:p>
                       <a:r>
-                        <a:rPr lang="en-US" dirty="0" smtClean="0"/>
+                        <a:rPr lang="en-US" dirty="0"/>
                         <a:t>Aim and Objectives</a:t>
                       </a:r>
-                      <a:endParaRPr lang="en-US" dirty="0"/>
                     </a:p>
                   </a:txBody>
                   <a:tcPr/>
@@ -7905,14 +7517,18 @@
                     <a:lstStyle/>
                     <a:p>
                       <a:r>
-                        <a:rPr lang="en-US" dirty="0" smtClean="0"/>
+                        <a:rPr lang="en-US" dirty="0"/>
                         <a:t>6</a:t>
                       </a:r>
-                      <a:endParaRPr lang="en-US" dirty="0"/>
                     </a:p>
                   </a:txBody>
                   <a:tcPr/>
                 </a:tc>
+                <a:extLst>
+                  <a:ext uri="{0D108BD9-81ED-4DB2-BD59-A6C34878D82A}">
+                    <a16:rowId xmlns:a16="http://schemas.microsoft.com/office/drawing/2014/main" val="10003"/>
+                  </a:ext>
+                </a:extLst>
               </a:tr>
               <a:tr h="376505">
                 <a:tc>
@@ -7921,10 +7537,9 @@
                     <a:lstStyle/>
                     <a:p>
                       <a:r>
-                        <a:rPr lang="en-US" dirty="0" smtClean="0"/>
+                        <a:rPr lang="en-US" dirty="0"/>
                         <a:t>Scope and purpose</a:t>
                       </a:r>
-                      <a:endParaRPr lang="en-US" dirty="0"/>
                     </a:p>
                   </a:txBody>
                   <a:tcPr/>
@@ -7935,14 +7550,18 @@
                     <a:lstStyle/>
                     <a:p>
                       <a:r>
-                        <a:rPr lang="en-US" dirty="0" smtClean="0"/>
+                        <a:rPr lang="en-US" dirty="0"/>
                         <a:t>7</a:t>
                       </a:r>
-                      <a:endParaRPr lang="en-US" dirty="0"/>
                     </a:p>
                   </a:txBody>
                   <a:tcPr/>
                 </a:tc>
+                <a:extLst>
+                  <a:ext uri="{0D108BD9-81ED-4DB2-BD59-A6C34878D82A}">
+                    <a16:rowId xmlns:a16="http://schemas.microsoft.com/office/drawing/2014/main" val="10004"/>
+                  </a:ext>
+                </a:extLst>
               </a:tr>
               <a:tr h="376505">
                 <a:tc>
@@ -7951,10 +7570,9 @@
                     <a:lstStyle/>
                     <a:p>
                       <a:r>
-                        <a:rPr lang="en-US" dirty="0" smtClean="0"/>
+                        <a:rPr lang="en-US" dirty="0"/>
                         <a:t>Brief Description</a:t>
                       </a:r>
-                      <a:endParaRPr lang="en-US" dirty="0"/>
                     </a:p>
                   </a:txBody>
                   <a:tcPr/>
@@ -7965,14 +7583,18 @@
                     <a:lstStyle/>
                     <a:p>
                       <a:r>
-                        <a:rPr lang="en-US" dirty="0" smtClean="0"/>
+                        <a:rPr lang="en-US" dirty="0"/>
                         <a:t>8</a:t>
                       </a:r>
-                      <a:endParaRPr lang="en-US" dirty="0"/>
                     </a:p>
                   </a:txBody>
                   <a:tcPr/>
                 </a:tc>
+                <a:extLst>
+                  <a:ext uri="{0D108BD9-81ED-4DB2-BD59-A6C34878D82A}">
+                    <a16:rowId xmlns:a16="http://schemas.microsoft.com/office/drawing/2014/main" val="10005"/>
+                  </a:ext>
+                </a:extLst>
               </a:tr>
               <a:tr h="376505">
                 <a:tc>
@@ -7981,10 +7603,9 @@
                     <a:lstStyle/>
                     <a:p>
                       <a:r>
-                        <a:rPr lang="en-US" dirty="0" smtClean="0"/>
+                        <a:rPr lang="en-US" dirty="0"/>
                         <a:t>Users of the system</a:t>
                       </a:r>
-                      <a:endParaRPr lang="en-US" dirty="0"/>
                     </a:p>
                   </a:txBody>
                   <a:tcPr/>
@@ -7995,14 +7616,18 @@
                     <a:lstStyle/>
                     <a:p>
                       <a:r>
-                        <a:rPr lang="en-US" dirty="0" smtClean="0"/>
+                        <a:rPr lang="en-US" dirty="0"/>
                         <a:t>9-10</a:t>
                       </a:r>
-                      <a:endParaRPr lang="en-US" dirty="0"/>
                     </a:p>
                   </a:txBody>
                   <a:tcPr/>
                 </a:tc>
+                <a:extLst>
+                  <a:ext uri="{0D108BD9-81ED-4DB2-BD59-A6C34878D82A}">
+                    <a16:rowId xmlns:a16="http://schemas.microsoft.com/office/drawing/2014/main" val="10006"/>
+                  </a:ext>
+                </a:extLst>
               </a:tr>
               <a:tr h="376505">
                 <a:tc>
@@ -8011,10 +7636,9 @@
                     <a:lstStyle/>
                     <a:p>
                       <a:r>
-                        <a:rPr lang="en-US" dirty="0" smtClean="0"/>
+                        <a:rPr lang="en-US" dirty="0"/>
                         <a:t>Technology used</a:t>
                       </a:r>
-                      <a:endParaRPr lang="en-US" dirty="0"/>
                     </a:p>
                   </a:txBody>
                   <a:tcPr/>
@@ -8025,14 +7649,18 @@
                     <a:lstStyle/>
                     <a:p>
                       <a:r>
-                        <a:rPr lang="en-US" dirty="0" smtClean="0"/>
+                        <a:rPr lang="en-US" dirty="0"/>
                         <a:t>11</a:t>
                       </a:r>
-                      <a:endParaRPr lang="en-US" dirty="0"/>
                     </a:p>
                   </a:txBody>
                   <a:tcPr/>
                 </a:tc>
+                <a:extLst>
+                  <a:ext uri="{0D108BD9-81ED-4DB2-BD59-A6C34878D82A}">
+                    <a16:rowId xmlns:a16="http://schemas.microsoft.com/office/drawing/2014/main" val="10007"/>
+                  </a:ext>
+                </a:extLst>
               </a:tr>
               <a:tr h="376505">
                 <a:tc>
@@ -8041,10 +7669,9 @@
                     <a:lstStyle/>
                     <a:p>
                       <a:r>
-                        <a:rPr lang="en-US" dirty="0" smtClean="0"/>
+                        <a:rPr lang="en-US" dirty="0"/>
                         <a:t>Procedure</a:t>
                       </a:r>
-                      <a:endParaRPr lang="en-US" dirty="0"/>
                     </a:p>
                   </a:txBody>
                   <a:tcPr/>
@@ -8055,14 +7682,18 @@
                     <a:lstStyle/>
                     <a:p>
                       <a:r>
-                        <a:rPr lang="en-US" dirty="0" smtClean="0"/>
+                        <a:rPr lang="en-US" dirty="0"/>
                         <a:t>12</a:t>
                       </a:r>
-                      <a:endParaRPr lang="en-US" dirty="0"/>
                     </a:p>
                   </a:txBody>
                   <a:tcPr/>
                 </a:tc>
+                <a:extLst>
+                  <a:ext uri="{0D108BD9-81ED-4DB2-BD59-A6C34878D82A}">
+                    <a16:rowId xmlns:a16="http://schemas.microsoft.com/office/drawing/2014/main" val="10008"/>
+                  </a:ext>
+                </a:extLst>
               </a:tr>
               <a:tr h="376505">
                 <a:tc>
@@ -8071,10 +7702,9 @@
                     <a:lstStyle/>
                     <a:p>
                       <a:r>
-                        <a:rPr lang="en-US" dirty="0" smtClean="0"/>
+                        <a:rPr lang="en-US" dirty="0"/>
                         <a:t>Functionality</a:t>
                       </a:r>
-                      <a:endParaRPr lang="en-US" dirty="0"/>
                     </a:p>
                   </a:txBody>
                   <a:tcPr/>
@@ -8085,14 +7715,18 @@
                     <a:lstStyle/>
                     <a:p>
                       <a:r>
-                        <a:rPr lang="en-US" dirty="0" smtClean="0"/>
+                        <a:rPr lang="en-US" dirty="0"/>
                         <a:t>13-14</a:t>
                       </a:r>
-                      <a:endParaRPr lang="en-US" dirty="0"/>
                     </a:p>
                   </a:txBody>
                   <a:tcPr/>
                 </a:tc>
+                <a:extLst>
+                  <a:ext uri="{0D108BD9-81ED-4DB2-BD59-A6C34878D82A}">
+                    <a16:rowId xmlns:a16="http://schemas.microsoft.com/office/drawing/2014/main" val="10009"/>
+                  </a:ext>
+                </a:extLst>
               </a:tr>
               <a:tr h="376505">
                 <a:tc>
@@ -8101,10 +7735,9 @@
                     <a:lstStyle/>
                     <a:p>
                       <a:r>
-                        <a:rPr lang="en-US" dirty="0" smtClean="0"/>
+                        <a:rPr lang="en-US" dirty="0"/>
                         <a:t>Advantages</a:t>
                       </a:r>
-                      <a:endParaRPr lang="en-US" dirty="0"/>
                     </a:p>
                   </a:txBody>
                   <a:tcPr/>
@@ -8115,14 +7748,18 @@
                     <a:lstStyle/>
                     <a:p>
                       <a:r>
-                        <a:rPr lang="en-US" dirty="0" smtClean="0"/>
+                        <a:rPr lang="en-US" dirty="0"/>
                         <a:t>15</a:t>
                       </a:r>
-                      <a:endParaRPr lang="en-US" dirty="0"/>
                     </a:p>
                   </a:txBody>
                   <a:tcPr/>
                 </a:tc>
+                <a:extLst>
+                  <a:ext uri="{0D108BD9-81ED-4DB2-BD59-A6C34878D82A}">
+                    <a16:rowId xmlns:a16="http://schemas.microsoft.com/office/drawing/2014/main" val="10010"/>
+                  </a:ext>
+                </a:extLst>
               </a:tr>
               <a:tr h="349750">
                 <a:tc>
@@ -8131,11 +7768,11 @@
                     <a:lstStyle/>
                     <a:p>
                       <a:r>
-                        <a:rPr lang="en-US" dirty="0" smtClean="0"/>
+                        <a:rPr lang="en-US" dirty="0"/>
                         <a:t>E-R</a:t>
                       </a:r>
                       <a:r>
-                        <a:rPr lang="en-US" baseline="0" dirty="0" smtClean="0"/>
+                        <a:rPr lang="en-US" baseline="0" dirty="0"/>
                         <a:t> Diagram</a:t>
                       </a:r>
                       <a:endParaRPr lang="en-US" dirty="0"/>
@@ -8149,14 +7786,18 @@
                     <a:lstStyle/>
                     <a:p>
                       <a:r>
-                        <a:rPr lang="en-US" dirty="0" smtClean="0"/>
+                        <a:rPr lang="en-US" dirty="0"/>
                         <a:t>16</a:t>
                       </a:r>
-                      <a:endParaRPr lang="en-US" dirty="0"/>
                     </a:p>
                   </a:txBody>
                   <a:tcPr/>
                 </a:tc>
+                <a:extLst>
+                  <a:ext uri="{0D108BD9-81ED-4DB2-BD59-A6C34878D82A}">
+                    <a16:rowId xmlns:a16="http://schemas.microsoft.com/office/drawing/2014/main" val="10011"/>
+                  </a:ext>
+                </a:extLst>
               </a:tr>
               <a:tr h="376505">
                 <a:tc>
@@ -8165,10 +7806,9 @@
                     <a:lstStyle/>
                     <a:p>
                       <a:r>
-                        <a:rPr lang="en-US" dirty="0" smtClean="0"/>
+                        <a:rPr lang="en-US" dirty="0"/>
                         <a:t>Use case diagram</a:t>
                       </a:r>
-                      <a:endParaRPr lang="en-US" dirty="0"/>
                     </a:p>
                   </a:txBody>
                   <a:tcPr/>
@@ -8179,14 +7819,18 @@
                     <a:lstStyle/>
                     <a:p>
                       <a:r>
-                        <a:rPr lang="en-US" dirty="0" smtClean="0"/>
+                        <a:rPr lang="en-US" dirty="0"/>
                         <a:t>17</a:t>
                       </a:r>
-                      <a:endParaRPr lang="en-US" dirty="0"/>
                     </a:p>
                   </a:txBody>
                   <a:tcPr/>
                 </a:tc>
+                <a:extLst>
+                  <a:ext uri="{0D108BD9-81ED-4DB2-BD59-A6C34878D82A}">
+                    <a16:rowId xmlns:a16="http://schemas.microsoft.com/office/drawing/2014/main" val="10012"/>
+                  </a:ext>
+                </a:extLst>
               </a:tr>
               <a:tr h="376505">
                 <a:tc>
@@ -8195,10 +7839,9 @@
                     <a:lstStyle/>
                     <a:p>
                       <a:r>
-                        <a:rPr lang="en-US" dirty="0" smtClean="0"/>
+                        <a:rPr lang="en-US" dirty="0"/>
                         <a:t>Snapshots</a:t>
                       </a:r>
-                      <a:endParaRPr lang="en-US" dirty="0"/>
                     </a:p>
                   </a:txBody>
                   <a:tcPr/>
@@ -8209,14 +7852,18 @@
                     <a:lstStyle/>
                     <a:p>
                       <a:r>
-                        <a:rPr lang="en-US" dirty="0" smtClean="0"/>
+                        <a:rPr lang="en-US" dirty="0"/>
                         <a:t>18-22</a:t>
                       </a:r>
-                      <a:endParaRPr lang="en-US" dirty="0"/>
                     </a:p>
                   </a:txBody>
                   <a:tcPr/>
                 </a:tc>
+                <a:extLst>
+                  <a:ext uri="{0D108BD9-81ED-4DB2-BD59-A6C34878D82A}">
+                    <a16:rowId xmlns:a16="http://schemas.microsoft.com/office/drawing/2014/main" val="10013"/>
+                  </a:ext>
+                </a:extLst>
               </a:tr>
               <a:tr h="376505">
                 <a:tc>
@@ -8225,10 +7872,9 @@
                     <a:lstStyle/>
                     <a:p>
                       <a:r>
-                        <a:rPr lang="en-US" dirty="0" smtClean="0"/>
+                        <a:rPr lang="en-US" dirty="0"/>
                         <a:t>Conclusion</a:t>
                       </a:r>
-                      <a:endParaRPr lang="en-US" dirty="0"/>
                     </a:p>
                   </a:txBody>
                   <a:tcPr/>
@@ -8239,14 +7885,18 @@
                     <a:lstStyle/>
                     <a:p>
                       <a:r>
-                        <a:rPr lang="en-US" dirty="0" smtClean="0"/>
+                        <a:rPr lang="en-US" dirty="0"/>
                         <a:t>23</a:t>
                       </a:r>
-                      <a:endParaRPr lang="en-US" dirty="0"/>
                     </a:p>
                   </a:txBody>
                   <a:tcPr/>
                 </a:tc>
+                <a:extLst>
+                  <a:ext uri="{0D108BD9-81ED-4DB2-BD59-A6C34878D82A}">
+                    <a16:rowId xmlns:a16="http://schemas.microsoft.com/office/drawing/2014/main" val="10014"/>
+                  </a:ext>
+                </a:extLst>
               </a:tr>
             </a:tbl>
           </a:graphicData>
@@ -8324,7 +7974,7 @@
           <a:lstStyle/>
           <a:p>
             <a:r>
-              <a:rPr lang="en-US" sz="3600" dirty="0" smtClean="0">
+              <a:rPr lang="en-US" sz="3600" dirty="0">
                 <a:latin typeface="Adobe Garamond Pro Bold" pitchFamily="18" charset="0"/>
                 <a:ea typeface="Arial Unicode MS" pitchFamily="34" charset="-128"/>
                 <a:cs typeface="Arial Unicode MS" pitchFamily="34" charset="-128"/>
@@ -8333,7 +7983,7 @@
             </a:r>
           </a:p>
           <a:p>
-            <a:endParaRPr lang="en-US" sz="2000" b="1" dirty="0" smtClean="0">
+            <a:endParaRPr lang="en-US" sz="2000" b="1" dirty="0">
               <a:latin typeface="Book Antiqua" pitchFamily="18" charset="0"/>
               <a:ea typeface="Arial Unicode MS" pitchFamily="34" charset="-128"/>
               <a:cs typeface="Arial Unicode MS" pitchFamily="34" charset="-128"/>
@@ -8342,7 +7992,7 @@
           <a:p>
             <a:pPr marL="742950" indent="-742950"/>
             <a:r>
-              <a:rPr lang="en-US" sz="2800" b="1" dirty="0" smtClean="0">
+              <a:rPr lang="en-US" sz="2800" b="1" dirty="0">
                 <a:latin typeface="Book Antiqua" pitchFamily="18" charset="0"/>
                 <a:ea typeface="Arial Unicode MS" pitchFamily="34" charset="-128"/>
                 <a:cs typeface="Arial Unicode MS" pitchFamily="34" charset="-128"/>
@@ -8353,7 +8003,7 @@
           <a:p>
             <a:pPr marL="742950" indent="-742950"/>
             <a:r>
-              <a:rPr lang="en-US" sz="3600" dirty="0" smtClean="0">
+              <a:rPr lang="en-US" sz="3600" dirty="0">
                 <a:latin typeface="Book Antiqua" pitchFamily="18" charset="0"/>
                 <a:ea typeface="Arial Unicode MS" pitchFamily="34" charset="-128"/>
                 <a:cs typeface="Arial Unicode MS" pitchFamily="34" charset="-128"/>
@@ -8361,7 +8011,7 @@
               <a:t>    </a:t>
             </a:r>
             <a:r>
-              <a:rPr lang="en-US" sz="2000" dirty="0" smtClean="0">
+              <a:rPr lang="en-US" sz="2000" dirty="0">
                 <a:latin typeface="Book Antiqua" pitchFamily="18" charset="0"/>
                 <a:ea typeface="Arial Unicode MS" pitchFamily="34" charset="-128"/>
                 <a:cs typeface="Arial Unicode MS" pitchFamily="34" charset="-128"/>
@@ -8371,7 +8021,7 @@
           </a:p>
           <a:p>
             <a:pPr marL="742950" indent="-742950"/>
-            <a:endParaRPr lang="en-US" sz="2800" dirty="0" smtClean="0">
+            <a:endParaRPr lang="en-US" sz="2800" dirty="0">
               <a:latin typeface="Book Antiqua" pitchFamily="18" charset="0"/>
               <a:ea typeface="Arial Unicode MS" pitchFamily="34" charset="-128"/>
               <a:cs typeface="Arial Unicode MS" pitchFamily="34" charset="-128"/>
@@ -8380,7 +8030,7 @@
           <a:p>
             <a:pPr marL="742950" indent="-742950"/>
             <a:r>
-              <a:rPr lang="en-US" sz="2800" b="1" dirty="0" smtClean="0">
+              <a:rPr lang="en-US" sz="2800" b="1" dirty="0">
                 <a:latin typeface="Book Antiqua" pitchFamily="18" charset="0"/>
                 <a:ea typeface="Arial Unicode MS" pitchFamily="34" charset="-128"/>
                 <a:cs typeface="Arial Unicode MS" pitchFamily="34" charset="-128"/>
@@ -8391,7 +8041,7 @@
           <a:p>
             <a:pPr marL="742950" indent="-742950"/>
             <a:r>
-              <a:rPr lang="en-US" sz="2800" dirty="0" smtClean="0">
+              <a:rPr lang="en-US" sz="2800" dirty="0">
                 <a:latin typeface="Book Antiqua" pitchFamily="18" charset="0"/>
                 <a:ea typeface="Arial Unicode MS" pitchFamily="34" charset="-128"/>
                 <a:cs typeface="Arial Unicode MS" pitchFamily="34" charset="-128"/>
@@ -8399,7 +8049,7 @@
               <a:t>      </a:t>
             </a:r>
             <a:r>
-              <a:rPr lang="en-US" sz="2000" dirty="0" smtClean="0">
+              <a:rPr lang="en-US" sz="2000" dirty="0">
                 <a:latin typeface="Book Antiqua" pitchFamily="18" charset="0"/>
                 <a:ea typeface="Arial Unicode MS" pitchFamily="34" charset="-128"/>
                 <a:cs typeface="Arial Unicode MS" pitchFamily="34" charset="-128"/>
@@ -8409,7 +8059,7 @@
           </a:p>
           <a:p>
             <a:pPr marL="742950" indent="-742950"/>
-            <a:endParaRPr lang="en-US" sz="2800" dirty="0" smtClean="0">
+            <a:endParaRPr lang="en-US" sz="2800" dirty="0">
               <a:latin typeface="Book Antiqua" pitchFamily="18" charset="0"/>
               <a:ea typeface="Arial Unicode MS" pitchFamily="34" charset="-128"/>
               <a:cs typeface="Arial Unicode MS" pitchFamily="34" charset="-128"/>
@@ -8418,7 +8068,7 @@
           <a:p>
             <a:pPr marL="742950" indent="-742950"/>
             <a:r>
-              <a:rPr lang="en-US" sz="2800" b="1" dirty="0" smtClean="0">
+              <a:rPr lang="en-US" sz="2800" b="1" dirty="0">
                 <a:latin typeface="Book Antiqua" pitchFamily="18" charset="0"/>
                 <a:ea typeface="Arial Unicode MS" pitchFamily="34" charset="-128"/>
                 <a:cs typeface="Arial Unicode MS" pitchFamily="34" charset="-128"/>
@@ -8429,7 +8079,7 @@
           <a:p>
             <a:pPr marL="742950" indent="-742950"/>
             <a:r>
-              <a:rPr lang="en-US" sz="2000" dirty="0" smtClean="0">
+              <a:rPr lang="en-US" sz="2000" dirty="0">
                 <a:latin typeface="Book Antiqua" pitchFamily="18" charset="0"/>
                 <a:ea typeface="Arial Unicode MS" pitchFamily="34" charset="-128"/>
                 <a:cs typeface="Arial Unicode MS" pitchFamily="34" charset="-128"/>
@@ -8447,7 +8097,7 @@
           </a:p>
           <a:p>
             <a:pPr marL="742950" indent="-742950"/>
-            <a:endParaRPr lang="en-US" sz="2000" dirty="0" smtClean="0">
+            <a:endParaRPr lang="en-US" sz="2000" dirty="0">
               <a:latin typeface="Adobe Hebrew" pitchFamily="18" charset="-79"/>
               <a:cs typeface="Adobe Hebrew" pitchFamily="18" charset="-79"/>
             </a:endParaRPr>
@@ -8526,23 +8176,14 @@
           <a:lstStyle/>
           <a:p>
             <a:r>
-              <a:rPr lang="en-US" sz="3600" dirty="0" smtClean="0">
+              <a:rPr lang="en-US" sz="3600" dirty="0">
                 <a:latin typeface="Adobe Garamond Pro Bold" pitchFamily="18" charset="0"/>
               </a:rPr>
-              <a:t> </a:t>
-            </a:r>
-            <a:r>
-              <a:rPr lang="en-US" sz="3600" dirty="0" smtClean="0">
-                <a:latin typeface="Adobe Garamond Pro Bold" pitchFamily="18" charset="0"/>
-              </a:rPr>
-              <a:t>  INTRODUCTION</a:t>
-            </a:r>
-            <a:endParaRPr lang="en-US" sz="3600" dirty="0" smtClean="0">
-              <a:latin typeface="Adobe Garamond Pro Bold" pitchFamily="18" charset="0"/>
-            </a:endParaRPr>
-          </a:p>
-          <a:p>
-            <a:endParaRPr lang="en-US" sz="1200" dirty="0" smtClean="0">
+              <a:t>   INTRODUCTION</a:t>
+            </a:r>
+          </a:p>
+          <a:p>
+            <a:endParaRPr lang="en-US" sz="1200" dirty="0">
               <a:latin typeface="Adobe Garamond Pro Bold" pitchFamily="18" charset="0"/>
             </a:endParaRPr>
           </a:p>
@@ -8552,39 +8193,25 @@
               <a:buChar char="Ø"/>
             </a:pPr>
             <a:r>
-              <a:rPr lang="en-US" sz="2400" dirty="0" smtClean="0">
+              <a:rPr lang="en-US" sz="2400" dirty="0">
                 <a:latin typeface="Book Antiqua" pitchFamily="18" charset="0"/>
                 <a:cs typeface="Adobe Hebrew" pitchFamily="18" charset="-79"/>
               </a:rPr>
-              <a:t>  </a:t>
-            </a:r>
-            <a:r>
-              <a:rPr lang="en-US" sz="2400" dirty="0" smtClean="0">
+              <a:t>  This project is a real world application of all the skills     </a:t>
+            </a:r>
+          </a:p>
+          <a:p>
+            <a:r>
+              <a:rPr lang="en-US" sz="2400" dirty="0">
                 <a:latin typeface="Book Antiqua" pitchFamily="18" charset="0"/>
                 <a:cs typeface="Adobe Hebrew" pitchFamily="18" charset="-79"/>
               </a:rPr>
-              <a:t>This </a:t>
-            </a:r>
-            <a:r>
-              <a:rPr lang="en-US" sz="2400" dirty="0" smtClean="0">
-                <a:latin typeface="Book Antiqua" pitchFamily="18" charset="0"/>
-                <a:cs typeface="Adobe Hebrew" pitchFamily="18" charset="-79"/>
-              </a:rPr>
-              <a:t>project is a real world application of all the skills     </a:t>
-            </a:r>
-          </a:p>
-          <a:p>
-            <a:r>
-              <a:rPr lang="en-US" sz="2400" dirty="0" smtClean="0">
-                <a:latin typeface="Book Antiqua" pitchFamily="18" charset="0"/>
-                <a:cs typeface="Adobe Hebrew" pitchFamily="18" charset="-79"/>
-              </a:rPr>
               <a:t>     and knowledge that we have acquired from our </a:t>
             </a:r>
           </a:p>
           <a:p>
             <a:r>
-              <a:rPr lang="en-US" sz="2400" dirty="0" smtClean="0">
+              <a:rPr lang="en-US" sz="2400" dirty="0">
                 <a:latin typeface="Book Antiqua" pitchFamily="18" charset="0"/>
                 <a:cs typeface="Adobe Hebrew" pitchFamily="18" charset="-79"/>
               </a:rPr>
@@ -8597,127 +8224,43 @@
               <a:buChar char="Ø"/>
             </a:pPr>
             <a:r>
-              <a:rPr lang="en-US" sz="2400" dirty="0" smtClean="0">
+              <a:rPr lang="en-US" sz="2400" dirty="0">
                 <a:latin typeface="Book Antiqua" pitchFamily="18" charset="0"/>
                 <a:cs typeface="Adobe Hebrew" pitchFamily="18" charset="-79"/>
               </a:rPr>
-              <a:t>  Since </a:t>
-            </a:r>
-            <a:r>
-              <a:rPr lang="en-US" sz="2400" dirty="0" smtClean="0">
+              <a:t>  Since we all are amidst a global pandemic, it is our    </a:t>
+            </a:r>
+          </a:p>
+          <a:p>
+            <a:r>
+              <a:rPr lang="en-US" sz="2400" dirty="0">
                 <a:latin typeface="Book Antiqua" pitchFamily="18" charset="0"/>
                 <a:cs typeface="Adobe Hebrew" pitchFamily="18" charset="-79"/>
               </a:rPr>
-              <a:t>we all are amidst </a:t>
-            </a:r>
-            <a:r>
-              <a:rPr lang="en-US" sz="2400" dirty="0" smtClean="0">
+              <a:t>     duty, as students, to help other students stay connected  </a:t>
+            </a:r>
+          </a:p>
+          <a:p>
+            <a:r>
+              <a:rPr lang="en-US" sz="2400" dirty="0">
                 <a:latin typeface="Book Antiqua" pitchFamily="18" charset="0"/>
                 <a:cs typeface="Adobe Hebrew" pitchFamily="18" charset="-79"/>
               </a:rPr>
-              <a:t>a </a:t>
-            </a:r>
-            <a:r>
-              <a:rPr lang="en-US" sz="2400" dirty="0" smtClean="0">
+              <a:t>     with their learning and this was the main motive </a:t>
+            </a:r>
+          </a:p>
+          <a:p>
+            <a:r>
+              <a:rPr lang="en-US" sz="2400" dirty="0">
                 <a:latin typeface="Book Antiqua" pitchFamily="18" charset="0"/>
                 <a:cs typeface="Adobe Hebrew" pitchFamily="18" charset="-79"/>
               </a:rPr>
-              <a:t>global pandemic, it is </a:t>
-            </a:r>
-            <a:r>
-              <a:rPr lang="en-US" sz="2400" dirty="0" smtClean="0">
-                <a:latin typeface="Book Antiqua" pitchFamily="18" charset="0"/>
-                <a:cs typeface="Adobe Hebrew" pitchFamily="18" charset="-79"/>
-              </a:rPr>
-              <a:t>our    </a:t>
-            </a:r>
-          </a:p>
-          <a:p>
-            <a:r>
-              <a:rPr lang="en-US" sz="2400" dirty="0" smtClean="0">
-                <a:latin typeface="Book Antiqua" pitchFamily="18" charset="0"/>
-                <a:cs typeface="Adobe Hebrew" pitchFamily="18" charset="-79"/>
-              </a:rPr>
-              <a:t>     duty, as </a:t>
-            </a:r>
-            <a:r>
-              <a:rPr lang="en-US" sz="2400" dirty="0" smtClean="0">
-                <a:latin typeface="Book Antiqua" pitchFamily="18" charset="0"/>
-                <a:cs typeface="Adobe Hebrew" pitchFamily="18" charset="-79"/>
-              </a:rPr>
-              <a:t>students, to help other students </a:t>
-            </a:r>
-            <a:r>
-              <a:rPr lang="en-US" sz="2400" dirty="0" smtClean="0">
-                <a:latin typeface="Book Antiqua" pitchFamily="18" charset="0"/>
-                <a:cs typeface="Adobe Hebrew" pitchFamily="18" charset="-79"/>
-              </a:rPr>
-              <a:t>stay connected  </a:t>
-            </a:r>
-          </a:p>
-          <a:p>
-            <a:r>
-              <a:rPr lang="en-US" sz="2400" dirty="0" smtClean="0">
-                <a:latin typeface="Book Antiqua" pitchFamily="18" charset="0"/>
-                <a:cs typeface="Adobe Hebrew" pitchFamily="18" charset="-79"/>
-              </a:rPr>
-              <a:t>     with</a:t>
-            </a:r>
-            <a:r>
-              <a:rPr lang="en-US" sz="2400" dirty="0" smtClean="0">
-                <a:latin typeface="Book Antiqua" pitchFamily="18" charset="0"/>
-                <a:cs typeface="Adobe Hebrew" pitchFamily="18" charset="-79"/>
-              </a:rPr>
-              <a:t> </a:t>
-            </a:r>
-            <a:r>
-              <a:rPr lang="en-US" sz="2400" dirty="0" smtClean="0">
-                <a:latin typeface="Book Antiqua" pitchFamily="18" charset="0"/>
-                <a:cs typeface="Adobe Hebrew" pitchFamily="18" charset="-79"/>
-              </a:rPr>
-              <a:t>their learning and this </a:t>
-            </a:r>
-            <a:r>
-              <a:rPr lang="en-US" sz="2400" dirty="0" smtClean="0">
-                <a:latin typeface="Book Antiqua" pitchFamily="18" charset="0"/>
-                <a:cs typeface="Adobe Hebrew" pitchFamily="18" charset="-79"/>
-              </a:rPr>
-              <a:t>was the main motive </a:t>
-            </a:r>
-          </a:p>
-          <a:p>
-            <a:r>
-              <a:rPr lang="en-US" sz="2400" dirty="0" smtClean="0">
-                <a:latin typeface="Book Antiqua" pitchFamily="18" charset="0"/>
-                <a:cs typeface="Adobe Hebrew" pitchFamily="18" charset="-79"/>
-              </a:rPr>
-              <a:t>     behind </a:t>
-            </a:r>
-            <a:r>
-              <a:rPr lang="en-US" sz="2400" dirty="0" smtClean="0">
-                <a:latin typeface="Book Antiqua" pitchFamily="18" charset="0"/>
-                <a:cs typeface="Adobe Hebrew" pitchFamily="18" charset="-79"/>
-              </a:rPr>
-              <a:t>taking  an online </a:t>
-            </a:r>
-            <a:r>
-              <a:rPr lang="en-US" sz="2400" dirty="0" smtClean="0">
-                <a:latin typeface="Book Antiqua" pitchFamily="18" charset="0"/>
-                <a:cs typeface="Adobe Hebrew" pitchFamily="18" charset="-79"/>
-              </a:rPr>
-              <a:t>examination system </a:t>
-            </a:r>
-            <a:r>
-              <a:rPr lang="en-US" sz="2400" dirty="0" smtClean="0">
-                <a:latin typeface="Book Antiqua" pitchFamily="18" charset="0"/>
-                <a:cs typeface="Adobe Hebrew" pitchFamily="18" charset="-79"/>
-              </a:rPr>
-              <a:t>as our </a:t>
-            </a:r>
-          </a:p>
-          <a:p>
-            <a:r>
-              <a:rPr lang="en-US" sz="2400" dirty="0" smtClean="0">
+              <a:t>     behind taking  an online examination system as our </a:t>
+            </a:r>
+          </a:p>
+          <a:p>
+            <a:r>
+              <a:rPr lang="en-US" sz="2400" dirty="0">
                 <a:latin typeface="Book Antiqua" pitchFamily="18" charset="0"/>
                 <a:cs typeface="Adobe Hebrew" pitchFamily="18" charset="-79"/>
               </a:rPr>
@@ -8730,7 +8273,7 @@
               <a:buChar char="Ø"/>
             </a:pPr>
             <a:r>
-              <a:rPr lang="en-US" sz="2400" dirty="0" smtClean="0">
+              <a:rPr lang="en-US" sz="2400" dirty="0">
                 <a:latin typeface="Book Antiqua" pitchFamily="18" charset="0"/>
                 <a:cs typeface="Adobe Hebrew" pitchFamily="18" charset="-79"/>
               </a:rPr>
@@ -8739,7 +8282,7 @@
           </a:p>
           <a:p>
             <a:r>
-              <a:rPr lang="en-US" sz="2400" dirty="0" smtClean="0">
+              <a:rPr lang="en-US" sz="2400" dirty="0">
                 <a:latin typeface="Book Antiqua" pitchFamily="18" charset="0"/>
                 <a:cs typeface="Adobe Hebrew" pitchFamily="18" charset="-79"/>
               </a:rPr>
@@ -8748,7 +8291,7 @@
           </a:p>
           <a:p>
             <a:r>
-              <a:rPr lang="en-US" sz="2400" dirty="0" smtClean="0">
+              <a:rPr lang="en-US" sz="2400" dirty="0">
                 <a:latin typeface="Book Antiqua" pitchFamily="18" charset="0"/>
                 <a:cs typeface="Adobe Hebrew" pitchFamily="18" charset="-79"/>
               </a:rPr>
@@ -8757,7 +8300,7 @@
           </a:p>
           <a:p>
             <a:r>
-              <a:rPr lang="en-US" sz="2400" dirty="0" smtClean="0">
+              <a:rPr lang="en-US" sz="2400" dirty="0">
                 <a:latin typeface="Book Antiqua" pitchFamily="18" charset="0"/>
                 <a:cs typeface="Adobe Hebrew" pitchFamily="18" charset="-79"/>
               </a:rPr>
@@ -8766,7 +8309,7 @@
           </a:p>
           <a:p>
             <a:r>
-              <a:rPr lang="en-US" sz="2400" dirty="0" smtClean="0">
+              <a:rPr lang="en-US" sz="2400" dirty="0">
                 <a:latin typeface="Book Antiqua" pitchFamily="18" charset="0"/>
                 <a:cs typeface="Adobe Hebrew" pitchFamily="18" charset="-79"/>
               </a:rPr>
@@ -8847,20 +8390,14 @@
           <a:lstStyle/>
           <a:p>
             <a:r>
-              <a:rPr lang="en-US" sz="3600" dirty="0" smtClean="0">
+              <a:rPr lang="en-US" sz="3600" dirty="0">
                 <a:latin typeface="Adobe Garamond Pro Bold" pitchFamily="18" charset="0"/>
               </a:rPr>
-              <a:t>   AIM </a:t>
-            </a:r>
-            <a:r>
-              <a:rPr lang="en-US" sz="3600" dirty="0" smtClean="0">
-                <a:latin typeface="Adobe Garamond Pro Bold" pitchFamily="18" charset="0"/>
-              </a:rPr>
-              <a:t>AND OBJECTIVES</a:t>
-            </a:r>
-          </a:p>
-          <a:p>
-            <a:endParaRPr lang="en-US" sz="1400" dirty="0" smtClean="0">
+              <a:t>   AIM AND OBJECTIVES</a:t>
+            </a:r>
+          </a:p>
+          <a:p>
+            <a:endParaRPr lang="en-US" sz="1400" dirty="0">
               <a:latin typeface="Adobe Garamond Pro Bold" pitchFamily="18" charset="0"/>
             </a:endParaRPr>
           </a:p>
@@ -8870,7 +8407,7 @@
               <a:buChar char="Ø"/>
             </a:pPr>
             <a:r>
-              <a:rPr lang="en-US" sz="2400" dirty="0" smtClean="0">
+              <a:rPr lang="en-US" sz="2400" dirty="0">
                 <a:latin typeface="Book Antiqua" pitchFamily="18" charset="0"/>
                 <a:cs typeface="Adobe Hebrew" pitchFamily="18" charset="-79"/>
               </a:rPr>
@@ -8879,23 +8416,16 @@
           </a:p>
           <a:p>
             <a:r>
-              <a:rPr lang="en-US" sz="2400" dirty="0" smtClean="0">
+              <a:rPr lang="en-US" sz="2400" dirty="0">
                 <a:latin typeface="Book Antiqua" pitchFamily="18" charset="0"/>
                 <a:cs typeface="Adobe Hebrew" pitchFamily="18" charset="-79"/>
               </a:rPr>
-              <a:t> </a:t>
-            </a:r>
-            <a:r>
-              <a:rPr lang="en-US" sz="2400" dirty="0" smtClean="0">
-                <a:latin typeface="Book Antiqua" pitchFamily="18" charset="0"/>
-                <a:cs typeface="Adobe Hebrew" pitchFamily="18" charset="-79"/>
-              </a:rPr>
-              <a:t>    assessing the answers given by the candidate   </a:t>
-            </a:r>
-          </a:p>
-          <a:p>
-            <a:r>
-              <a:rPr lang="en-US" sz="2400" dirty="0" smtClean="0">
+              <a:t>     assessing the answers given by the candidate   </a:t>
+            </a:r>
+          </a:p>
+          <a:p>
+            <a:r>
+              <a:rPr lang="en-US" sz="2400" dirty="0">
                 <a:latin typeface="Book Antiqua" pitchFamily="18" charset="0"/>
                 <a:cs typeface="Adobe Hebrew" pitchFamily="18" charset="-79"/>
               </a:rPr>
@@ -8908,30 +8438,16 @@
               <a:buChar char="Ø"/>
             </a:pPr>
             <a:r>
-              <a:rPr lang="en-US" sz="2400" dirty="0" smtClean="0">
+              <a:rPr lang="en-US" sz="2400" dirty="0">
                 <a:latin typeface="Book Antiqua" pitchFamily="18" charset="0"/>
                 <a:cs typeface="Adobe Hebrew" pitchFamily="18" charset="-79"/>
               </a:rPr>
-              <a:t> </a:t>
-            </a:r>
-            <a:r>
-              <a:rPr lang="en-US" sz="2400" dirty="0" smtClean="0">
-                <a:latin typeface="Book Antiqua" pitchFamily="18" charset="0"/>
-                <a:cs typeface="Adobe Hebrew" pitchFamily="18" charset="-79"/>
-              </a:rPr>
-              <a:t> </a:t>
-            </a:r>
-            <a:r>
-              <a:rPr lang="en-US" sz="2400" dirty="0" smtClean="0">
-                <a:latin typeface="Book Antiqua" pitchFamily="18" charset="0"/>
-                <a:cs typeface="Adobe Hebrew" pitchFamily="18" charset="-79"/>
-              </a:rPr>
-              <a:t>Being an integrated online examination system, it  </a:t>
-            </a:r>
-          </a:p>
-          <a:p>
-            <a:r>
-              <a:rPr lang="en-US" sz="2400" dirty="0" smtClean="0">
+              <a:t>  Being an integrated online examination system, it  </a:t>
+            </a:r>
+          </a:p>
+          <a:p>
+            <a:r>
+              <a:rPr lang="en-US" sz="2400" dirty="0">
                 <a:latin typeface="Book Antiqua" pitchFamily="18" charset="0"/>
                 <a:cs typeface="Adobe Hebrew" pitchFamily="18" charset="-79"/>
               </a:rPr>
@@ -8944,7 +8460,7 @@
               <a:buChar char="Ø"/>
             </a:pPr>
             <a:r>
-              <a:rPr lang="en-US" sz="2400" dirty="0" smtClean="0">
+              <a:rPr lang="en-US" sz="2400" dirty="0">
                 <a:latin typeface="Book Antiqua" pitchFamily="18" charset="0"/>
                 <a:cs typeface="Adobe Hebrew" pitchFamily="18" charset="-79"/>
               </a:rPr>
@@ -8953,7 +8469,7 @@
           </a:p>
           <a:p>
             <a:r>
-              <a:rPr lang="en-US" sz="2400" dirty="0" smtClean="0">
+              <a:rPr lang="en-US" sz="2400" dirty="0">
                 <a:latin typeface="Book Antiqua" pitchFamily="18" charset="0"/>
                 <a:cs typeface="Adobe Hebrew" pitchFamily="18" charset="-79"/>
               </a:rPr>
@@ -8966,30 +8482,12 @@
               <a:buChar char="Ø"/>
             </a:pPr>
             <a:r>
-              <a:rPr lang="en-US" sz="2400" dirty="0" smtClean="0">
+              <a:rPr lang="en-US" sz="2400" dirty="0">
                 <a:latin typeface="Book Antiqua" pitchFamily="18" charset="0"/>
                 <a:cs typeface="Adobe Hebrew" pitchFamily="18" charset="-79"/>
               </a:rPr>
-              <a:t>  It </a:t>
-            </a:r>
-            <a:r>
-              <a:rPr lang="en-US" sz="2400" dirty="0" smtClean="0">
-                <a:latin typeface="Book Antiqua" pitchFamily="18" charset="0"/>
-                <a:cs typeface="Adobe Hebrew" pitchFamily="18" charset="-79"/>
-              </a:rPr>
-              <a:t>will allow </a:t>
-            </a:r>
-            <a:r>
-              <a:rPr lang="en-US" sz="2400" dirty="0" smtClean="0">
-                <a:latin typeface="Book Antiqua" pitchFamily="18" charset="0"/>
-                <a:cs typeface="Adobe Hebrew" pitchFamily="18" charset="-79"/>
-              </a:rPr>
-              <a:t>faculty to create tests and answer key.</a:t>
-            </a:r>
-            <a:endParaRPr lang="en-US" sz="2400" dirty="0" smtClean="0">
-              <a:latin typeface="Book Antiqua" pitchFamily="18" charset="0"/>
-              <a:cs typeface="Adobe Hebrew" pitchFamily="18" charset="-79"/>
-            </a:endParaRPr>
+              <a:t>  It will allow faculty to create tests and answer key.</a:t>
+            </a:r>
           </a:p>
           <a:p>
             <a:pPr>
@@ -8997,7 +8495,7 @@
               <a:buChar char="Ø"/>
             </a:pPr>
             <a:r>
-              <a:rPr lang="en-US" sz="2400" dirty="0" smtClean="0">
+              <a:rPr lang="en-US" sz="2400" dirty="0">
                 <a:latin typeface="Book Antiqua" pitchFamily="18" charset="0"/>
                 <a:cs typeface="Adobe Hebrew" pitchFamily="18" charset="-79"/>
               </a:rPr>
@@ -9006,7 +8504,7 @@
           </a:p>
           <a:p>
             <a:r>
-              <a:rPr lang="en-US" sz="2400" dirty="0" smtClean="0">
+              <a:rPr lang="en-US" sz="2400" dirty="0">
                 <a:latin typeface="Book Antiqua" pitchFamily="18" charset="0"/>
                 <a:cs typeface="Adobe Hebrew" pitchFamily="18" charset="-79"/>
               </a:rPr>
@@ -9019,62 +8517,30 @@
               <a:buChar char="Ø"/>
             </a:pPr>
             <a:r>
-              <a:rPr lang="en-US" sz="2400" dirty="0" smtClean="0">
+              <a:rPr lang="en-US" sz="2400" dirty="0">
                 <a:latin typeface="Book Antiqua" pitchFamily="18" charset="0"/>
                 <a:cs typeface="Adobe Hebrew" pitchFamily="18" charset="-79"/>
               </a:rPr>
-              <a:t> </a:t>
-            </a:r>
-            <a:r>
-              <a:rPr lang="en-US" sz="2400" dirty="0" smtClean="0">
+              <a:t>  The web application can serve as an online   </a:t>
+            </a:r>
+          </a:p>
+          <a:p>
+            <a:r>
+              <a:rPr lang="en-US" sz="2400" dirty="0">
                 <a:latin typeface="Book Antiqua" pitchFamily="18" charset="0"/>
                 <a:cs typeface="Adobe Hebrew" pitchFamily="18" charset="-79"/>
               </a:rPr>
-              <a:t> </a:t>
-            </a:r>
-            <a:r>
-              <a:rPr lang="en-US" sz="2400" dirty="0" smtClean="0">
+              <a:t>     exam conducting platform for teachers, educational </a:t>
+            </a:r>
+          </a:p>
+          <a:p>
+            <a:r>
+              <a:rPr lang="en-US" sz="2400" dirty="0">
                 <a:latin typeface="Book Antiqua" pitchFamily="18" charset="0"/>
                 <a:cs typeface="Adobe Hebrew" pitchFamily="18" charset="-79"/>
               </a:rPr>
-              <a:t>The web application can serve as an online   </a:t>
-            </a:r>
-          </a:p>
-          <a:p>
-            <a:r>
-              <a:rPr lang="en-US" sz="2400" dirty="0" smtClean="0">
-                <a:latin typeface="Book Antiqua" pitchFamily="18" charset="0"/>
-                <a:cs typeface="Adobe Hebrew" pitchFamily="18" charset="-79"/>
-              </a:rPr>
-              <a:t>     exam conducting platform for teachers, educational </a:t>
-            </a:r>
-          </a:p>
-          <a:p>
-            <a:r>
-              <a:rPr lang="en-US" sz="2400" dirty="0" smtClean="0">
-                <a:latin typeface="Book Antiqua" pitchFamily="18" charset="0"/>
-                <a:cs typeface="Adobe Hebrew" pitchFamily="18" charset="-79"/>
-              </a:rPr>
-              <a:t> </a:t>
-            </a:r>
-            <a:r>
-              <a:rPr lang="en-US" sz="2400" dirty="0" smtClean="0">
-                <a:latin typeface="Book Antiqua" pitchFamily="18" charset="0"/>
-                <a:cs typeface="Adobe Hebrew" pitchFamily="18" charset="-79"/>
-              </a:rPr>
-              <a:t>    </a:t>
-            </a:r>
-            <a:r>
-              <a:rPr lang="en-US" sz="2400" dirty="0" smtClean="0">
-                <a:latin typeface="Book Antiqua" pitchFamily="18" charset="0"/>
-                <a:cs typeface="Adobe Hebrew" pitchFamily="18" charset="-79"/>
-              </a:rPr>
-              <a:t>institutions and organizations.</a:t>
-            </a:r>
-            <a:endParaRPr lang="en-US" sz="2400" dirty="0">
-              <a:latin typeface="Book Antiqua" pitchFamily="18" charset="0"/>
-              <a:cs typeface="Adobe Hebrew" pitchFamily="18" charset="-79"/>
-            </a:endParaRPr>
+              <a:t>     institutions and organizations.</a:t>
+            </a:r>
           </a:p>
         </p:txBody>
       </p:sp>
@@ -9150,26 +8616,14 @@
           <a:lstStyle/>
           <a:p>
             <a:r>
-              <a:rPr lang="en-US" sz="3600" dirty="0" smtClean="0">
+              <a:rPr lang="en-US" sz="3600" dirty="0">
                 <a:latin typeface="Adobe Garamond Pro Bold" pitchFamily="18" charset="0"/>
               </a:rPr>
-              <a:t>   SCOPE </a:t>
-            </a:r>
-            <a:r>
-              <a:rPr lang="en-US" sz="3600" dirty="0" smtClean="0">
-                <a:latin typeface="Adobe Garamond Pro Bold" pitchFamily="18" charset="0"/>
-              </a:rPr>
-              <a:t>AND </a:t>
-            </a:r>
-            <a:r>
-              <a:rPr lang="en-US" sz="3600" dirty="0" smtClean="0">
-                <a:latin typeface="Adobe Garamond Pro Bold" pitchFamily="18" charset="0"/>
-              </a:rPr>
-              <a:t>PURPOSE</a:t>
-            </a:r>
-          </a:p>
-          <a:p>
-            <a:endParaRPr lang="en-US" sz="1400" dirty="0" smtClean="0">
+              <a:t>   SCOPE AND PURPOSE</a:t>
+            </a:r>
+          </a:p>
+          <a:p>
+            <a:endParaRPr lang="en-US" sz="1400" dirty="0">
               <a:latin typeface="Adobe Garamond Pro Bold" pitchFamily="18" charset="0"/>
             </a:endParaRPr>
           </a:p>
@@ -9179,7 +8633,7 @@
               <a:buChar char="Ø"/>
             </a:pPr>
             <a:r>
-              <a:rPr lang="en-IN" sz="2400" dirty="0" smtClean="0">
+              <a:rPr lang="en-IN" sz="2400" dirty="0">
                 <a:latin typeface="Book Antiqua" pitchFamily="18" charset="0"/>
                 <a:cs typeface="Adobe Hebrew" pitchFamily="18" charset="-79"/>
               </a:rPr>
@@ -9188,7 +8642,7 @@
           </a:p>
           <a:p>
             <a:r>
-              <a:rPr lang="en-IN" sz="2400" dirty="0" smtClean="0">
+              <a:rPr lang="en-IN" sz="2400" dirty="0">
                 <a:latin typeface="Book Antiqua" pitchFamily="18" charset="0"/>
                 <a:cs typeface="Adobe Hebrew" pitchFamily="18" charset="-79"/>
               </a:rPr>
@@ -9196,7 +8650,7 @@
             </a:r>
           </a:p>
           <a:p>
-            <a:endParaRPr lang="en-IN" sz="800" dirty="0" smtClean="0">
+            <a:endParaRPr lang="en-IN" sz="800" dirty="0">
               <a:latin typeface="Book Antiqua" pitchFamily="18" charset="0"/>
               <a:cs typeface="Adobe Hebrew" pitchFamily="18" charset="-79"/>
             </a:endParaRPr>
@@ -9207,7 +8661,7 @@
               <a:buChar char="Ø"/>
             </a:pPr>
             <a:r>
-              <a:rPr lang="en-IN" sz="2400" dirty="0" smtClean="0">
+              <a:rPr lang="en-IN" sz="2400" dirty="0">
                 <a:latin typeface="Book Antiqua" pitchFamily="18" charset="0"/>
                 <a:cs typeface="Adobe Hebrew" pitchFamily="18" charset="-79"/>
               </a:rPr>
@@ -9216,29 +8670,15 @@
           </a:p>
           <a:p>
             <a:r>
-              <a:rPr lang="en-IN" sz="2400" dirty="0" smtClean="0">
+              <a:rPr lang="en-IN" sz="2400" dirty="0">
                 <a:latin typeface="Book Antiqua" pitchFamily="18" charset="0"/>
                 <a:cs typeface="Adobe Hebrew" pitchFamily="18" charset="-79"/>
               </a:rPr>
-              <a:t> </a:t>
-            </a:r>
-            <a:r>
-              <a:rPr lang="en-IN" sz="2400" dirty="0" smtClean="0">
-                <a:latin typeface="Book Antiqua" pitchFamily="18" charset="0"/>
-                <a:cs typeface="Adobe Hebrew" pitchFamily="18" charset="-79"/>
-              </a:rPr>
-              <a:t>    </a:t>
-            </a:r>
-            <a:r>
-              <a:rPr lang="en-IN" sz="2400" dirty="0" smtClean="0">
-                <a:latin typeface="Book Antiqua" pitchFamily="18" charset="0"/>
-                <a:cs typeface="Adobe Hebrew" pitchFamily="18" charset="-79"/>
-              </a:rPr>
-              <a:t>application.</a:t>
-            </a:r>
-          </a:p>
-          <a:p>
-            <a:endParaRPr lang="en-IN" sz="800" dirty="0" smtClean="0">
+              <a:t>     application.</a:t>
+            </a:r>
+          </a:p>
+          <a:p>
+            <a:endParaRPr lang="en-IN" sz="800" dirty="0">
               <a:latin typeface="Book Antiqua" pitchFamily="18" charset="0"/>
               <a:cs typeface="Adobe Hebrew" pitchFamily="18" charset="-79"/>
             </a:endParaRPr>
@@ -9249,7 +8689,7 @@
               <a:buChar char="Ø"/>
             </a:pPr>
             <a:r>
-              <a:rPr lang="en-IN" sz="2400" dirty="0" smtClean="0">
+              <a:rPr lang="en-IN" sz="2400" dirty="0">
                 <a:latin typeface="Book Antiqua" pitchFamily="18" charset="0"/>
                 <a:cs typeface="Adobe Hebrew" pitchFamily="18" charset="-79"/>
               </a:rPr>
@@ -9258,7 +8698,7 @@
           </a:p>
           <a:p>
             <a:r>
-              <a:rPr lang="en-IN" sz="2400" dirty="0" smtClean="0">
+              <a:rPr lang="en-IN" sz="2400" dirty="0">
                 <a:latin typeface="Book Antiqua" pitchFamily="18" charset="0"/>
                 <a:cs typeface="Adobe Hebrew" pitchFamily="18" charset="-79"/>
               </a:rPr>
@@ -9266,7 +8706,7 @@
             </a:r>
           </a:p>
           <a:p>
-            <a:endParaRPr lang="en-IN" sz="800" dirty="0" smtClean="0">
+            <a:endParaRPr lang="en-IN" sz="800" dirty="0">
               <a:latin typeface="Book Antiqua" pitchFamily="18" charset="0"/>
               <a:cs typeface="Adobe Hebrew" pitchFamily="18" charset="-79"/>
             </a:endParaRPr>
@@ -9277,7 +8717,7 @@
               <a:buChar char="Ø"/>
             </a:pPr>
             <a:r>
-              <a:rPr lang="en-IN" sz="2400" dirty="0" smtClean="0">
+              <a:rPr lang="en-IN" sz="2400" dirty="0">
                 <a:latin typeface="Book Antiqua" pitchFamily="18" charset="0"/>
                 <a:cs typeface="Adobe Hebrew" pitchFamily="18" charset="-79"/>
               </a:rPr>
@@ -9289,7 +8729,7 @@
               <a:buFont typeface="Wingdings" pitchFamily="2" charset="2"/>
               <a:buChar char="Ø"/>
             </a:pPr>
-            <a:endParaRPr lang="en-IN" sz="800" dirty="0" smtClean="0">
+            <a:endParaRPr lang="en-IN" sz="800" dirty="0">
               <a:latin typeface="Book Antiqua" pitchFamily="18" charset="0"/>
               <a:cs typeface="Adobe Hebrew" pitchFamily="18" charset="-79"/>
             </a:endParaRPr>
@@ -9300,41 +8740,34 @@
               <a:buChar char="Ø"/>
             </a:pPr>
             <a:r>
-              <a:rPr lang="en-IN" sz="2400" dirty="0" smtClean="0">
+              <a:rPr lang="en-IN" sz="2400" dirty="0">
                 <a:latin typeface="Book Antiqua" pitchFamily="18" charset="0"/>
                 <a:cs typeface="Adobe Hebrew" pitchFamily="18" charset="-79"/>
               </a:rPr>
-              <a:t> </a:t>
-            </a:r>
-            <a:r>
-              <a:rPr lang="en-IN" sz="2400" dirty="0" smtClean="0">
+              <a:t>  Online Examination is designed for educational  </a:t>
+            </a:r>
+          </a:p>
+          <a:p>
+            <a:r>
+              <a:rPr lang="en-IN" sz="2400" dirty="0">
                 <a:latin typeface="Book Antiqua" pitchFamily="18" charset="0"/>
                 <a:cs typeface="Adobe Hebrew" pitchFamily="18" charset="-79"/>
               </a:rPr>
-              <a:t> Online Examination is designed for educational  </a:t>
-            </a:r>
-          </a:p>
-          <a:p>
-            <a:r>
-              <a:rPr lang="en-IN" sz="2400" dirty="0" smtClean="0">
+              <a:t>     institutes like schools, colleges and private institutes to </a:t>
+            </a:r>
+          </a:p>
+          <a:p>
+            <a:r>
+              <a:rPr lang="en-IN" sz="2400" dirty="0">
                 <a:latin typeface="Book Antiqua" pitchFamily="18" charset="0"/>
                 <a:cs typeface="Adobe Hebrew" pitchFamily="18" charset="-79"/>
               </a:rPr>
-              <a:t>     institutes like schools, colleges and private institutes to </a:t>
-            </a:r>
-          </a:p>
-          <a:p>
-            <a:r>
-              <a:rPr lang="en-IN" sz="2400" dirty="0" smtClean="0">
-                <a:latin typeface="Book Antiqua" pitchFamily="18" charset="0"/>
-                <a:cs typeface="Adobe Hebrew" pitchFamily="18" charset="-79"/>
-              </a:rPr>
               <a:t>     conduct logic tests of their students  or employees on             </a:t>
             </a:r>
           </a:p>
           <a:p>
             <a:r>
-              <a:rPr lang="en-IN" sz="2400" dirty="0" smtClean="0">
+              <a:rPr lang="en-IN" sz="2400" dirty="0">
                 <a:latin typeface="Book Antiqua" pitchFamily="18" charset="0"/>
                 <a:cs typeface="Adobe Hebrew" pitchFamily="18" charset="-79"/>
               </a:rPr>
@@ -9442,28 +8875,25 @@
           <a:lstStyle/>
           <a:p>
             <a:r>
-              <a:rPr lang="en-US" sz="3600" dirty="0" smtClean="0">
+              <a:rPr lang="en-US" sz="3600" dirty="0">
                 <a:latin typeface="Adobe Garamond Pro Bold" pitchFamily="18" charset="0"/>
               </a:rPr>
               <a:t>  BRIEF DISCRIPTION</a:t>
             </a:r>
           </a:p>
           <a:p>
-            <a:endParaRPr lang="en-US" sz="1200" dirty="0" smtClean="0">
+            <a:endParaRPr lang="en-US" sz="1200" dirty="0">
               <a:latin typeface="Adobe Garamond Pro Bold" pitchFamily="18" charset="0"/>
             </a:endParaRPr>
           </a:p>
           <a:p>
             <a:pPr algn="ctr"/>
             <a:r>
-              <a:rPr lang="en-US" sz="2800" dirty="0" smtClean="0">
+              <a:rPr lang="en-US" sz="2800" dirty="0">
                 <a:latin typeface="Adobe Garamond Pro Bold" pitchFamily="18" charset="0"/>
               </a:rPr>
               <a:t>Basic Block Diagram</a:t>
             </a:r>
-            <a:endParaRPr lang="en-US" sz="2800" dirty="0">
-              <a:latin typeface="Adobe Garamond Pro Bold" pitchFamily="18" charset="0"/>
-            </a:endParaRPr>
           </a:p>
         </p:txBody>
       </p:sp>
@@ -9538,43 +8968,22 @@
           </a:bodyPr>
           <a:lstStyle/>
           <a:p>
-            <a:r>
-              <a:rPr lang="en-US" sz="4000" dirty="0">
-                <a:latin typeface="Adobe Garamond Pro Bold" pitchFamily="18" charset="0"/>
-              </a:rPr>
-              <a:t/>
-            </a:r>
             <a:br>
               <a:rPr lang="en-US" sz="4000" dirty="0">
                 <a:latin typeface="Adobe Garamond Pro Bold" pitchFamily="18" charset="0"/>
               </a:rPr>
             </a:br>
             <a:r>
-              <a:rPr lang="en-US" sz="4000" dirty="0" smtClean="0">
+              <a:rPr lang="en-US" sz="4000" dirty="0">
                 <a:solidFill>
                   <a:schemeClr val="tx1"/>
                 </a:solidFill>
                 <a:latin typeface="Adobe Garamond Pro Bold" pitchFamily="18" charset="0"/>
               </a:rPr>
-              <a:t>USERS </a:t>
-            </a:r>
-            <a:r>
-              <a:rPr lang="en-US" sz="4000" dirty="0" smtClean="0">
-                <a:solidFill>
-                  <a:schemeClr val="tx1"/>
-                </a:solidFill>
-                <a:latin typeface="Adobe Garamond Pro Bold" pitchFamily="18" charset="0"/>
-              </a:rPr>
-              <a:t>OF THE  SYSTEM</a:t>
-            </a:r>
-            <a:r>
-              <a:rPr lang="en-US" sz="4800" dirty="0" smtClean="0">
-                <a:latin typeface="Adobe Garamond Pro Bold" pitchFamily="18" charset="0"/>
-              </a:rPr>
-              <a:t/>
+              <a:t>USERS OF THE  SYSTEM</a:t>
             </a:r>
             <a:br>
-              <a:rPr lang="en-US" sz="4800" dirty="0" smtClean="0">
+              <a:rPr lang="en-US" sz="4800" dirty="0">
                 <a:latin typeface="Adobe Garamond Pro Bold" pitchFamily="18" charset="0"/>
               </a:rPr>
             </a:br>
@@ -9611,18 +9020,11 @@
               <a:buChar char="Ø"/>
             </a:pPr>
             <a:r>
-              <a:rPr lang="en-US" sz="2800" dirty="0" smtClean="0">
+              <a:rPr lang="en-US" sz="2800" dirty="0">
                 <a:latin typeface="Adobe Hebrew" pitchFamily="18" charset="-79"/>
                 <a:cs typeface="Adobe Hebrew" pitchFamily="18" charset="-79"/>
               </a:rPr>
-              <a:t> </a:t>
-            </a:r>
-            <a:r>
-              <a:rPr lang="en-US" sz="2800" dirty="0" smtClean="0">
-                <a:latin typeface="Adobe Hebrew" pitchFamily="18" charset="-79"/>
-                <a:cs typeface="Adobe Hebrew" pitchFamily="18" charset="-79"/>
-              </a:rPr>
-              <a:t>Administrators</a:t>
+              <a:t> Administrators</a:t>
             </a:r>
           </a:p>
           <a:p>
@@ -9631,7 +9033,7 @@
               <a:buChar char="•"/>
             </a:pPr>
             <a:r>
-              <a:rPr lang="en-US" sz="2400" dirty="0" smtClean="0">
+              <a:rPr lang="en-US" sz="2400" dirty="0">
                 <a:latin typeface="Book Antiqua" pitchFamily="18" charset="0"/>
                 <a:cs typeface="Adobe Hebrew" pitchFamily="18" charset="-79"/>
               </a:rPr>
@@ -9644,7 +9046,7 @@
               <a:buChar char="•"/>
             </a:pPr>
             <a:r>
-              <a:rPr lang="en-US" sz="2400" dirty="0" smtClean="0">
+              <a:rPr lang="en-US" sz="2400" dirty="0">
                 <a:latin typeface="Book Antiqua" pitchFamily="18" charset="0"/>
                 <a:cs typeface="Adobe Hebrew" pitchFamily="18" charset="-79"/>
               </a:rPr>
@@ -9657,7 +9059,7 @@
               <a:buChar char="•"/>
             </a:pPr>
             <a:r>
-              <a:rPr lang="en-US" sz="2400" dirty="0" smtClean="0">
+              <a:rPr lang="en-US" sz="2400" dirty="0">
                 <a:latin typeface="Book Antiqua" pitchFamily="18" charset="0"/>
                 <a:cs typeface="Adobe Hebrew" pitchFamily="18" charset="-79"/>
               </a:rPr>
@@ -9670,7 +9072,7 @@
               <a:buChar char="•"/>
             </a:pPr>
             <a:r>
-              <a:rPr lang="en-US" sz="2400" dirty="0" smtClean="0">
+              <a:rPr lang="en-US" sz="2400" dirty="0">
                 <a:latin typeface="Book Antiqua" pitchFamily="18" charset="0"/>
                 <a:cs typeface="Adobe Hebrew" pitchFamily="18" charset="-79"/>
               </a:rPr>
@@ -9683,7 +9085,7 @@
               <a:buChar char="•"/>
             </a:pPr>
             <a:r>
-              <a:rPr lang="en-US" sz="2400" dirty="0" smtClean="0">
+              <a:rPr lang="en-US" sz="2400" dirty="0">
                 <a:latin typeface="Book Antiqua" pitchFamily="18" charset="0"/>
                 <a:cs typeface="Adobe Hebrew" pitchFamily="18" charset="-79"/>
               </a:rPr>
@@ -9696,7 +9098,7 @@
               <a:buChar char="•"/>
             </a:pPr>
             <a:r>
-              <a:rPr lang="en-US" sz="2400" dirty="0" smtClean="0">
+              <a:rPr lang="en-US" sz="2400" dirty="0">
                 <a:latin typeface="Book Antiqua" pitchFamily="18" charset="0"/>
                 <a:cs typeface="Adobe Hebrew" pitchFamily="18" charset="-79"/>
               </a:rPr>
@@ -9708,7 +9110,7 @@
               <a:buFont typeface="Arial" pitchFamily="34" charset="0"/>
               <a:buChar char="•"/>
             </a:pPr>
-            <a:endParaRPr lang="en-US" sz="800" dirty="0" smtClean="0">
+            <a:endParaRPr lang="en-US" sz="800" dirty="0">
               <a:latin typeface="Book Antiqua" pitchFamily="18" charset="0"/>
               <a:cs typeface="Adobe Hebrew" pitchFamily="18" charset="-79"/>
             </a:endParaRPr>
@@ -9719,18 +9121,11 @@
               <a:buChar char="Ø"/>
             </a:pPr>
             <a:r>
-              <a:rPr lang="en-US" sz="2800" dirty="0" smtClean="0">
+              <a:rPr lang="en-US" sz="2800" dirty="0">
                 <a:latin typeface="Adobe Hebrew" pitchFamily="18" charset="-79"/>
                 <a:cs typeface="Adobe Hebrew" pitchFamily="18" charset="-79"/>
               </a:rPr>
-              <a:t> </a:t>
-            </a:r>
-            <a:r>
-              <a:rPr lang="en-US" sz="2800" dirty="0" smtClean="0">
-                <a:latin typeface="Adobe Hebrew" pitchFamily="18" charset="-79"/>
-                <a:cs typeface="Adobe Hebrew" pitchFamily="18" charset="-79"/>
-              </a:rPr>
-              <a:t>Students</a:t>
+              <a:t> Students</a:t>
             </a:r>
           </a:p>
           <a:p>
@@ -9739,7 +9134,7 @@
               <a:buChar char="•"/>
             </a:pPr>
             <a:r>
-              <a:rPr lang="en-US" sz="2400" dirty="0" smtClean="0">
+              <a:rPr lang="en-US" sz="2400" dirty="0">
                 <a:latin typeface="Book Antiqua" pitchFamily="18" charset="0"/>
                 <a:cs typeface="Adobe Hebrew" pitchFamily="18" charset="-79"/>
               </a:rPr>
@@ -9752,7 +9147,7 @@
               <a:buChar char="•"/>
             </a:pPr>
             <a:r>
-              <a:rPr lang="en-US" sz="2400" dirty="0" smtClean="0">
+              <a:rPr lang="en-US" sz="2400" dirty="0">
                 <a:latin typeface="Book Antiqua" pitchFamily="18" charset="0"/>
                 <a:cs typeface="Adobe Hebrew" pitchFamily="18" charset="-79"/>
               </a:rPr>
@@ -9765,7 +9160,7 @@
               <a:buChar char="•"/>
             </a:pPr>
             <a:r>
-              <a:rPr lang="en-US" sz="2400" dirty="0" smtClean="0">
+              <a:rPr lang="en-US" sz="2400" dirty="0">
                 <a:latin typeface="Book Antiqua" pitchFamily="18" charset="0"/>
                 <a:cs typeface="Adobe Hebrew" pitchFamily="18" charset="-79"/>
               </a:rPr>
@@ -9778,7 +9173,7 @@
               <a:buChar char="•"/>
             </a:pPr>
             <a:r>
-              <a:rPr lang="en-US" sz="2400" dirty="0" smtClean="0">
+              <a:rPr lang="en-US" sz="2400" dirty="0">
                 <a:latin typeface="Book Antiqua" pitchFamily="18" charset="0"/>
                 <a:cs typeface="Adobe Hebrew" pitchFamily="18" charset="-79"/>
               </a:rPr>
@@ -9791,7 +9186,7 @@
               <a:buChar char="•"/>
             </a:pPr>
             <a:r>
-              <a:rPr lang="en-US" sz="2400" dirty="0" smtClean="0">
+              <a:rPr lang="en-US" sz="2400" dirty="0">
                 <a:latin typeface="Book Antiqua" pitchFamily="18" charset="0"/>
                 <a:cs typeface="Adobe Hebrew" pitchFamily="18" charset="-79"/>
               </a:rPr>
@@ -9804,16 +9199,12 @@
               <a:buChar char="•"/>
             </a:pPr>
             <a:r>
-              <a:rPr lang="en-US" sz="2400" dirty="0" smtClean="0">
+              <a:rPr lang="en-US" sz="2400" dirty="0">
                 <a:latin typeface="Book Antiqua" pitchFamily="18" charset="0"/>
                 <a:cs typeface="Adobe Hebrew" pitchFamily="18" charset="-79"/>
               </a:rPr>
               <a:t>   Exam password</a:t>
             </a:r>
-            <a:endParaRPr lang="en-US" sz="2400" dirty="0" smtClean="0">
-              <a:latin typeface="Book Antiqua" pitchFamily="18" charset="0"/>
-              <a:cs typeface="Adobe Hebrew" pitchFamily="18" charset="-79"/>
-            </a:endParaRPr>
           </a:p>
         </p:txBody>
       </p:sp>
